--- a/Лекции/9/Шаблоны.pptx
+++ b/Лекции/9/Шаблоны.pptx
@@ -5,7 +5,7 @@
     <p:sldMasterId id="2147483648" r:id="rId1"/>
   </p:sldMasterIdLst>
   <p:notesMasterIdLst>
-    <p:notesMasterId r:id="rId16"/>
+    <p:notesMasterId r:id="rId19"/>
   </p:notesMasterIdLst>
   <p:sldIdLst>
     <p:sldId id="256" r:id="rId2"/>
@@ -17,11 +17,14 @@
     <p:sldId id="282" r:id="rId8"/>
     <p:sldId id="283" r:id="rId9"/>
     <p:sldId id="284" r:id="rId10"/>
-    <p:sldId id="285" r:id="rId11"/>
-    <p:sldId id="286" r:id="rId12"/>
-    <p:sldId id="287" r:id="rId13"/>
-    <p:sldId id="288" r:id="rId14"/>
-    <p:sldId id="271" r:id="rId15"/>
+    <p:sldId id="291" r:id="rId11"/>
+    <p:sldId id="285" r:id="rId12"/>
+    <p:sldId id="286" r:id="rId13"/>
+    <p:sldId id="287" r:id="rId14"/>
+    <p:sldId id="288" r:id="rId15"/>
+    <p:sldId id="289" r:id="rId16"/>
+    <p:sldId id="290" r:id="rId17"/>
+    <p:sldId id="271" r:id="rId18"/>
   </p:sldIdLst>
   <p:sldSz cx="12192000" cy="6858000"/>
   <p:notesSz cx="6858000" cy="9144000"/>
@@ -210,7 +213,7 @@
           <a:p>
             <a:fld id="{A8655AC4-5CA5-44BA-A2FA-C6B5599E86AD}" type="datetimeFigureOut">
               <a:rPr lang="ru-RU" smtClean="0"/>
-              <a:t>10.11.2020</a:t>
+              <a:t>09.11.2021</a:t>
             </a:fld>
             <a:endParaRPr lang="ru-RU"/>
           </a:p>
@@ -609,7 +612,7 @@
           <a:p>
             <a:fld id="{87D644A0-8973-438C-9519-2E284ACDF610}" type="datetimeFigureOut">
               <a:rPr lang="ru-RU" smtClean="0"/>
-              <a:t>10.11.2020</a:t>
+              <a:t>09.11.2021</a:t>
             </a:fld>
             <a:endParaRPr lang="ru-RU"/>
           </a:p>
@@ -779,7 +782,7 @@
           <a:p>
             <a:fld id="{87D644A0-8973-438C-9519-2E284ACDF610}" type="datetimeFigureOut">
               <a:rPr lang="ru-RU" smtClean="0"/>
-              <a:t>10.11.2020</a:t>
+              <a:t>09.11.2021</a:t>
             </a:fld>
             <a:endParaRPr lang="ru-RU"/>
           </a:p>
@@ -959,7 +962,7 @@
           <a:p>
             <a:fld id="{87D644A0-8973-438C-9519-2E284ACDF610}" type="datetimeFigureOut">
               <a:rPr lang="ru-RU" smtClean="0"/>
-              <a:t>10.11.2020</a:t>
+              <a:t>09.11.2021</a:t>
             </a:fld>
             <a:endParaRPr lang="ru-RU"/>
           </a:p>
@@ -1129,7 +1132,7 @@
           <a:p>
             <a:fld id="{87D644A0-8973-438C-9519-2E284ACDF610}" type="datetimeFigureOut">
               <a:rPr lang="ru-RU" smtClean="0"/>
-              <a:t>10.11.2020</a:t>
+              <a:t>09.11.2021</a:t>
             </a:fld>
             <a:endParaRPr lang="ru-RU"/>
           </a:p>
@@ -1375,7 +1378,7 @@
           <a:p>
             <a:fld id="{87D644A0-8973-438C-9519-2E284ACDF610}" type="datetimeFigureOut">
               <a:rPr lang="ru-RU" smtClean="0"/>
-              <a:t>10.11.2020</a:t>
+              <a:t>09.11.2021</a:t>
             </a:fld>
             <a:endParaRPr lang="ru-RU"/>
           </a:p>
@@ -1607,7 +1610,7 @@
           <a:p>
             <a:fld id="{87D644A0-8973-438C-9519-2E284ACDF610}" type="datetimeFigureOut">
               <a:rPr lang="ru-RU" smtClean="0"/>
-              <a:t>10.11.2020</a:t>
+              <a:t>09.11.2021</a:t>
             </a:fld>
             <a:endParaRPr lang="ru-RU"/>
           </a:p>
@@ -1974,7 +1977,7 @@
           <a:p>
             <a:fld id="{87D644A0-8973-438C-9519-2E284ACDF610}" type="datetimeFigureOut">
               <a:rPr lang="ru-RU" smtClean="0"/>
-              <a:t>10.11.2020</a:t>
+              <a:t>09.11.2021</a:t>
             </a:fld>
             <a:endParaRPr lang="ru-RU"/>
           </a:p>
@@ -2092,7 +2095,7 @@
           <a:p>
             <a:fld id="{87D644A0-8973-438C-9519-2E284ACDF610}" type="datetimeFigureOut">
               <a:rPr lang="ru-RU" smtClean="0"/>
-              <a:t>10.11.2020</a:t>
+              <a:t>09.11.2021</a:t>
             </a:fld>
             <a:endParaRPr lang="ru-RU"/>
           </a:p>
@@ -2187,7 +2190,7 @@
           <a:p>
             <a:fld id="{87D644A0-8973-438C-9519-2E284ACDF610}" type="datetimeFigureOut">
               <a:rPr lang="ru-RU" smtClean="0"/>
-              <a:t>10.11.2020</a:t>
+              <a:t>09.11.2021</a:t>
             </a:fld>
             <a:endParaRPr lang="ru-RU"/>
           </a:p>
@@ -2464,7 +2467,7 @@
           <a:p>
             <a:fld id="{87D644A0-8973-438C-9519-2E284ACDF610}" type="datetimeFigureOut">
               <a:rPr lang="ru-RU" smtClean="0"/>
-              <a:t>10.11.2020</a:t>
+              <a:t>09.11.2021</a:t>
             </a:fld>
             <a:endParaRPr lang="ru-RU"/>
           </a:p>
@@ -2717,7 +2720,7 @@
           <a:p>
             <a:fld id="{87D644A0-8973-438C-9519-2E284ACDF610}" type="datetimeFigureOut">
               <a:rPr lang="ru-RU" smtClean="0"/>
-              <a:t>10.11.2020</a:t>
+              <a:t>09.11.2021</a:t>
             </a:fld>
             <a:endParaRPr lang="ru-RU"/>
           </a:p>
@@ -2930,7 +2933,7 @@
           <a:p>
             <a:fld id="{87D644A0-8973-438C-9519-2E284ACDF610}" type="datetimeFigureOut">
               <a:rPr lang="ru-RU" smtClean="0"/>
-              <a:t>10.11.2020</a:t>
+              <a:t>09.11.2021</a:t>
             </a:fld>
             <a:endParaRPr lang="ru-RU"/>
           </a:p>
@@ -3466,16 +3469,7 @@
                 </a:solidFill>
                 <a:latin typeface="Calibri" panose="020F0502020204030204" pitchFamily="34" charset="0"/>
               </a:rPr>
-              <a:t>: </a:t>
-            </a:r>
-            <a:r>
-              <a:rPr lang="ru-RU" sz="3600" b="1" dirty="0" smtClean="0">
-                <a:solidFill>
-                  <a:srgbClr val="000000"/>
-                </a:solidFill>
-                <a:latin typeface="Calibri" panose="020F0502020204030204" pitchFamily="34" charset="0"/>
-              </a:rPr>
-              <a:t>Шаблонны.</a:t>
+              <a:t>: Шаблонны.</a:t>
             </a:r>
             <a:endParaRPr lang="ru-RU" sz="3600" b="1" dirty="0">
               <a:solidFill>
@@ -3610,8 +3604,8 @@
         </p:nvSpPr>
         <p:spPr>
           <a:xfrm>
-            <a:off x="4544270" y="0"/>
-            <a:ext cx="3103478" cy="523220"/>
+            <a:off x="2257751" y="0"/>
+            <a:ext cx="7676525" cy="523220"/>
           </a:xfrm>
           <a:prstGeom prst="rect">
             <a:avLst/>
@@ -3626,7 +3620,11 @@
             <a:pPr algn="ctr"/>
             <a:r>
               <a:rPr lang="ru-RU" sz="2800" b="1" dirty="0" smtClean="0"/>
-              <a:t>Шаблонная класса</a:t>
+              <a:t>Шаблонная функция и </a:t>
+            </a:r>
+            <a:r>
+              <a:rPr lang="ru-RU" sz="2800" b="1" dirty="0" smtClean="0"/>
+              <a:t>собственная реализация</a:t>
             </a:r>
             <a:endParaRPr lang="ru-RU" sz="2800" b="1" dirty="0"/>
           </a:p>
@@ -3634,14 +3632,14 @@
       </p:sp>
       <p:sp>
         <p:nvSpPr>
-          <p:cNvPr id="4" name="Прямоугольник 3"/>
+          <p:cNvPr id="3" name="Прямоугольник 2"/>
           <p:cNvSpPr/>
           <p:nvPr/>
         </p:nvSpPr>
         <p:spPr>
           <a:xfrm>
-            <a:off x="401381" y="685410"/>
-            <a:ext cx="11389255" cy="1200329"/>
+            <a:off x="485869" y="782752"/>
+            <a:ext cx="11455652" cy="646331"/>
           </a:xfrm>
           <a:prstGeom prst="rect">
             <a:avLst/>
@@ -3654,64 +3652,8 @@
           <a:lstStyle/>
           <a:p>
             <a:r>
-              <a:rPr lang="ru-RU" dirty="0" smtClean="0"/>
-              <a:t>Шаблоны</a:t>
-            </a:r>
-            <a:r>
-              <a:rPr lang="en-US" dirty="0" smtClean="0"/>
-              <a:t> </a:t>
-            </a:r>
-            <a:r>
-              <a:rPr lang="ru-RU" dirty="0" smtClean="0"/>
-              <a:t>классов аналогично шаблону функции объявляются при помощи ключевого слова </a:t>
-            </a:r>
-            <a:r>
-              <a:rPr lang="en-US" dirty="0" smtClean="0">
-                <a:solidFill>
-                  <a:srgbClr val="0000FF"/>
-                </a:solidFill>
-                <a:latin typeface="Consolas" panose="020B0609020204030204" pitchFamily="49" charset="0"/>
-              </a:rPr>
-              <a:t>template</a:t>
-            </a:r>
-            <a:r>
-              <a:rPr lang="ru-RU" dirty="0" smtClean="0"/>
-              <a:t>. Далее следуют угловые скобки </a:t>
-            </a:r>
-            <a:r>
-              <a:rPr lang="en-US" dirty="0" smtClean="0">
-                <a:solidFill>
-                  <a:srgbClr val="000000"/>
-                </a:solidFill>
-                <a:latin typeface="Consolas" panose="020B0609020204030204" pitchFamily="49" charset="0"/>
-              </a:rPr>
-              <a:t>&lt;</a:t>
-            </a:r>
-            <a:r>
-              <a:rPr lang="en-US" dirty="0">
-                <a:solidFill>
-                  <a:srgbClr val="000000"/>
-                </a:solidFill>
-                <a:latin typeface="Consolas" panose="020B0609020204030204" pitchFamily="49" charset="0"/>
-              </a:rPr>
-              <a:t> </a:t>
-            </a:r>
-            <a:r>
-              <a:rPr lang="en-US" dirty="0" smtClean="0">
-                <a:solidFill>
-                  <a:srgbClr val="000000"/>
-                </a:solidFill>
-                <a:latin typeface="Consolas" panose="020B0609020204030204" pitchFamily="49" charset="0"/>
-              </a:rPr>
-              <a:t>&gt; </a:t>
-            </a:r>
-            <a:r>
-              <a:rPr lang="ru-RU" dirty="0" smtClean="0"/>
-              <a:t>между которыми через запятую указываться параметры шаблона. А далее идет стандартное описание класса в котором для каких либо целей могут использоваться параметры шаблона, итоговая сигнатура будет выглядеть так</a:t>
-            </a:r>
-            <a:r>
-              <a:rPr lang="en-US" dirty="0" smtClean="0"/>
-              <a:t>:</a:t>
+              <a:rPr lang="ru-RU" dirty="0"/>
+              <a:t>В некоторых случаях шаблон функции является неэффективным или неправильным для определенного типа. В этом случае можно специализировать шаблон, — то есть написать реализацию для данного типа.</a:t>
             </a:r>
           </a:p>
         </p:txBody>
@@ -3724,8 +3666,8 @@
         </p:nvSpPr>
         <p:spPr>
           <a:xfrm>
-            <a:off x="401381" y="1779687"/>
-            <a:ext cx="11503935" cy="5078313"/>
+            <a:off x="485869" y="2537078"/>
+            <a:ext cx="5371723" cy="3139321"/>
           </a:xfrm>
           <a:prstGeom prst="rect">
             <a:avLst/>
@@ -3753,7 +3695,7 @@
                 </a:solidFill>
                 <a:latin typeface="Consolas" panose="020B0609020204030204" pitchFamily="49" charset="0"/>
               </a:rPr>
-              <a:t> &lt;</a:t>
+              <a:t> &lt;</a:t>
             </a:r>
             <a:r>
               <a:rPr lang="en-US" dirty="0" err="1">
@@ -3771,8 +3713,372 @@
                 </a:solidFill>
                 <a:latin typeface="Consolas" panose="020B0609020204030204" pitchFamily="49" charset="0"/>
               </a:rPr>
-              <a:t> </a:t>
-            </a:r>
+              <a:t> T&gt;</a:t>
+            </a:r>
+          </a:p>
+          <a:p>
+            <a:r>
+              <a:rPr lang="en-US" dirty="0" err="1">
+                <a:solidFill>
+                  <a:srgbClr val="0000FF"/>
+                </a:solidFill>
+                <a:latin typeface="Consolas" panose="020B0609020204030204" pitchFamily="49" charset="0"/>
+              </a:rPr>
+              <a:t>const</a:t>
+            </a:r>
+            <a:r>
+              <a:rPr lang="en-US" dirty="0">
+                <a:solidFill>
+                  <a:srgbClr val="000000"/>
+                </a:solidFill>
+                <a:latin typeface="Consolas" panose="020B0609020204030204" pitchFamily="49" charset="0"/>
+              </a:rPr>
+              <a:t> T</a:t>
+            </a:r>
+            <a:r>
+              <a:rPr lang="en-US" dirty="0">
+                <a:solidFill>
+                  <a:srgbClr val="0000FF"/>
+                </a:solidFill>
+                <a:latin typeface="Consolas" panose="020B0609020204030204" pitchFamily="49" charset="0"/>
+              </a:rPr>
+              <a:t>&amp;</a:t>
+            </a:r>
+            <a:r>
+              <a:rPr lang="en-US" dirty="0">
+                <a:solidFill>
+                  <a:srgbClr val="000000"/>
+                </a:solidFill>
+                <a:latin typeface="Consolas" panose="020B0609020204030204" pitchFamily="49" charset="0"/>
+              </a:rPr>
+              <a:t> maximum(</a:t>
+            </a:r>
+            <a:r>
+              <a:rPr lang="en-US" dirty="0" err="1">
+                <a:solidFill>
+                  <a:srgbClr val="0000FF"/>
+                </a:solidFill>
+                <a:latin typeface="Consolas" panose="020B0609020204030204" pitchFamily="49" charset="0"/>
+              </a:rPr>
+              <a:t>const</a:t>
+            </a:r>
+            <a:r>
+              <a:rPr lang="en-US" dirty="0">
+                <a:solidFill>
+                  <a:srgbClr val="000000"/>
+                </a:solidFill>
+                <a:latin typeface="Consolas" panose="020B0609020204030204" pitchFamily="49" charset="0"/>
+              </a:rPr>
+              <a:t> T</a:t>
+            </a:r>
+            <a:r>
+              <a:rPr lang="en-US" dirty="0">
+                <a:solidFill>
+                  <a:srgbClr val="0000FF"/>
+                </a:solidFill>
+                <a:latin typeface="Consolas" panose="020B0609020204030204" pitchFamily="49" charset="0"/>
+              </a:rPr>
+              <a:t>&amp;</a:t>
+            </a:r>
+            <a:r>
+              <a:rPr lang="en-US" dirty="0">
+                <a:solidFill>
+                  <a:srgbClr val="000000"/>
+                </a:solidFill>
+                <a:latin typeface="Consolas" panose="020B0609020204030204" pitchFamily="49" charset="0"/>
+              </a:rPr>
+              <a:t> a, </a:t>
+            </a:r>
+            <a:r>
+              <a:rPr lang="en-US" dirty="0" err="1">
+                <a:solidFill>
+                  <a:srgbClr val="0000FF"/>
+                </a:solidFill>
+                <a:latin typeface="Consolas" panose="020B0609020204030204" pitchFamily="49" charset="0"/>
+              </a:rPr>
+              <a:t>const</a:t>
+            </a:r>
+            <a:r>
+              <a:rPr lang="en-US" dirty="0">
+                <a:solidFill>
+                  <a:srgbClr val="000000"/>
+                </a:solidFill>
+                <a:latin typeface="Consolas" panose="020B0609020204030204" pitchFamily="49" charset="0"/>
+              </a:rPr>
+              <a:t> T</a:t>
+            </a:r>
+            <a:r>
+              <a:rPr lang="en-US" dirty="0">
+                <a:solidFill>
+                  <a:srgbClr val="0000FF"/>
+                </a:solidFill>
+                <a:latin typeface="Consolas" panose="020B0609020204030204" pitchFamily="49" charset="0"/>
+              </a:rPr>
+              <a:t>&amp;</a:t>
+            </a:r>
+            <a:r>
+              <a:rPr lang="en-US" dirty="0">
+                <a:solidFill>
+                  <a:srgbClr val="000000"/>
+                </a:solidFill>
+                <a:latin typeface="Consolas" panose="020B0609020204030204" pitchFamily="49" charset="0"/>
+              </a:rPr>
+              <a:t> b){</a:t>
+            </a:r>
+          </a:p>
+          <a:p>
+            <a:r>
+              <a:rPr lang="en-US" dirty="0">
+                <a:solidFill>
+                  <a:srgbClr val="000000"/>
+                </a:solidFill>
+                <a:latin typeface="Consolas" panose="020B0609020204030204" pitchFamily="49" charset="0"/>
+              </a:rPr>
+              <a:t>    </a:t>
+            </a:r>
+            <a:r>
+              <a:rPr lang="en-US" dirty="0">
+                <a:solidFill>
+                  <a:srgbClr val="0000FF"/>
+                </a:solidFill>
+                <a:latin typeface="Consolas" panose="020B0609020204030204" pitchFamily="49" charset="0"/>
+              </a:rPr>
+              <a:t>return</a:t>
+            </a:r>
+            <a:r>
+              <a:rPr lang="en-US" dirty="0">
+                <a:solidFill>
+                  <a:srgbClr val="000000"/>
+                </a:solidFill>
+                <a:latin typeface="Consolas" panose="020B0609020204030204" pitchFamily="49" charset="0"/>
+              </a:rPr>
+              <a:t> a &gt; b ? a: b;</a:t>
+            </a:r>
+          </a:p>
+          <a:p>
+            <a:r>
+              <a:rPr lang="en-US" dirty="0">
+                <a:solidFill>
+                  <a:srgbClr val="000000"/>
+                </a:solidFill>
+                <a:latin typeface="Consolas" panose="020B0609020204030204" pitchFamily="49" charset="0"/>
+              </a:rPr>
+              <a:t>}</a:t>
+            </a:r>
+          </a:p>
+          <a:p>
+            <a:r>
+              <a:rPr lang="en-US" dirty="0">
+                <a:solidFill>
+                  <a:srgbClr val="000000"/>
+                </a:solidFill>
+                <a:latin typeface="Consolas" panose="020B0609020204030204" pitchFamily="49" charset="0"/>
+              </a:rPr>
+              <a:t/>
+            </a:r>
+            <a:br>
+              <a:rPr lang="en-US" dirty="0">
+                <a:solidFill>
+                  <a:srgbClr val="000000"/>
+                </a:solidFill>
+                <a:latin typeface="Consolas" panose="020B0609020204030204" pitchFamily="49" charset="0"/>
+              </a:rPr>
+            </a:br>
+            <a:r>
+              <a:rPr lang="en-US" dirty="0">
+                <a:solidFill>
+                  <a:srgbClr val="0000FF"/>
+                </a:solidFill>
+                <a:latin typeface="Consolas" panose="020B0609020204030204" pitchFamily="49" charset="0"/>
+              </a:rPr>
+              <a:t>template</a:t>
+            </a:r>
+            <a:r>
+              <a:rPr lang="en-US" dirty="0">
+                <a:solidFill>
+                  <a:srgbClr val="000000"/>
+                </a:solidFill>
+                <a:latin typeface="Consolas" panose="020B0609020204030204" pitchFamily="49" charset="0"/>
+              </a:rPr>
+              <a:t> &lt;&gt;</a:t>
+            </a:r>
+          </a:p>
+          <a:p>
+            <a:r>
+              <a:rPr lang="en-US" dirty="0" err="1">
+                <a:solidFill>
+                  <a:srgbClr val="0000FF"/>
+                </a:solidFill>
+                <a:latin typeface="Consolas" panose="020B0609020204030204" pitchFamily="49" charset="0"/>
+              </a:rPr>
+              <a:t>const</a:t>
+            </a:r>
+            <a:r>
+              <a:rPr lang="en-US" dirty="0">
+                <a:solidFill>
+                  <a:srgbClr val="000000"/>
+                </a:solidFill>
+                <a:latin typeface="Consolas" panose="020B0609020204030204" pitchFamily="49" charset="0"/>
+              </a:rPr>
+              <a:t> string</a:t>
+            </a:r>
+            <a:r>
+              <a:rPr lang="en-US" dirty="0">
+                <a:solidFill>
+                  <a:srgbClr val="0000FF"/>
+                </a:solidFill>
+                <a:latin typeface="Consolas" panose="020B0609020204030204" pitchFamily="49" charset="0"/>
+              </a:rPr>
+              <a:t>&amp;</a:t>
+            </a:r>
+            <a:r>
+              <a:rPr lang="en-US" dirty="0">
+                <a:solidFill>
+                  <a:srgbClr val="000000"/>
+                </a:solidFill>
+                <a:latin typeface="Consolas" panose="020B0609020204030204" pitchFamily="49" charset="0"/>
+              </a:rPr>
+              <a:t> maximum(</a:t>
+            </a:r>
+            <a:r>
+              <a:rPr lang="en-US" dirty="0" err="1">
+                <a:solidFill>
+                  <a:srgbClr val="0000FF"/>
+                </a:solidFill>
+                <a:latin typeface="Consolas" panose="020B0609020204030204" pitchFamily="49" charset="0"/>
+              </a:rPr>
+              <a:t>const</a:t>
+            </a:r>
+            <a:r>
+              <a:rPr lang="en-US" dirty="0">
+                <a:solidFill>
+                  <a:srgbClr val="000000"/>
+                </a:solidFill>
+                <a:latin typeface="Consolas" panose="020B0609020204030204" pitchFamily="49" charset="0"/>
+              </a:rPr>
+              <a:t> string</a:t>
+            </a:r>
+            <a:r>
+              <a:rPr lang="en-US" dirty="0">
+                <a:solidFill>
+                  <a:srgbClr val="0000FF"/>
+                </a:solidFill>
+                <a:latin typeface="Consolas" panose="020B0609020204030204" pitchFamily="49" charset="0"/>
+              </a:rPr>
+              <a:t>&amp;</a:t>
+            </a:r>
+            <a:r>
+              <a:rPr lang="en-US" dirty="0">
+                <a:solidFill>
+                  <a:srgbClr val="000000"/>
+                </a:solidFill>
+                <a:latin typeface="Consolas" panose="020B0609020204030204" pitchFamily="49" charset="0"/>
+              </a:rPr>
+              <a:t> a, </a:t>
+            </a:r>
+            <a:r>
+              <a:rPr lang="en-US" dirty="0" err="1">
+                <a:solidFill>
+                  <a:srgbClr val="0000FF"/>
+                </a:solidFill>
+                <a:latin typeface="Consolas" panose="020B0609020204030204" pitchFamily="49" charset="0"/>
+              </a:rPr>
+              <a:t>const</a:t>
+            </a:r>
+            <a:r>
+              <a:rPr lang="en-US" dirty="0">
+                <a:solidFill>
+                  <a:srgbClr val="000000"/>
+                </a:solidFill>
+                <a:latin typeface="Consolas" panose="020B0609020204030204" pitchFamily="49" charset="0"/>
+              </a:rPr>
+              <a:t> string</a:t>
+            </a:r>
+            <a:r>
+              <a:rPr lang="en-US" dirty="0">
+                <a:solidFill>
+                  <a:srgbClr val="0000FF"/>
+                </a:solidFill>
+                <a:latin typeface="Consolas" panose="020B0609020204030204" pitchFamily="49" charset="0"/>
+              </a:rPr>
+              <a:t>&amp;</a:t>
+            </a:r>
+            <a:r>
+              <a:rPr lang="en-US" dirty="0">
+                <a:solidFill>
+                  <a:srgbClr val="000000"/>
+                </a:solidFill>
+                <a:latin typeface="Consolas" panose="020B0609020204030204" pitchFamily="49" charset="0"/>
+              </a:rPr>
+              <a:t> b){</a:t>
+            </a:r>
+          </a:p>
+          <a:p>
+            <a:r>
+              <a:rPr lang="en-US" dirty="0">
+                <a:solidFill>
+                  <a:srgbClr val="000000"/>
+                </a:solidFill>
+                <a:latin typeface="Consolas" panose="020B0609020204030204" pitchFamily="49" charset="0"/>
+              </a:rPr>
+              <a:t>    </a:t>
+            </a:r>
+            <a:r>
+              <a:rPr lang="en-US" dirty="0">
+                <a:solidFill>
+                  <a:srgbClr val="0000FF"/>
+                </a:solidFill>
+                <a:latin typeface="Consolas" panose="020B0609020204030204" pitchFamily="49" charset="0"/>
+              </a:rPr>
+              <a:t>return</a:t>
+            </a:r>
+            <a:r>
+              <a:rPr lang="en-US" dirty="0">
+                <a:solidFill>
+                  <a:srgbClr val="000000"/>
+                </a:solidFill>
+                <a:latin typeface="Consolas" panose="020B0609020204030204" pitchFamily="49" charset="0"/>
+              </a:rPr>
+              <a:t> </a:t>
+            </a:r>
+            <a:r>
+              <a:rPr lang="en-US" dirty="0" err="1">
+                <a:solidFill>
+                  <a:srgbClr val="000000"/>
+                </a:solidFill>
+                <a:latin typeface="Consolas" panose="020B0609020204030204" pitchFamily="49" charset="0"/>
+              </a:rPr>
+              <a:t>a.length</a:t>
+            </a:r>
+            <a:r>
+              <a:rPr lang="en-US" dirty="0">
+                <a:solidFill>
+                  <a:srgbClr val="000000"/>
+                </a:solidFill>
+                <a:latin typeface="Consolas" panose="020B0609020204030204" pitchFamily="49" charset="0"/>
+              </a:rPr>
+              <a:t>() &gt; </a:t>
+            </a:r>
+            <a:r>
+              <a:rPr lang="en-US" dirty="0" err="1">
+                <a:solidFill>
+                  <a:srgbClr val="000000"/>
+                </a:solidFill>
+                <a:latin typeface="Consolas" panose="020B0609020204030204" pitchFamily="49" charset="0"/>
+              </a:rPr>
+              <a:t>b.length</a:t>
+            </a:r>
+            <a:r>
+              <a:rPr lang="en-US" dirty="0">
+                <a:solidFill>
+                  <a:srgbClr val="000000"/>
+                </a:solidFill>
+                <a:latin typeface="Consolas" panose="020B0609020204030204" pitchFamily="49" charset="0"/>
+              </a:rPr>
+              <a:t>() ? a : b;</a:t>
+            </a:r>
+          </a:p>
+          <a:p>
             <a:r>
               <a:rPr lang="en-US" dirty="0" smtClean="0">
                 <a:solidFill>
@@ -3780,25 +4086,7 @@
                 </a:solidFill>
                 <a:latin typeface="Consolas" panose="020B0609020204030204" pitchFamily="49" charset="0"/>
               </a:rPr>
-              <a:t>&lt;</a:t>
-            </a:r>
-            <a:r>
-              <a:rPr lang="ru-RU" dirty="0" smtClean="0">
-                <a:solidFill>
-                  <a:srgbClr val="000000"/>
-                </a:solidFill>
-                <a:latin typeface="Consolas" panose="020B0609020204030204" pitchFamily="49" charset="0"/>
-              </a:rPr>
-              <a:t>имя аргумента</a:t>
-            </a:r>
-            <a:r>
-              <a:rPr lang="en-US" dirty="0" smtClean="0">
-                <a:solidFill>
-                  <a:srgbClr val="000000"/>
-                </a:solidFill>
-                <a:latin typeface="Consolas" panose="020B0609020204030204" pitchFamily="49" charset="0"/>
-              </a:rPr>
-              <a:t>&gt;&gt;</a:t>
+              <a:t>}</a:t>
             </a:r>
             <a:endParaRPr lang="en-US" dirty="0">
               <a:solidFill>
@@ -3807,51 +4095,621 @@
               <a:latin typeface="Consolas" panose="020B0609020204030204" pitchFamily="49" charset="0"/>
             </a:endParaRPr>
           </a:p>
-          <a:p>
-            <a:r>
-              <a:rPr lang="en-US" dirty="0">
-                <a:solidFill>
-                  <a:srgbClr val="0000FF"/>
-                </a:solidFill>
-                <a:latin typeface="Consolas" panose="020B0609020204030204" pitchFamily="49" charset="0"/>
-              </a:rPr>
-              <a:t>class</a:t>
-            </a:r>
-            <a:r>
-              <a:rPr lang="en-US" dirty="0">
-                <a:solidFill>
-                  <a:srgbClr val="000000"/>
-                </a:solidFill>
-                <a:latin typeface="Consolas" panose="020B0609020204030204" pitchFamily="49" charset="0"/>
-              </a:rPr>
-              <a:t> </a:t>
-            </a:r>
-            <a:r>
-              <a:rPr lang="en-US" dirty="0" smtClean="0">
-                <a:solidFill>
-                  <a:srgbClr val="000000"/>
-                </a:solidFill>
-                <a:latin typeface="Consolas" panose="020B0609020204030204" pitchFamily="49" charset="0"/>
-              </a:rPr>
-              <a:t>&lt;</a:t>
-            </a:r>
-            <a:r>
-              <a:rPr lang="ru-RU" dirty="0" smtClean="0">
-                <a:solidFill>
-                  <a:srgbClr val="000000"/>
-                </a:solidFill>
-                <a:latin typeface="Consolas" panose="020B0609020204030204" pitchFamily="49" charset="0"/>
-              </a:rPr>
-              <a:t>имя класса</a:t>
-            </a:r>
-            <a:r>
-              <a:rPr lang="en-US" dirty="0" smtClean="0">
-                <a:solidFill>
-                  <a:srgbClr val="000000"/>
-                </a:solidFill>
-                <a:latin typeface="Consolas" panose="020B0609020204030204" pitchFamily="49" charset="0"/>
-              </a:rPr>
-              <a:t>&gt; {</a:t>
+        </p:txBody>
+      </p:sp>
+      <p:sp>
+        <p:nvSpPr>
+          <p:cNvPr id="6" name="Прямоугольник 5"/>
+          <p:cNvSpPr/>
+          <p:nvPr/>
+        </p:nvSpPr>
+        <p:spPr>
+          <a:xfrm>
+            <a:off x="6352515" y="1983081"/>
+            <a:ext cx="5525632" cy="4247317"/>
+          </a:xfrm>
+          <a:prstGeom prst="rect">
+            <a:avLst/>
+          </a:prstGeom>
+        </p:spPr>
+        <p:txBody>
+          <a:bodyPr wrap="square">
+            <a:spAutoFit/>
+          </a:bodyPr>
+          <a:lstStyle/>
+          <a:p>
+            <a:r>
+              <a:rPr lang="en-US" dirty="0">
+                <a:solidFill>
+                  <a:srgbClr val="000000"/>
+                </a:solidFill>
+                <a:latin typeface="Consolas" panose="020B0609020204030204" pitchFamily="49" charset="0"/>
+              </a:rPr>
+              <a:t/>
+            </a:r>
+            <a:br>
+              <a:rPr lang="en-US" dirty="0">
+                <a:solidFill>
+                  <a:srgbClr val="000000"/>
+                </a:solidFill>
+                <a:latin typeface="Consolas" panose="020B0609020204030204" pitchFamily="49" charset="0"/>
+              </a:rPr>
+            </a:br>
+            <a:r>
+              <a:rPr lang="en-US" dirty="0" err="1">
+                <a:solidFill>
+                  <a:srgbClr val="0000FF"/>
+                </a:solidFill>
+                <a:latin typeface="Consolas" panose="020B0609020204030204" pitchFamily="49" charset="0"/>
+              </a:rPr>
+              <a:t>int</a:t>
+            </a:r>
+            <a:r>
+              <a:rPr lang="en-US" dirty="0">
+                <a:solidFill>
+                  <a:srgbClr val="000000"/>
+                </a:solidFill>
+                <a:latin typeface="Consolas" panose="020B0609020204030204" pitchFamily="49" charset="0"/>
+              </a:rPr>
+              <a:t> main(){</a:t>
+            </a:r>
+          </a:p>
+          <a:p>
+            <a:r>
+              <a:rPr lang="en-US" dirty="0">
+                <a:solidFill>
+                  <a:srgbClr val="000000"/>
+                </a:solidFill>
+                <a:latin typeface="Consolas" panose="020B0609020204030204" pitchFamily="49" charset="0"/>
+              </a:rPr>
+              <a:t>    </a:t>
+            </a:r>
+            <a:r>
+              <a:rPr lang="en-US" dirty="0" err="1">
+                <a:solidFill>
+                  <a:srgbClr val="0000FF"/>
+                </a:solidFill>
+                <a:latin typeface="Consolas" panose="020B0609020204030204" pitchFamily="49" charset="0"/>
+              </a:rPr>
+              <a:t>int</a:t>
+            </a:r>
+            <a:r>
+              <a:rPr lang="en-US" dirty="0">
+                <a:solidFill>
+                  <a:srgbClr val="000000"/>
+                </a:solidFill>
+                <a:latin typeface="Consolas" panose="020B0609020204030204" pitchFamily="49" charset="0"/>
+              </a:rPr>
+              <a:t> </a:t>
+            </a:r>
+            <a:r>
+              <a:rPr lang="en-US" dirty="0" err="1">
+                <a:solidFill>
+                  <a:srgbClr val="000000"/>
+                </a:solidFill>
+                <a:latin typeface="Consolas" panose="020B0609020204030204" pitchFamily="49" charset="0"/>
+              </a:rPr>
+              <a:t>i</a:t>
+            </a:r>
+            <a:r>
+              <a:rPr lang="en-US" dirty="0">
+                <a:solidFill>
+                  <a:srgbClr val="000000"/>
+                </a:solidFill>
+                <a:latin typeface="Consolas" panose="020B0609020204030204" pitchFamily="49" charset="0"/>
+              </a:rPr>
+              <a:t> = maximum(</a:t>
+            </a:r>
+            <a:r>
+              <a:rPr lang="en-US" dirty="0">
+                <a:solidFill>
+                  <a:srgbClr val="098658"/>
+                </a:solidFill>
+                <a:latin typeface="Consolas" panose="020B0609020204030204" pitchFamily="49" charset="0"/>
+              </a:rPr>
+              <a:t>13</a:t>
+            </a:r>
+            <a:r>
+              <a:rPr lang="en-US" dirty="0">
+                <a:solidFill>
+                  <a:srgbClr val="000000"/>
+                </a:solidFill>
+                <a:latin typeface="Consolas" panose="020B0609020204030204" pitchFamily="49" charset="0"/>
+              </a:rPr>
+              <a:t>, </a:t>
+            </a:r>
+            <a:r>
+              <a:rPr lang="en-US" dirty="0">
+                <a:solidFill>
+                  <a:srgbClr val="098658"/>
+                </a:solidFill>
+                <a:latin typeface="Consolas" panose="020B0609020204030204" pitchFamily="49" charset="0"/>
+              </a:rPr>
+              <a:t>10</a:t>
+            </a:r>
+            <a:r>
+              <a:rPr lang="en-US" dirty="0">
+                <a:solidFill>
+                  <a:srgbClr val="000000"/>
+                </a:solidFill>
+                <a:latin typeface="Consolas" panose="020B0609020204030204" pitchFamily="49" charset="0"/>
+              </a:rPr>
+              <a:t>);</a:t>
+            </a:r>
+          </a:p>
+          <a:p>
+            <a:r>
+              <a:rPr lang="en-US" dirty="0">
+                <a:solidFill>
+                  <a:srgbClr val="000000"/>
+                </a:solidFill>
+                <a:latin typeface="Consolas" panose="020B0609020204030204" pitchFamily="49" charset="0"/>
+              </a:rPr>
+              <a:t>    </a:t>
+            </a:r>
+            <a:r>
+              <a:rPr lang="en-US" dirty="0" err="1">
+                <a:solidFill>
+                  <a:srgbClr val="000000"/>
+                </a:solidFill>
+                <a:latin typeface="Consolas" panose="020B0609020204030204" pitchFamily="49" charset="0"/>
+              </a:rPr>
+              <a:t>cout</a:t>
+            </a:r>
+            <a:r>
+              <a:rPr lang="en-US" dirty="0">
+                <a:solidFill>
+                  <a:srgbClr val="000000"/>
+                </a:solidFill>
+                <a:latin typeface="Consolas" panose="020B0609020204030204" pitchFamily="49" charset="0"/>
+              </a:rPr>
+              <a:t> &lt;&lt; </a:t>
+            </a:r>
+            <a:r>
+              <a:rPr lang="en-US" dirty="0" err="1">
+                <a:solidFill>
+                  <a:srgbClr val="000000"/>
+                </a:solidFill>
+                <a:latin typeface="Consolas" panose="020B0609020204030204" pitchFamily="49" charset="0"/>
+              </a:rPr>
+              <a:t>i</a:t>
+            </a:r>
+            <a:r>
+              <a:rPr lang="en-US" dirty="0">
+                <a:solidFill>
+                  <a:srgbClr val="000000"/>
+                </a:solidFill>
+                <a:latin typeface="Consolas" panose="020B0609020204030204" pitchFamily="49" charset="0"/>
+              </a:rPr>
+              <a:t> &lt;&lt; </a:t>
+            </a:r>
+            <a:r>
+              <a:rPr lang="en-US" dirty="0" err="1">
+                <a:solidFill>
+                  <a:srgbClr val="000000"/>
+                </a:solidFill>
+                <a:latin typeface="Consolas" panose="020B0609020204030204" pitchFamily="49" charset="0"/>
+              </a:rPr>
+              <a:t>endl</a:t>
+            </a:r>
+            <a:r>
+              <a:rPr lang="en-US" dirty="0">
+                <a:solidFill>
+                  <a:srgbClr val="000000"/>
+                </a:solidFill>
+                <a:latin typeface="Consolas" panose="020B0609020204030204" pitchFamily="49" charset="0"/>
+              </a:rPr>
+              <a:t>;</a:t>
+            </a:r>
+          </a:p>
+          <a:p>
+            <a:r>
+              <a:rPr lang="en-US" dirty="0">
+                <a:solidFill>
+                  <a:srgbClr val="000000"/>
+                </a:solidFill>
+                <a:latin typeface="Consolas" panose="020B0609020204030204" pitchFamily="49" charset="0"/>
+              </a:rPr>
+              <a:t>    </a:t>
+            </a:r>
+          </a:p>
+          <a:p>
+            <a:r>
+              <a:rPr lang="en-US" dirty="0">
+                <a:solidFill>
+                  <a:srgbClr val="000000"/>
+                </a:solidFill>
+                <a:latin typeface="Consolas" panose="020B0609020204030204" pitchFamily="49" charset="0"/>
+              </a:rPr>
+              <a:t>    </a:t>
+            </a:r>
+            <a:r>
+              <a:rPr lang="en-US" dirty="0">
+                <a:solidFill>
+                  <a:srgbClr val="0000FF"/>
+                </a:solidFill>
+                <a:latin typeface="Consolas" panose="020B0609020204030204" pitchFamily="49" charset="0"/>
+              </a:rPr>
+              <a:t>double</a:t>
+            </a:r>
+            <a:r>
+              <a:rPr lang="en-US" dirty="0">
+                <a:solidFill>
+                  <a:srgbClr val="000000"/>
+                </a:solidFill>
+                <a:latin typeface="Consolas" panose="020B0609020204030204" pitchFamily="49" charset="0"/>
+              </a:rPr>
+              <a:t> d = maximum(</a:t>
+            </a:r>
+            <a:r>
+              <a:rPr lang="en-US" dirty="0">
+                <a:solidFill>
+                  <a:srgbClr val="098658"/>
+                </a:solidFill>
+                <a:latin typeface="Consolas" panose="020B0609020204030204" pitchFamily="49" charset="0"/>
+              </a:rPr>
+              <a:t>0.97</a:t>
+            </a:r>
+            <a:r>
+              <a:rPr lang="en-US" dirty="0">
+                <a:solidFill>
+                  <a:srgbClr val="000000"/>
+                </a:solidFill>
+                <a:latin typeface="Consolas" panose="020B0609020204030204" pitchFamily="49" charset="0"/>
+              </a:rPr>
+              <a:t>, </a:t>
+            </a:r>
+            <a:r>
+              <a:rPr lang="en-US" dirty="0">
+                <a:solidFill>
+                  <a:srgbClr val="098658"/>
+                </a:solidFill>
+                <a:latin typeface="Consolas" panose="020B0609020204030204" pitchFamily="49" charset="0"/>
+              </a:rPr>
+              <a:t>1.76</a:t>
+            </a:r>
+            <a:r>
+              <a:rPr lang="en-US" dirty="0">
+                <a:solidFill>
+                  <a:srgbClr val="000000"/>
+                </a:solidFill>
+                <a:latin typeface="Consolas" panose="020B0609020204030204" pitchFamily="49" charset="0"/>
+              </a:rPr>
+              <a:t>);</a:t>
+            </a:r>
+          </a:p>
+          <a:p>
+            <a:r>
+              <a:rPr lang="en-US" dirty="0">
+                <a:solidFill>
+                  <a:srgbClr val="000000"/>
+                </a:solidFill>
+                <a:latin typeface="Consolas" panose="020B0609020204030204" pitchFamily="49" charset="0"/>
+              </a:rPr>
+              <a:t>    </a:t>
+            </a:r>
+            <a:r>
+              <a:rPr lang="en-US" dirty="0" err="1">
+                <a:solidFill>
+                  <a:srgbClr val="000000"/>
+                </a:solidFill>
+                <a:latin typeface="Consolas" panose="020B0609020204030204" pitchFamily="49" charset="0"/>
+              </a:rPr>
+              <a:t>cout</a:t>
+            </a:r>
+            <a:r>
+              <a:rPr lang="en-US" dirty="0">
+                <a:solidFill>
+                  <a:srgbClr val="000000"/>
+                </a:solidFill>
+                <a:latin typeface="Consolas" panose="020B0609020204030204" pitchFamily="49" charset="0"/>
+              </a:rPr>
+              <a:t> &lt;&lt; d &lt;&lt; </a:t>
+            </a:r>
+            <a:r>
+              <a:rPr lang="en-US" dirty="0" err="1">
+                <a:solidFill>
+                  <a:srgbClr val="000000"/>
+                </a:solidFill>
+                <a:latin typeface="Consolas" panose="020B0609020204030204" pitchFamily="49" charset="0"/>
+              </a:rPr>
+              <a:t>endl</a:t>
+            </a:r>
+            <a:r>
+              <a:rPr lang="en-US" dirty="0">
+                <a:solidFill>
+                  <a:srgbClr val="000000"/>
+                </a:solidFill>
+                <a:latin typeface="Consolas" panose="020B0609020204030204" pitchFamily="49" charset="0"/>
+              </a:rPr>
+              <a:t>;</a:t>
+            </a:r>
+          </a:p>
+          <a:p>
+            <a:r>
+              <a:rPr lang="en-US" dirty="0">
+                <a:solidFill>
+                  <a:srgbClr val="000000"/>
+                </a:solidFill>
+                <a:latin typeface="Consolas" panose="020B0609020204030204" pitchFamily="49" charset="0"/>
+              </a:rPr>
+              <a:t/>
+            </a:r>
+            <a:br>
+              <a:rPr lang="en-US" dirty="0">
+                <a:solidFill>
+                  <a:srgbClr val="000000"/>
+                </a:solidFill>
+                <a:latin typeface="Consolas" panose="020B0609020204030204" pitchFamily="49" charset="0"/>
+              </a:rPr>
+            </a:br>
+            <a:r>
+              <a:rPr lang="en-US" dirty="0">
+                <a:solidFill>
+                  <a:srgbClr val="000000"/>
+                </a:solidFill>
+                <a:latin typeface="Consolas" panose="020B0609020204030204" pitchFamily="49" charset="0"/>
+              </a:rPr>
+              <a:t>    </a:t>
+            </a:r>
+            <a:r>
+              <a:rPr lang="en-US" dirty="0">
+                <a:solidFill>
+                  <a:srgbClr val="0000FF"/>
+                </a:solidFill>
+                <a:latin typeface="Consolas" panose="020B0609020204030204" pitchFamily="49" charset="0"/>
+              </a:rPr>
+              <a:t>char</a:t>
+            </a:r>
+            <a:r>
+              <a:rPr lang="en-US" dirty="0">
+                <a:solidFill>
+                  <a:srgbClr val="000000"/>
+                </a:solidFill>
+                <a:latin typeface="Consolas" panose="020B0609020204030204" pitchFamily="49" charset="0"/>
+              </a:rPr>
+              <a:t> s = maximum(</a:t>
+            </a:r>
+            <a:r>
+              <a:rPr lang="en-US" dirty="0">
+                <a:solidFill>
+                  <a:srgbClr val="A31515"/>
+                </a:solidFill>
+                <a:latin typeface="Consolas" panose="020B0609020204030204" pitchFamily="49" charset="0"/>
+              </a:rPr>
+              <a:t>'a'</a:t>
+            </a:r>
+            <a:r>
+              <a:rPr lang="en-US" dirty="0">
+                <a:solidFill>
+                  <a:srgbClr val="000000"/>
+                </a:solidFill>
+                <a:latin typeface="Consolas" panose="020B0609020204030204" pitchFamily="49" charset="0"/>
+              </a:rPr>
+              <a:t>, </a:t>
+            </a:r>
+            <a:r>
+              <a:rPr lang="en-US" dirty="0">
+                <a:solidFill>
+                  <a:srgbClr val="A31515"/>
+                </a:solidFill>
+                <a:latin typeface="Consolas" panose="020B0609020204030204" pitchFamily="49" charset="0"/>
+              </a:rPr>
+              <a:t>'1'</a:t>
+            </a:r>
+            <a:r>
+              <a:rPr lang="en-US" dirty="0">
+                <a:solidFill>
+                  <a:srgbClr val="000000"/>
+                </a:solidFill>
+                <a:latin typeface="Consolas" panose="020B0609020204030204" pitchFamily="49" charset="0"/>
+              </a:rPr>
+              <a:t>);</a:t>
+            </a:r>
+          </a:p>
+          <a:p>
+            <a:r>
+              <a:rPr lang="en-US" dirty="0">
+                <a:solidFill>
+                  <a:srgbClr val="000000"/>
+                </a:solidFill>
+                <a:latin typeface="Consolas" panose="020B0609020204030204" pitchFamily="49" charset="0"/>
+              </a:rPr>
+              <a:t>    </a:t>
+            </a:r>
+            <a:r>
+              <a:rPr lang="en-US" dirty="0" err="1">
+                <a:solidFill>
+                  <a:srgbClr val="000000"/>
+                </a:solidFill>
+                <a:latin typeface="Consolas" panose="020B0609020204030204" pitchFamily="49" charset="0"/>
+              </a:rPr>
+              <a:t>cout</a:t>
+            </a:r>
+            <a:r>
+              <a:rPr lang="en-US" dirty="0">
+                <a:solidFill>
+                  <a:srgbClr val="000000"/>
+                </a:solidFill>
+                <a:latin typeface="Consolas" panose="020B0609020204030204" pitchFamily="49" charset="0"/>
+              </a:rPr>
+              <a:t> &lt;&lt; s &lt;&lt; </a:t>
+            </a:r>
+            <a:r>
+              <a:rPr lang="en-US" dirty="0" err="1">
+                <a:solidFill>
+                  <a:srgbClr val="000000"/>
+                </a:solidFill>
+                <a:latin typeface="Consolas" panose="020B0609020204030204" pitchFamily="49" charset="0"/>
+              </a:rPr>
+              <a:t>endl</a:t>
+            </a:r>
+            <a:r>
+              <a:rPr lang="en-US" dirty="0">
+                <a:solidFill>
+                  <a:srgbClr val="000000"/>
+                </a:solidFill>
+                <a:latin typeface="Consolas" panose="020B0609020204030204" pitchFamily="49" charset="0"/>
+              </a:rPr>
+              <a:t>;</a:t>
+            </a:r>
+          </a:p>
+          <a:p>
+            <a:r>
+              <a:rPr lang="en-US" dirty="0">
+                <a:solidFill>
+                  <a:srgbClr val="000000"/>
+                </a:solidFill>
+                <a:latin typeface="Consolas" panose="020B0609020204030204" pitchFamily="49" charset="0"/>
+              </a:rPr>
+              <a:t/>
+            </a:r>
+            <a:br>
+              <a:rPr lang="en-US" dirty="0">
+                <a:solidFill>
+                  <a:srgbClr val="000000"/>
+                </a:solidFill>
+                <a:latin typeface="Consolas" panose="020B0609020204030204" pitchFamily="49" charset="0"/>
+              </a:rPr>
+            </a:br>
+            <a:r>
+              <a:rPr lang="en-US" dirty="0">
+                <a:solidFill>
+                  <a:srgbClr val="000000"/>
+                </a:solidFill>
+                <a:latin typeface="Consolas" panose="020B0609020204030204" pitchFamily="49" charset="0"/>
+              </a:rPr>
+              <a:t>    string </a:t>
+            </a:r>
+            <a:r>
+              <a:rPr lang="en-US" dirty="0" err="1">
+                <a:solidFill>
+                  <a:srgbClr val="000000"/>
+                </a:solidFill>
+                <a:latin typeface="Consolas" panose="020B0609020204030204" pitchFamily="49" charset="0"/>
+              </a:rPr>
+              <a:t>ms</a:t>
+            </a:r>
+            <a:r>
+              <a:rPr lang="en-US" dirty="0">
+                <a:solidFill>
+                  <a:srgbClr val="000000"/>
+                </a:solidFill>
+                <a:latin typeface="Consolas" panose="020B0609020204030204" pitchFamily="49" charset="0"/>
+              </a:rPr>
+              <a:t> = maximum(string(</a:t>
+            </a:r>
+            <a:r>
+              <a:rPr lang="en-US" dirty="0">
+                <a:solidFill>
+                  <a:srgbClr val="A31515"/>
+                </a:solidFill>
+                <a:latin typeface="Consolas" panose="020B0609020204030204" pitchFamily="49" charset="0"/>
+              </a:rPr>
+              <a:t>"11.1234"</a:t>
+            </a:r>
+            <a:r>
+              <a:rPr lang="en-US" dirty="0">
+                <a:solidFill>
+                  <a:srgbClr val="000000"/>
+                </a:solidFill>
+                <a:latin typeface="Consolas" panose="020B0609020204030204" pitchFamily="49" charset="0"/>
+              </a:rPr>
+              <a:t>), string(</a:t>
+            </a:r>
+            <a:r>
+              <a:rPr lang="en-US" dirty="0">
+                <a:solidFill>
+                  <a:srgbClr val="A31515"/>
+                </a:solidFill>
+                <a:latin typeface="Consolas" panose="020B0609020204030204" pitchFamily="49" charset="0"/>
+              </a:rPr>
+              <a:t>"12"</a:t>
+            </a:r>
+            <a:r>
+              <a:rPr lang="en-US" dirty="0">
+                <a:solidFill>
+                  <a:srgbClr val="000000"/>
+                </a:solidFill>
+                <a:latin typeface="Consolas" panose="020B0609020204030204" pitchFamily="49" charset="0"/>
+              </a:rPr>
+              <a:t>));</a:t>
+            </a:r>
+          </a:p>
+          <a:p>
+            <a:r>
+              <a:rPr lang="en-US" dirty="0">
+                <a:solidFill>
+                  <a:srgbClr val="000000"/>
+                </a:solidFill>
+                <a:latin typeface="Consolas" panose="020B0609020204030204" pitchFamily="49" charset="0"/>
+              </a:rPr>
+              <a:t>    </a:t>
+            </a:r>
+            <a:r>
+              <a:rPr lang="en-US" dirty="0" err="1">
+                <a:solidFill>
+                  <a:srgbClr val="000000"/>
+                </a:solidFill>
+                <a:latin typeface="Consolas" panose="020B0609020204030204" pitchFamily="49" charset="0"/>
+              </a:rPr>
+              <a:t>cout</a:t>
+            </a:r>
+            <a:r>
+              <a:rPr lang="en-US" dirty="0">
+                <a:solidFill>
+                  <a:srgbClr val="000000"/>
+                </a:solidFill>
+                <a:latin typeface="Consolas" panose="020B0609020204030204" pitchFamily="49" charset="0"/>
+              </a:rPr>
+              <a:t> &lt;&lt; </a:t>
+            </a:r>
+            <a:r>
+              <a:rPr lang="en-US" dirty="0" err="1">
+                <a:solidFill>
+                  <a:srgbClr val="000000"/>
+                </a:solidFill>
+                <a:latin typeface="Consolas" panose="020B0609020204030204" pitchFamily="49" charset="0"/>
+              </a:rPr>
+              <a:t>ms</a:t>
+            </a:r>
+            <a:r>
+              <a:rPr lang="en-US" dirty="0">
+                <a:solidFill>
+                  <a:srgbClr val="000000"/>
+                </a:solidFill>
+                <a:latin typeface="Consolas" panose="020B0609020204030204" pitchFamily="49" charset="0"/>
+              </a:rPr>
+              <a:t> &lt;&lt; </a:t>
+            </a:r>
+            <a:r>
+              <a:rPr lang="en-US" dirty="0" err="1">
+                <a:solidFill>
+                  <a:srgbClr val="000000"/>
+                </a:solidFill>
+                <a:latin typeface="Consolas" panose="020B0609020204030204" pitchFamily="49" charset="0"/>
+              </a:rPr>
+              <a:t>endl</a:t>
+            </a:r>
+            <a:r>
+              <a:rPr lang="en-US" dirty="0">
+                <a:solidFill>
+                  <a:srgbClr val="000000"/>
+                </a:solidFill>
+                <a:latin typeface="Consolas" panose="020B0609020204030204" pitchFamily="49" charset="0"/>
+              </a:rPr>
+              <a:t>;</a:t>
+            </a:r>
+          </a:p>
+          <a:p>
+            <a:r>
+              <a:rPr lang="en-US" dirty="0">
+                <a:solidFill>
+                  <a:srgbClr val="000000"/>
+                </a:solidFill>
+                <a:latin typeface="Consolas" panose="020B0609020204030204" pitchFamily="49" charset="0"/>
+              </a:rPr>
+              <a:t>}</a:t>
             </a:r>
             <a:endParaRPr lang="en-US" dirty="0">
               <a:solidFill>
@@ -3860,978 +4718,12 @@
               <a:latin typeface="Consolas" panose="020B0609020204030204" pitchFamily="49" charset="0"/>
             </a:endParaRPr>
           </a:p>
-          <a:p>
-            <a:r>
-              <a:rPr lang="en-US" dirty="0">
-                <a:solidFill>
-                  <a:srgbClr val="000000"/>
-                </a:solidFill>
-                <a:latin typeface="Consolas" panose="020B0609020204030204" pitchFamily="49" charset="0"/>
-              </a:rPr>
-              <a:t>    </a:t>
-            </a:r>
-            <a:r>
-              <a:rPr lang="en-US" dirty="0">
-                <a:solidFill>
-                  <a:srgbClr val="0000FF"/>
-                </a:solidFill>
-                <a:latin typeface="Consolas" panose="020B0609020204030204" pitchFamily="49" charset="0"/>
-              </a:rPr>
-              <a:t>private:</a:t>
-            </a:r>
-            <a:endParaRPr lang="en-US" dirty="0">
-              <a:solidFill>
-                <a:srgbClr val="000000"/>
-              </a:solidFill>
-              <a:latin typeface="Consolas" panose="020B0609020204030204" pitchFamily="49" charset="0"/>
-            </a:endParaRPr>
-          </a:p>
-          <a:p>
-            <a:r>
-              <a:rPr lang="en-US" dirty="0">
-                <a:solidFill>
-                  <a:srgbClr val="000000"/>
-                </a:solidFill>
-                <a:latin typeface="Consolas" panose="020B0609020204030204" pitchFamily="49" charset="0"/>
-              </a:rPr>
-              <a:t>        &lt;</a:t>
-            </a:r>
-            <a:r>
-              <a:rPr lang="ru-RU" dirty="0">
-                <a:solidFill>
-                  <a:srgbClr val="000000"/>
-                </a:solidFill>
-                <a:latin typeface="Consolas" panose="020B0609020204030204" pitchFamily="49" charset="0"/>
-              </a:rPr>
-              <a:t>имя аргумента</a:t>
-            </a:r>
-            <a:r>
-              <a:rPr lang="en-US" dirty="0">
-                <a:solidFill>
-                  <a:srgbClr val="000000"/>
-                </a:solidFill>
-                <a:latin typeface="Consolas" panose="020B0609020204030204" pitchFamily="49" charset="0"/>
-              </a:rPr>
-              <a:t>&gt;</a:t>
-            </a:r>
-            <a:r>
-              <a:rPr lang="en-US" dirty="0" smtClean="0">
-                <a:solidFill>
-                  <a:srgbClr val="000000"/>
-                </a:solidFill>
-                <a:latin typeface="Consolas" panose="020B0609020204030204" pitchFamily="49" charset="0"/>
-              </a:rPr>
-              <a:t>*</a:t>
-            </a:r>
-            <a:r>
-              <a:rPr lang="en-US" dirty="0">
-                <a:solidFill>
-                  <a:srgbClr val="000000"/>
-                </a:solidFill>
-                <a:latin typeface="Consolas" panose="020B0609020204030204" pitchFamily="49" charset="0"/>
-              </a:rPr>
-              <a:t> </a:t>
-            </a:r>
-            <a:r>
-              <a:rPr lang="en-US" dirty="0" smtClean="0">
-                <a:solidFill>
-                  <a:srgbClr val="000000"/>
-                </a:solidFill>
-                <a:latin typeface="Consolas" panose="020B0609020204030204" pitchFamily="49" charset="0"/>
-              </a:rPr>
-              <a:t>&lt;</a:t>
-            </a:r>
-            <a:r>
-              <a:rPr lang="ru-RU" dirty="0" smtClean="0">
-                <a:solidFill>
-                  <a:srgbClr val="000000"/>
-                </a:solidFill>
-                <a:latin typeface="Consolas" panose="020B0609020204030204" pitchFamily="49" charset="0"/>
-              </a:rPr>
-              <a:t>имя атрибута</a:t>
-            </a:r>
-            <a:r>
-              <a:rPr lang="en-US" dirty="0" smtClean="0">
-                <a:solidFill>
-                  <a:srgbClr val="000000"/>
-                </a:solidFill>
-                <a:latin typeface="Consolas" panose="020B0609020204030204" pitchFamily="49" charset="0"/>
-              </a:rPr>
-              <a:t>&gt;;</a:t>
-            </a:r>
-            <a:endParaRPr lang="en-US" dirty="0">
-              <a:solidFill>
-                <a:srgbClr val="000000"/>
-              </a:solidFill>
-              <a:latin typeface="Consolas" panose="020B0609020204030204" pitchFamily="49" charset="0"/>
-            </a:endParaRPr>
-          </a:p>
-          <a:p>
-            <a:r>
-              <a:rPr lang="en-US" dirty="0">
-                <a:solidFill>
-                  <a:srgbClr val="000000"/>
-                </a:solidFill>
-                <a:latin typeface="Consolas" panose="020B0609020204030204" pitchFamily="49" charset="0"/>
-              </a:rPr>
-              <a:t>        </a:t>
-            </a:r>
-            <a:r>
-              <a:rPr lang="en-US" dirty="0" smtClean="0">
-                <a:solidFill>
-                  <a:srgbClr val="000000"/>
-                </a:solidFill>
-                <a:latin typeface="Consolas" panose="020B0609020204030204" pitchFamily="49" charset="0"/>
-              </a:rPr>
-              <a:t>…</a:t>
-            </a:r>
-            <a:endParaRPr lang="en-US" dirty="0">
-              <a:solidFill>
-                <a:srgbClr val="000000"/>
-              </a:solidFill>
-              <a:latin typeface="Consolas" panose="020B0609020204030204" pitchFamily="49" charset="0"/>
-            </a:endParaRPr>
-          </a:p>
-          <a:p>
-            <a:r>
-              <a:rPr lang="en-US" dirty="0">
-                <a:solidFill>
-                  <a:srgbClr val="000000"/>
-                </a:solidFill>
-                <a:latin typeface="Consolas" panose="020B0609020204030204" pitchFamily="49" charset="0"/>
-              </a:rPr>
-              <a:t>    </a:t>
-            </a:r>
-            <a:r>
-              <a:rPr lang="en-US" dirty="0">
-                <a:solidFill>
-                  <a:srgbClr val="0000FF"/>
-                </a:solidFill>
-                <a:latin typeface="Consolas" panose="020B0609020204030204" pitchFamily="49" charset="0"/>
-              </a:rPr>
-              <a:t>public:</a:t>
-            </a:r>
-            <a:endParaRPr lang="en-US" dirty="0">
-              <a:solidFill>
-                <a:srgbClr val="000000"/>
-              </a:solidFill>
-              <a:latin typeface="Consolas" panose="020B0609020204030204" pitchFamily="49" charset="0"/>
-            </a:endParaRPr>
-          </a:p>
-          <a:p>
-            <a:r>
-              <a:rPr lang="en-US" dirty="0">
-                <a:solidFill>
-                  <a:srgbClr val="000000"/>
-                </a:solidFill>
-                <a:latin typeface="Consolas" panose="020B0609020204030204" pitchFamily="49" charset="0"/>
-              </a:rPr>
-              <a:t>        &lt;</a:t>
-            </a:r>
-            <a:r>
-              <a:rPr lang="ru-RU" dirty="0">
-                <a:solidFill>
-                  <a:srgbClr val="000000"/>
-                </a:solidFill>
-                <a:latin typeface="Consolas" panose="020B0609020204030204" pitchFamily="49" charset="0"/>
-              </a:rPr>
-              <a:t>имя аргумента</a:t>
-            </a:r>
-            <a:r>
-              <a:rPr lang="en-US" dirty="0" smtClean="0">
-                <a:solidFill>
-                  <a:srgbClr val="000000"/>
-                </a:solidFill>
-                <a:latin typeface="Consolas" panose="020B0609020204030204" pitchFamily="49" charset="0"/>
-              </a:rPr>
-              <a:t>&gt; </a:t>
-            </a:r>
-            <a:r>
-              <a:rPr lang="en-US" dirty="0">
-                <a:solidFill>
-                  <a:srgbClr val="000000"/>
-                </a:solidFill>
-                <a:latin typeface="Consolas" panose="020B0609020204030204" pitchFamily="49" charset="0"/>
-              </a:rPr>
-              <a:t>&lt;</a:t>
-            </a:r>
-            <a:r>
-              <a:rPr lang="ru-RU" dirty="0">
-                <a:solidFill>
-                  <a:srgbClr val="000000"/>
-                </a:solidFill>
-                <a:latin typeface="Consolas" panose="020B0609020204030204" pitchFamily="49" charset="0"/>
-              </a:rPr>
-              <a:t>имя </a:t>
-            </a:r>
-            <a:r>
-              <a:rPr lang="ru-RU" dirty="0" smtClean="0">
-                <a:solidFill>
-                  <a:srgbClr val="000000"/>
-                </a:solidFill>
-                <a:latin typeface="Consolas" panose="020B0609020204030204" pitchFamily="49" charset="0"/>
-              </a:rPr>
-              <a:t>метода</a:t>
-            </a:r>
-            <a:r>
-              <a:rPr lang="en-US" dirty="0" smtClean="0">
-                <a:solidFill>
-                  <a:srgbClr val="000000"/>
-                </a:solidFill>
-                <a:latin typeface="Consolas" panose="020B0609020204030204" pitchFamily="49" charset="0"/>
-              </a:rPr>
-              <a:t>&gt; (</a:t>
-            </a:r>
-            <a:r>
-              <a:rPr lang="ru-RU" dirty="0" smtClean="0">
-                <a:solidFill>
-                  <a:srgbClr val="000000"/>
-                </a:solidFill>
-                <a:latin typeface="Consolas" panose="020B0609020204030204" pitchFamily="49" charset="0"/>
-              </a:rPr>
-              <a:t>…</a:t>
-            </a:r>
-            <a:r>
-              <a:rPr lang="en-US" dirty="0" smtClean="0">
-                <a:solidFill>
-                  <a:srgbClr val="000000"/>
-                </a:solidFill>
-                <a:latin typeface="Consolas" panose="020B0609020204030204" pitchFamily="49" charset="0"/>
-              </a:rPr>
-              <a:t>){</a:t>
-            </a:r>
-            <a:r>
-              <a:rPr lang="ru-RU" dirty="0" smtClean="0">
-                <a:solidFill>
-                  <a:srgbClr val="000000"/>
-                </a:solidFill>
-                <a:latin typeface="Consolas" panose="020B0609020204030204" pitchFamily="49" charset="0"/>
-              </a:rPr>
-              <a:t>…</a:t>
-            </a:r>
-            <a:r>
-              <a:rPr lang="en-US" dirty="0" smtClean="0">
-                <a:solidFill>
-                  <a:srgbClr val="000000"/>
-                </a:solidFill>
-                <a:latin typeface="Consolas" panose="020B0609020204030204" pitchFamily="49" charset="0"/>
-              </a:rPr>
-              <a:t>}</a:t>
-            </a:r>
-            <a:endParaRPr lang="ru-RU" dirty="0" smtClean="0">
-              <a:solidFill>
-                <a:srgbClr val="000000"/>
-              </a:solidFill>
-              <a:latin typeface="Consolas" panose="020B0609020204030204" pitchFamily="49" charset="0"/>
-            </a:endParaRPr>
-          </a:p>
-          <a:p>
-            <a:r>
-              <a:rPr lang="ru-RU" dirty="0" smtClean="0">
-                <a:solidFill>
-                  <a:srgbClr val="000000"/>
-                </a:solidFill>
-                <a:latin typeface="Consolas" panose="020B0609020204030204" pitchFamily="49" charset="0"/>
-              </a:rPr>
-              <a:t>        …</a:t>
-            </a:r>
-          </a:p>
-          <a:p>
-            <a:r>
-              <a:rPr lang="ru-RU" dirty="0" smtClean="0">
-                <a:solidFill>
-                  <a:srgbClr val="000000"/>
-                </a:solidFill>
-                <a:latin typeface="Consolas" panose="020B0609020204030204" pitchFamily="49" charset="0"/>
-              </a:rPr>
-              <a:t>        </a:t>
-            </a:r>
-            <a:r>
-              <a:rPr lang="en-US" dirty="0" smtClean="0">
-                <a:solidFill>
-                  <a:srgbClr val="000000"/>
-                </a:solidFill>
-                <a:latin typeface="Consolas" panose="020B0609020204030204" pitchFamily="49" charset="0"/>
-              </a:rPr>
-              <a:t>&lt;</a:t>
-            </a:r>
-            <a:r>
-              <a:rPr lang="ru-RU" dirty="0" smtClean="0">
-                <a:solidFill>
-                  <a:srgbClr val="000000"/>
-                </a:solidFill>
-                <a:latin typeface="Consolas" panose="020B0609020204030204" pitchFamily="49" charset="0"/>
-              </a:rPr>
-              <a:t>имя аргумента</a:t>
-            </a:r>
-            <a:r>
-              <a:rPr lang="en-US" dirty="0" smtClean="0">
-                <a:solidFill>
-                  <a:srgbClr val="000000"/>
-                </a:solidFill>
-                <a:latin typeface="Consolas" panose="020B0609020204030204" pitchFamily="49" charset="0"/>
-              </a:rPr>
-              <a:t>&gt; &lt;</a:t>
-            </a:r>
-            <a:r>
-              <a:rPr lang="ru-RU" dirty="0" smtClean="0">
-                <a:solidFill>
-                  <a:srgbClr val="000000"/>
-                </a:solidFill>
-                <a:latin typeface="Consolas" panose="020B0609020204030204" pitchFamily="49" charset="0"/>
-              </a:rPr>
-              <a:t>имя метода</a:t>
-            </a:r>
-            <a:r>
-              <a:rPr lang="en-US" dirty="0" smtClean="0">
-                <a:solidFill>
-                  <a:srgbClr val="000000"/>
-                </a:solidFill>
-                <a:latin typeface="Consolas" panose="020B0609020204030204" pitchFamily="49" charset="0"/>
-              </a:rPr>
-              <a:t>&gt; (</a:t>
-            </a:r>
-            <a:r>
-              <a:rPr lang="ru-RU" dirty="0" smtClean="0">
-                <a:solidFill>
-                  <a:srgbClr val="000000"/>
-                </a:solidFill>
-                <a:latin typeface="Consolas" panose="020B0609020204030204" pitchFamily="49" charset="0"/>
-              </a:rPr>
-              <a:t>…</a:t>
-            </a:r>
-            <a:r>
-              <a:rPr lang="en-US" dirty="0" smtClean="0">
-                <a:solidFill>
-                  <a:srgbClr val="000000"/>
-                </a:solidFill>
-                <a:latin typeface="Consolas" panose="020B0609020204030204" pitchFamily="49" charset="0"/>
-              </a:rPr>
-              <a:t>);</a:t>
-            </a:r>
-            <a:endParaRPr lang="ru-RU" dirty="0" smtClean="0">
-              <a:solidFill>
-                <a:srgbClr val="000000"/>
-              </a:solidFill>
-              <a:latin typeface="Consolas" panose="020B0609020204030204" pitchFamily="49" charset="0"/>
-            </a:endParaRPr>
-          </a:p>
-          <a:p>
-            <a:r>
-              <a:rPr lang="ru-RU" dirty="0" smtClean="0">
-                <a:solidFill>
-                  <a:srgbClr val="0000FF"/>
-                </a:solidFill>
-                <a:latin typeface="Consolas" panose="020B0609020204030204" pitchFamily="49" charset="0"/>
-              </a:rPr>
-              <a:t>        </a:t>
-            </a:r>
-            <a:r>
-              <a:rPr lang="en-US" dirty="0" smtClean="0">
-                <a:solidFill>
-                  <a:srgbClr val="0000FF"/>
-                </a:solidFill>
-                <a:latin typeface="Consolas" panose="020B0609020204030204" pitchFamily="49" charset="0"/>
-              </a:rPr>
-              <a:t>template</a:t>
-            </a:r>
-            <a:r>
-              <a:rPr lang="en-US" dirty="0">
-                <a:solidFill>
-                  <a:srgbClr val="000000"/>
-                </a:solidFill>
-                <a:latin typeface="Consolas" panose="020B0609020204030204" pitchFamily="49" charset="0"/>
-              </a:rPr>
-              <a:t> &lt;</a:t>
-            </a:r>
-            <a:r>
-              <a:rPr lang="en-US" dirty="0" err="1">
-                <a:solidFill>
-                  <a:srgbClr val="0000FF"/>
-                </a:solidFill>
-                <a:latin typeface="Consolas" panose="020B0609020204030204" pitchFamily="49" charset="0"/>
-              </a:rPr>
-              <a:t>typename</a:t>
-            </a:r>
-            <a:r>
-              <a:rPr lang="en-US" dirty="0">
-                <a:solidFill>
-                  <a:srgbClr val="000000"/>
-                </a:solidFill>
-                <a:latin typeface="Consolas" panose="020B0609020204030204" pitchFamily="49" charset="0"/>
-              </a:rPr>
-              <a:t> </a:t>
-            </a:r>
-            <a:r>
-              <a:rPr lang="en-US" dirty="0" smtClean="0">
-                <a:solidFill>
-                  <a:srgbClr val="000000"/>
-                </a:solidFill>
-                <a:latin typeface="Consolas" panose="020B0609020204030204" pitchFamily="49" charset="0"/>
-              </a:rPr>
-              <a:t>&lt;</a:t>
-            </a:r>
-            <a:r>
-              <a:rPr lang="ru-RU" dirty="0" smtClean="0">
-                <a:solidFill>
-                  <a:srgbClr val="000000"/>
-                </a:solidFill>
-                <a:latin typeface="Consolas" panose="020B0609020204030204" pitchFamily="49" charset="0"/>
-              </a:rPr>
-              <a:t>другое имя </a:t>
-            </a:r>
-            <a:r>
-              <a:rPr lang="ru-RU" dirty="0">
-                <a:solidFill>
-                  <a:srgbClr val="000000"/>
-                </a:solidFill>
-                <a:latin typeface="Consolas" panose="020B0609020204030204" pitchFamily="49" charset="0"/>
-              </a:rPr>
-              <a:t>аргумента</a:t>
-            </a:r>
-            <a:r>
-              <a:rPr lang="en-US" dirty="0">
-                <a:solidFill>
-                  <a:srgbClr val="000000"/>
-                </a:solidFill>
-                <a:latin typeface="Consolas" panose="020B0609020204030204" pitchFamily="49" charset="0"/>
-              </a:rPr>
-              <a:t>&gt;&gt;</a:t>
-            </a:r>
-            <a:endParaRPr lang="en-US" dirty="0" smtClean="0">
-              <a:solidFill>
-                <a:srgbClr val="000000"/>
-              </a:solidFill>
-              <a:latin typeface="Consolas" panose="020B0609020204030204" pitchFamily="49" charset="0"/>
-            </a:endParaRPr>
-          </a:p>
-          <a:p>
-            <a:r>
-              <a:rPr lang="ru-RU" dirty="0" smtClean="0">
-                <a:solidFill>
-                  <a:srgbClr val="000000"/>
-                </a:solidFill>
-                <a:latin typeface="Consolas" panose="020B0609020204030204" pitchFamily="49" charset="0"/>
-              </a:rPr>
-              <a:t>        </a:t>
-            </a:r>
-            <a:r>
-              <a:rPr lang="en-US" dirty="0">
-                <a:solidFill>
-                  <a:srgbClr val="000000"/>
-                </a:solidFill>
-                <a:latin typeface="Consolas" panose="020B0609020204030204" pitchFamily="49" charset="0"/>
-              </a:rPr>
-              <a:t>&lt;</a:t>
-            </a:r>
-            <a:r>
-              <a:rPr lang="ru-RU" dirty="0">
-                <a:solidFill>
-                  <a:srgbClr val="000000"/>
-                </a:solidFill>
-                <a:latin typeface="Consolas" panose="020B0609020204030204" pitchFamily="49" charset="0"/>
-              </a:rPr>
-              <a:t>другое имя аргумента</a:t>
-            </a:r>
-            <a:r>
-              <a:rPr lang="en-US" dirty="0">
-                <a:solidFill>
-                  <a:srgbClr val="000000"/>
-                </a:solidFill>
-                <a:latin typeface="Consolas" panose="020B0609020204030204" pitchFamily="49" charset="0"/>
-              </a:rPr>
-              <a:t>&gt;</a:t>
-            </a:r>
-            <a:r>
-              <a:rPr lang="en-US" dirty="0" smtClean="0">
-                <a:solidFill>
-                  <a:srgbClr val="000000"/>
-                </a:solidFill>
-                <a:latin typeface="Consolas" panose="020B0609020204030204" pitchFamily="49" charset="0"/>
-              </a:rPr>
-              <a:t> </a:t>
-            </a:r>
-            <a:r>
-              <a:rPr lang="en-US" dirty="0">
-                <a:solidFill>
-                  <a:srgbClr val="000000"/>
-                </a:solidFill>
-                <a:latin typeface="Consolas" panose="020B0609020204030204" pitchFamily="49" charset="0"/>
-              </a:rPr>
-              <a:t>&lt;</a:t>
-            </a:r>
-            <a:r>
-              <a:rPr lang="ru-RU" dirty="0" smtClean="0">
-                <a:solidFill>
-                  <a:srgbClr val="000000"/>
-                </a:solidFill>
-                <a:latin typeface="Consolas" panose="020B0609020204030204" pitchFamily="49" charset="0"/>
-              </a:rPr>
-              <a:t>имя</a:t>
-            </a:r>
-            <a:r>
-              <a:rPr lang="en-US" dirty="0" smtClean="0">
-                <a:solidFill>
-                  <a:srgbClr val="000000"/>
-                </a:solidFill>
-                <a:latin typeface="Consolas" panose="020B0609020204030204" pitchFamily="49" charset="0"/>
-              </a:rPr>
-              <a:t> </a:t>
-            </a:r>
-            <a:r>
-              <a:rPr lang="ru-RU" dirty="0" smtClean="0">
-                <a:solidFill>
-                  <a:srgbClr val="000000"/>
-                </a:solidFill>
-                <a:latin typeface="Consolas" panose="020B0609020204030204" pitchFamily="49" charset="0"/>
-              </a:rPr>
-              <a:t>дружественного </a:t>
-            </a:r>
-            <a:r>
-              <a:rPr lang="ru-RU" dirty="0">
-                <a:solidFill>
-                  <a:srgbClr val="000000"/>
-                </a:solidFill>
-                <a:latin typeface="Consolas" panose="020B0609020204030204" pitchFamily="49" charset="0"/>
-              </a:rPr>
-              <a:t>метода</a:t>
-            </a:r>
-            <a:r>
-              <a:rPr lang="en-US" dirty="0">
-                <a:solidFill>
-                  <a:srgbClr val="000000"/>
-                </a:solidFill>
-                <a:latin typeface="Consolas" panose="020B0609020204030204" pitchFamily="49" charset="0"/>
-              </a:rPr>
-              <a:t>&gt; </a:t>
-            </a:r>
-            <a:r>
-              <a:rPr lang="en-US" dirty="0" smtClean="0">
-                <a:solidFill>
-                  <a:srgbClr val="000000"/>
-                </a:solidFill>
-                <a:latin typeface="Consolas" panose="020B0609020204030204" pitchFamily="49" charset="0"/>
-              </a:rPr>
-              <a:t>(</a:t>
-            </a:r>
-            <a:r>
-              <a:rPr lang="en-US" dirty="0">
-                <a:solidFill>
-                  <a:srgbClr val="000000"/>
-                </a:solidFill>
-                <a:latin typeface="Consolas" panose="020B0609020204030204" pitchFamily="49" charset="0"/>
-              </a:rPr>
-              <a:t>&lt;</a:t>
-            </a:r>
-            <a:r>
-              <a:rPr lang="ru-RU" dirty="0">
-                <a:solidFill>
-                  <a:srgbClr val="000000"/>
-                </a:solidFill>
-                <a:latin typeface="Consolas" panose="020B0609020204030204" pitchFamily="49" charset="0"/>
-              </a:rPr>
-              <a:t>другое имя аргумента</a:t>
-            </a:r>
-            <a:r>
-              <a:rPr lang="en-US" dirty="0" smtClean="0">
-                <a:solidFill>
-                  <a:srgbClr val="000000"/>
-                </a:solidFill>
-                <a:latin typeface="Consolas" panose="020B0609020204030204" pitchFamily="49" charset="0"/>
-              </a:rPr>
-              <a:t>&gt;, </a:t>
-            </a:r>
-            <a:r>
-              <a:rPr lang="ru-RU" dirty="0" smtClean="0">
-                <a:solidFill>
-                  <a:srgbClr val="000000"/>
-                </a:solidFill>
-                <a:latin typeface="Consolas" panose="020B0609020204030204" pitchFamily="49" charset="0"/>
-              </a:rPr>
-              <a:t>…</a:t>
-            </a:r>
-            <a:r>
-              <a:rPr lang="en-US" dirty="0">
-                <a:solidFill>
-                  <a:srgbClr val="000000"/>
-                </a:solidFill>
-                <a:latin typeface="Consolas" panose="020B0609020204030204" pitchFamily="49" charset="0"/>
-              </a:rPr>
-              <a:t>);</a:t>
-            </a:r>
-            <a:endParaRPr lang="en-US" dirty="0" smtClean="0">
-              <a:solidFill>
-                <a:srgbClr val="000000"/>
-              </a:solidFill>
-              <a:latin typeface="Consolas" panose="020B0609020204030204" pitchFamily="49" charset="0"/>
-            </a:endParaRPr>
-          </a:p>
-          <a:p>
-            <a:endParaRPr lang="ru-RU" dirty="0" smtClean="0">
-              <a:solidFill>
-                <a:srgbClr val="000000"/>
-              </a:solidFill>
-              <a:latin typeface="Consolas" panose="020B0609020204030204" pitchFamily="49" charset="0"/>
-            </a:endParaRPr>
-          </a:p>
-          <a:p>
-            <a:r>
-              <a:rPr lang="en-US" dirty="0" smtClean="0">
-                <a:solidFill>
-                  <a:srgbClr val="000000"/>
-                </a:solidFill>
-                <a:latin typeface="Consolas" panose="020B0609020204030204" pitchFamily="49" charset="0"/>
-              </a:rPr>
-              <a:t>};</a:t>
-            </a:r>
-            <a:endParaRPr lang="ru-RU" dirty="0" smtClean="0">
-              <a:solidFill>
-                <a:srgbClr val="000000"/>
-              </a:solidFill>
-              <a:latin typeface="Consolas" panose="020B0609020204030204" pitchFamily="49" charset="0"/>
-            </a:endParaRPr>
-          </a:p>
-          <a:p>
-            <a:endParaRPr lang="ru-RU" b="0" dirty="0">
-              <a:solidFill>
-                <a:srgbClr val="000000"/>
-              </a:solidFill>
-              <a:effectLst/>
-              <a:latin typeface="Consolas" panose="020B0609020204030204" pitchFamily="49" charset="0"/>
-            </a:endParaRPr>
-          </a:p>
-          <a:p>
-            <a:r>
-              <a:rPr lang="en-US" dirty="0">
-                <a:solidFill>
-                  <a:srgbClr val="000000"/>
-                </a:solidFill>
-                <a:latin typeface="Consolas" panose="020B0609020204030204" pitchFamily="49" charset="0"/>
-              </a:rPr>
-              <a:t>&lt;</a:t>
-            </a:r>
-            <a:r>
-              <a:rPr lang="ru-RU" dirty="0">
-                <a:solidFill>
-                  <a:srgbClr val="000000"/>
-                </a:solidFill>
-                <a:latin typeface="Consolas" panose="020B0609020204030204" pitchFamily="49" charset="0"/>
-              </a:rPr>
-              <a:t>имя аргумента</a:t>
-            </a:r>
-            <a:r>
-              <a:rPr lang="en-US" dirty="0">
-                <a:solidFill>
-                  <a:srgbClr val="000000"/>
-                </a:solidFill>
-                <a:latin typeface="Consolas" panose="020B0609020204030204" pitchFamily="49" charset="0"/>
-              </a:rPr>
-              <a:t>&gt; </a:t>
-            </a:r>
-            <a:r>
-              <a:rPr lang="en-US" dirty="0" smtClean="0">
-                <a:solidFill>
-                  <a:srgbClr val="000000"/>
-                </a:solidFill>
-                <a:latin typeface="Consolas" panose="020B0609020204030204" pitchFamily="49" charset="0"/>
-              </a:rPr>
-              <a:t>&lt;</a:t>
-            </a:r>
-            <a:r>
-              <a:rPr lang="ru-RU" dirty="0">
-                <a:solidFill>
-                  <a:srgbClr val="000000"/>
-                </a:solidFill>
-                <a:latin typeface="Consolas" panose="020B0609020204030204" pitchFamily="49" charset="0"/>
-              </a:rPr>
-              <a:t>имя класса</a:t>
-            </a:r>
-            <a:r>
-              <a:rPr lang="en-US" dirty="0" smtClean="0">
-                <a:solidFill>
-                  <a:srgbClr val="000000"/>
-                </a:solidFill>
-                <a:latin typeface="Consolas" panose="020B0609020204030204" pitchFamily="49" charset="0"/>
-              </a:rPr>
-              <a:t>&gt;&lt;</a:t>
-            </a:r>
-            <a:r>
-              <a:rPr lang="en-US" dirty="0">
-                <a:solidFill>
-                  <a:srgbClr val="000000"/>
-                </a:solidFill>
-                <a:latin typeface="Consolas" panose="020B0609020204030204" pitchFamily="49" charset="0"/>
-              </a:rPr>
-              <a:t>&lt;</a:t>
-            </a:r>
-            <a:r>
-              <a:rPr lang="ru-RU" dirty="0">
-                <a:solidFill>
-                  <a:srgbClr val="000000"/>
-                </a:solidFill>
-                <a:latin typeface="Consolas" panose="020B0609020204030204" pitchFamily="49" charset="0"/>
-              </a:rPr>
-              <a:t>имя аргумента</a:t>
-            </a:r>
-            <a:r>
-              <a:rPr lang="en-US" dirty="0">
-                <a:solidFill>
-                  <a:srgbClr val="000000"/>
-                </a:solidFill>
-                <a:latin typeface="Consolas" panose="020B0609020204030204" pitchFamily="49" charset="0"/>
-              </a:rPr>
-              <a:t>&gt; </a:t>
-            </a:r>
-            <a:r>
-              <a:rPr lang="en-US" dirty="0" smtClean="0">
-                <a:solidFill>
-                  <a:srgbClr val="000000"/>
-                </a:solidFill>
-                <a:latin typeface="Consolas" panose="020B0609020204030204" pitchFamily="49" charset="0"/>
-              </a:rPr>
-              <a:t>&gt;:&lt;</a:t>
-            </a:r>
-            <a:r>
-              <a:rPr lang="ru-RU" dirty="0">
-                <a:solidFill>
-                  <a:srgbClr val="000000"/>
-                </a:solidFill>
-                <a:latin typeface="Consolas" panose="020B0609020204030204" pitchFamily="49" charset="0"/>
-              </a:rPr>
-              <a:t>имя метода</a:t>
-            </a:r>
-            <a:r>
-              <a:rPr lang="en-US" dirty="0">
-                <a:solidFill>
-                  <a:srgbClr val="000000"/>
-                </a:solidFill>
-                <a:latin typeface="Consolas" panose="020B0609020204030204" pitchFamily="49" charset="0"/>
-              </a:rPr>
-              <a:t>&gt; (</a:t>
-            </a:r>
-            <a:r>
-              <a:rPr lang="ru-RU" dirty="0">
-                <a:solidFill>
-                  <a:srgbClr val="000000"/>
-                </a:solidFill>
-                <a:latin typeface="Consolas" panose="020B0609020204030204" pitchFamily="49" charset="0"/>
-              </a:rPr>
-              <a:t>…</a:t>
-            </a:r>
-            <a:r>
-              <a:rPr lang="en-US" dirty="0" smtClean="0">
-                <a:solidFill>
-                  <a:srgbClr val="000000"/>
-                </a:solidFill>
-                <a:latin typeface="Consolas" panose="020B0609020204030204" pitchFamily="49" charset="0"/>
-              </a:rPr>
-              <a:t>)</a:t>
-            </a:r>
-            <a:r>
-              <a:rPr lang="en-US" dirty="0">
-                <a:solidFill>
-                  <a:srgbClr val="000000"/>
-                </a:solidFill>
-                <a:latin typeface="Consolas" panose="020B0609020204030204" pitchFamily="49" charset="0"/>
-              </a:rPr>
-              <a:t> {</a:t>
-            </a:r>
-            <a:r>
-              <a:rPr lang="ru-RU" dirty="0">
-                <a:solidFill>
-                  <a:srgbClr val="000000"/>
-                </a:solidFill>
-                <a:latin typeface="Consolas" panose="020B0609020204030204" pitchFamily="49" charset="0"/>
-              </a:rPr>
-              <a:t>…</a:t>
-            </a:r>
-            <a:r>
-              <a:rPr lang="en-US" dirty="0" smtClean="0">
-                <a:solidFill>
-                  <a:srgbClr val="000000"/>
-                </a:solidFill>
-                <a:latin typeface="Consolas" panose="020B0609020204030204" pitchFamily="49" charset="0"/>
-              </a:rPr>
-              <a:t>}</a:t>
-            </a:r>
-          </a:p>
-          <a:p>
-            <a:endParaRPr lang="en-US" dirty="0" smtClean="0">
-              <a:solidFill>
-                <a:srgbClr val="0000FF"/>
-              </a:solidFill>
-              <a:latin typeface="Consolas" panose="020B0609020204030204" pitchFamily="49" charset="0"/>
-            </a:endParaRPr>
-          </a:p>
-          <a:p>
-            <a:r>
-              <a:rPr lang="en-US" dirty="0" smtClean="0">
-                <a:solidFill>
-                  <a:srgbClr val="0000FF"/>
-                </a:solidFill>
-                <a:latin typeface="Consolas" panose="020B0609020204030204" pitchFamily="49" charset="0"/>
-              </a:rPr>
-              <a:t>template</a:t>
-            </a:r>
-            <a:r>
-              <a:rPr lang="en-US" dirty="0">
-                <a:solidFill>
-                  <a:srgbClr val="000000"/>
-                </a:solidFill>
-                <a:latin typeface="Consolas" panose="020B0609020204030204" pitchFamily="49" charset="0"/>
-              </a:rPr>
-              <a:t> &lt;</a:t>
-            </a:r>
-            <a:r>
-              <a:rPr lang="en-US" dirty="0" err="1">
-                <a:solidFill>
-                  <a:srgbClr val="0000FF"/>
-                </a:solidFill>
-                <a:latin typeface="Consolas" panose="020B0609020204030204" pitchFamily="49" charset="0"/>
-              </a:rPr>
-              <a:t>typename</a:t>
-            </a:r>
-            <a:r>
-              <a:rPr lang="en-US" dirty="0">
-                <a:solidFill>
-                  <a:srgbClr val="000000"/>
-                </a:solidFill>
-                <a:latin typeface="Consolas" panose="020B0609020204030204" pitchFamily="49" charset="0"/>
-              </a:rPr>
-              <a:t> &lt;</a:t>
-            </a:r>
-            <a:r>
-              <a:rPr lang="ru-RU" dirty="0">
-                <a:solidFill>
-                  <a:srgbClr val="000000"/>
-                </a:solidFill>
-                <a:latin typeface="Consolas" panose="020B0609020204030204" pitchFamily="49" charset="0"/>
-              </a:rPr>
-              <a:t>другое имя аргумента</a:t>
-            </a:r>
-            <a:r>
-              <a:rPr lang="en-US" dirty="0">
-                <a:solidFill>
-                  <a:srgbClr val="000000"/>
-                </a:solidFill>
-                <a:latin typeface="Consolas" panose="020B0609020204030204" pitchFamily="49" charset="0"/>
-              </a:rPr>
-              <a:t>&gt;&gt;</a:t>
-            </a:r>
-          </a:p>
-          <a:p>
-            <a:r>
-              <a:rPr lang="en-US" dirty="0" smtClean="0">
-                <a:solidFill>
-                  <a:srgbClr val="000000"/>
-                </a:solidFill>
-                <a:latin typeface="Consolas" panose="020B0609020204030204" pitchFamily="49" charset="0"/>
-              </a:rPr>
-              <a:t>&lt;</a:t>
-            </a:r>
-            <a:r>
-              <a:rPr lang="ru-RU" dirty="0">
-                <a:solidFill>
-                  <a:srgbClr val="000000"/>
-                </a:solidFill>
-                <a:latin typeface="Consolas" panose="020B0609020204030204" pitchFamily="49" charset="0"/>
-              </a:rPr>
-              <a:t>другое имя аргумента</a:t>
-            </a:r>
-            <a:r>
-              <a:rPr lang="en-US" dirty="0">
-                <a:solidFill>
-                  <a:srgbClr val="000000"/>
-                </a:solidFill>
-                <a:latin typeface="Consolas" panose="020B0609020204030204" pitchFamily="49" charset="0"/>
-              </a:rPr>
-              <a:t>&gt; &lt;</a:t>
-            </a:r>
-            <a:r>
-              <a:rPr lang="ru-RU" dirty="0">
-                <a:solidFill>
-                  <a:srgbClr val="000000"/>
-                </a:solidFill>
-                <a:latin typeface="Consolas" panose="020B0609020204030204" pitchFamily="49" charset="0"/>
-              </a:rPr>
-              <a:t>имя</a:t>
-            </a:r>
-            <a:r>
-              <a:rPr lang="en-US" dirty="0">
-                <a:solidFill>
-                  <a:srgbClr val="000000"/>
-                </a:solidFill>
-                <a:latin typeface="Consolas" panose="020B0609020204030204" pitchFamily="49" charset="0"/>
-              </a:rPr>
-              <a:t> </a:t>
-            </a:r>
-            <a:r>
-              <a:rPr lang="ru-RU" dirty="0">
-                <a:solidFill>
-                  <a:srgbClr val="000000"/>
-                </a:solidFill>
-                <a:latin typeface="Consolas" panose="020B0609020204030204" pitchFamily="49" charset="0"/>
-              </a:rPr>
-              <a:t>дружественного метода</a:t>
-            </a:r>
-            <a:r>
-              <a:rPr lang="en-US" dirty="0">
-                <a:solidFill>
-                  <a:srgbClr val="000000"/>
-                </a:solidFill>
-                <a:latin typeface="Consolas" panose="020B0609020204030204" pitchFamily="49" charset="0"/>
-              </a:rPr>
-              <a:t>&gt; (&lt;</a:t>
-            </a:r>
-            <a:r>
-              <a:rPr lang="ru-RU" dirty="0">
-                <a:solidFill>
-                  <a:srgbClr val="000000"/>
-                </a:solidFill>
-                <a:latin typeface="Consolas" panose="020B0609020204030204" pitchFamily="49" charset="0"/>
-              </a:rPr>
-              <a:t>другое имя аргумента</a:t>
-            </a:r>
-            <a:r>
-              <a:rPr lang="en-US" dirty="0">
-                <a:solidFill>
-                  <a:srgbClr val="000000"/>
-                </a:solidFill>
-                <a:latin typeface="Consolas" panose="020B0609020204030204" pitchFamily="49" charset="0"/>
-              </a:rPr>
-              <a:t>&gt;, </a:t>
-            </a:r>
-            <a:r>
-              <a:rPr lang="ru-RU" dirty="0">
-                <a:solidFill>
-                  <a:srgbClr val="000000"/>
-                </a:solidFill>
-                <a:latin typeface="Consolas" panose="020B0609020204030204" pitchFamily="49" charset="0"/>
-              </a:rPr>
-              <a:t>…</a:t>
-            </a:r>
-            <a:r>
-              <a:rPr lang="en-US" dirty="0" smtClean="0">
-                <a:solidFill>
-                  <a:srgbClr val="000000"/>
-                </a:solidFill>
-                <a:latin typeface="Consolas" panose="020B0609020204030204" pitchFamily="49" charset="0"/>
-              </a:rPr>
-              <a:t>){…}</a:t>
-            </a:r>
-            <a:endParaRPr lang="ru-RU" dirty="0">
-              <a:solidFill>
-                <a:srgbClr val="000000"/>
-              </a:solidFill>
-              <a:latin typeface="Consolas" panose="020B0609020204030204" pitchFamily="49" charset="0"/>
-            </a:endParaRPr>
-          </a:p>
         </p:txBody>
       </p:sp>
     </p:spTree>
     <p:extLst>
       <p:ext uri="{BB962C8B-B14F-4D97-AF65-F5344CB8AC3E}">
-        <p14:creationId xmlns:p14="http://schemas.microsoft.com/office/powerpoint/2010/main" val="3189902911"/>
+        <p14:creationId xmlns:p14="http://schemas.microsoft.com/office/powerpoint/2010/main" val="2252150110"/>
       </p:ext>
     </p:extLst>
   </p:cSld>
@@ -4860,14 +4752,14 @@
       </p:grpSpPr>
       <p:sp>
         <p:nvSpPr>
-          <p:cNvPr id="3" name="Прямоугольник 2"/>
+          <p:cNvPr id="2" name="Прямоугольник 1"/>
           <p:cNvSpPr/>
           <p:nvPr/>
         </p:nvSpPr>
         <p:spPr>
           <a:xfrm>
-            <a:off x="3896656" y="0"/>
-            <a:ext cx="4398705" cy="523220"/>
+            <a:off x="4544270" y="0"/>
+            <a:ext cx="3103478" cy="523220"/>
           </a:xfrm>
           <a:prstGeom prst="rect">
             <a:avLst/>
@@ -4882,7 +4774,7 @@
             <a:pPr algn="ctr"/>
             <a:r>
               <a:rPr lang="ru-RU" sz="2800" b="1" dirty="0" smtClean="0"/>
-              <a:t>Пример, шаблонный класс</a:t>
+              <a:t>Шаблонная класса</a:t>
             </a:r>
             <a:endParaRPr lang="ru-RU" sz="2800" b="1" dirty="0"/>
           </a:p>
@@ -4896,8 +4788,8 @@
         </p:nvSpPr>
         <p:spPr>
           <a:xfrm>
-            <a:off x="0" y="86916"/>
-            <a:ext cx="10948658" cy="6771084"/>
+            <a:off x="401381" y="685410"/>
+            <a:ext cx="11389255" cy="1200329"/>
           </a:xfrm>
           <a:prstGeom prst="rect">
             <a:avLst/>
@@ -4910,7 +4802,19 @@
           <a:lstStyle/>
           <a:p>
             <a:r>
-              <a:rPr lang="en-US" sz="1400" dirty="0" smtClean="0">
+              <a:rPr lang="ru-RU" dirty="0" smtClean="0"/>
+              <a:t>Шаблоны</a:t>
+            </a:r>
+            <a:r>
+              <a:rPr lang="en-US" dirty="0" smtClean="0"/>
+              <a:t> </a:t>
+            </a:r>
+            <a:r>
+              <a:rPr lang="ru-RU" dirty="0" smtClean="0"/>
+              <a:t>классов аналогично шаблону функции объявляются при помощи ключевого слова </a:t>
+            </a:r>
+            <a:r>
+              <a:rPr lang="en-US" dirty="0" smtClean="0">
                 <a:solidFill>
                   <a:srgbClr val="0000FF"/>
                 </a:solidFill>
@@ -4919,1380 +4823,44 @@
               <a:t>template</a:t>
             </a:r>
             <a:r>
-              <a:rPr lang="en-US" sz="1400" dirty="0" smtClean="0">
-                <a:solidFill>
-                  <a:srgbClr val="000000"/>
-                </a:solidFill>
-                <a:latin typeface="Consolas" panose="020B0609020204030204" pitchFamily="49" charset="0"/>
-              </a:rPr>
-              <a:t> &lt;</a:t>
-            </a:r>
-            <a:r>
-              <a:rPr lang="en-US" sz="1400" dirty="0" err="1" smtClean="0">
-                <a:solidFill>
-                  <a:srgbClr val="0000FF"/>
-                </a:solidFill>
-                <a:latin typeface="Consolas" panose="020B0609020204030204" pitchFamily="49" charset="0"/>
-              </a:rPr>
-              <a:t>typename</a:t>
-            </a:r>
-            <a:r>
-              <a:rPr lang="en-US" sz="1400" dirty="0" smtClean="0">
-                <a:solidFill>
-                  <a:srgbClr val="000000"/>
-                </a:solidFill>
-                <a:latin typeface="Consolas" panose="020B0609020204030204" pitchFamily="49" charset="0"/>
-              </a:rPr>
-              <a:t> T&gt;</a:t>
-            </a:r>
-          </a:p>
-          <a:p>
-            <a:r>
-              <a:rPr lang="en-US" sz="1400" dirty="0" smtClean="0">
-                <a:solidFill>
-                  <a:srgbClr val="0000FF"/>
-                </a:solidFill>
-                <a:latin typeface="Consolas" panose="020B0609020204030204" pitchFamily="49" charset="0"/>
-              </a:rPr>
-              <a:t>class</a:t>
-            </a:r>
-            <a:r>
-              <a:rPr lang="en-US" sz="1400" dirty="0" smtClean="0">
-                <a:solidFill>
-                  <a:srgbClr val="000000"/>
-                </a:solidFill>
-                <a:latin typeface="Consolas" panose="020B0609020204030204" pitchFamily="49" charset="0"/>
-              </a:rPr>
-              <a:t> Array{</a:t>
-            </a:r>
-          </a:p>
-          <a:p>
-            <a:r>
-              <a:rPr lang="en-US" sz="1400" dirty="0" smtClean="0">
-                <a:solidFill>
-                  <a:srgbClr val="000000"/>
-                </a:solidFill>
-                <a:latin typeface="Consolas" panose="020B0609020204030204" pitchFamily="49" charset="0"/>
-              </a:rPr>
-              <a:t>    </a:t>
-            </a:r>
-            <a:r>
-              <a:rPr lang="en-US" sz="1400" dirty="0" smtClean="0">
-                <a:solidFill>
-                  <a:srgbClr val="0000FF"/>
-                </a:solidFill>
-                <a:latin typeface="Consolas" panose="020B0609020204030204" pitchFamily="49" charset="0"/>
-              </a:rPr>
-              <a:t>private:</a:t>
-            </a:r>
-            <a:endParaRPr lang="en-US" sz="1400" dirty="0" smtClean="0">
-              <a:solidFill>
-                <a:srgbClr val="000000"/>
-              </a:solidFill>
-              <a:latin typeface="Consolas" panose="020B0609020204030204" pitchFamily="49" charset="0"/>
-            </a:endParaRPr>
-          </a:p>
-          <a:p>
-            <a:r>
-              <a:rPr lang="en-US" sz="1400" dirty="0" smtClean="0">
-                <a:solidFill>
-                  <a:srgbClr val="000000"/>
-                </a:solidFill>
-                <a:latin typeface="Consolas" panose="020B0609020204030204" pitchFamily="49" charset="0"/>
-              </a:rPr>
-              <a:t>        T* container = </a:t>
-            </a:r>
-            <a:r>
-              <a:rPr lang="en-US" sz="1400" dirty="0" err="1" smtClean="0">
-                <a:solidFill>
-                  <a:srgbClr val="0000FF"/>
-                </a:solidFill>
-                <a:latin typeface="Consolas" panose="020B0609020204030204" pitchFamily="49" charset="0"/>
-              </a:rPr>
-              <a:t>nullptr</a:t>
-            </a:r>
-            <a:r>
-              <a:rPr lang="en-US" sz="1400" dirty="0" smtClean="0">
-                <a:solidFill>
-                  <a:srgbClr val="000000"/>
-                </a:solidFill>
-                <a:latin typeface="Consolas" panose="020B0609020204030204" pitchFamily="49" charset="0"/>
-              </a:rPr>
-              <a:t>;</a:t>
-            </a:r>
-          </a:p>
-          <a:p>
-            <a:r>
-              <a:rPr lang="en-US" sz="1400" dirty="0" smtClean="0">
-                <a:solidFill>
-                  <a:srgbClr val="000000"/>
-                </a:solidFill>
-                <a:latin typeface="Consolas" panose="020B0609020204030204" pitchFamily="49" charset="0"/>
-              </a:rPr>
-              <a:t>        </a:t>
-            </a:r>
-            <a:r>
-              <a:rPr lang="en-US" sz="1400" dirty="0" err="1" smtClean="0">
-                <a:solidFill>
-                  <a:srgbClr val="0000FF"/>
-                </a:solidFill>
-                <a:latin typeface="Consolas" panose="020B0609020204030204" pitchFamily="49" charset="0"/>
-              </a:rPr>
-              <a:t>int</a:t>
-            </a:r>
-            <a:r>
-              <a:rPr lang="en-US" sz="1400" dirty="0" smtClean="0">
-                <a:solidFill>
-                  <a:srgbClr val="000000"/>
-                </a:solidFill>
-                <a:latin typeface="Consolas" panose="020B0609020204030204" pitchFamily="49" charset="0"/>
-              </a:rPr>
-              <a:t> length = </a:t>
-            </a:r>
-            <a:r>
-              <a:rPr lang="en-US" sz="1400" dirty="0" smtClean="0">
-                <a:solidFill>
-                  <a:srgbClr val="098658"/>
-                </a:solidFill>
-                <a:latin typeface="Consolas" panose="020B0609020204030204" pitchFamily="49" charset="0"/>
-              </a:rPr>
-              <a:t>0</a:t>
-            </a:r>
-            <a:r>
-              <a:rPr lang="en-US" sz="1400" dirty="0" smtClean="0">
-                <a:solidFill>
-                  <a:srgbClr val="000000"/>
-                </a:solidFill>
-                <a:latin typeface="Consolas" panose="020B0609020204030204" pitchFamily="49" charset="0"/>
-              </a:rPr>
-              <a:t>;</a:t>
-            </a:r>
-          </a:p>
-          <a:p>
-            <a:r>
-              <a:rPr lang="en-US" sz="1400" dirty="0" smtClean="0">
-                <a:solidFill>
-                  <a:srgbClr val="000000"/>
-                </a:solidFill>
-                <a:latin typeface="Consolas" panose="020B0609020204030204" pitchFamily="49" charset="0"/>
-              </a:rPr>
-              <a:t>    </a:t>
-            </a:r>
-            <a:r>
-              <a:rPr lang="en-US" sz="1400" dirty="0" smtClean="0">
-                <a:solidFill>
-                  <a:srgbClr val="0000FF"/>
-                </a:solidFill>
-                <a:latin typeface="Consolas" panose="020B0609020204030204" pitchFamily="49" charset="0"/>
-              </a:rPr>
-              <a:t>public:</a:t>
-            </a:r>
-            <a:endParaRPr lang="en-US" sz="1400" dirty="0" smtClean="0">
-              <a:solidFill>
-                <a:srgbClr val="000000"/>
-              </a:solidFill>
-              <a:latin typeface="Consolas" panose="020B0609020204030204" pitchFamily="49" charset="0"/>
-            </a:endParaRPr>
-          </a:p>
-          <a:p>
-            <a:r>
-              <a:rPr lang="en-US" sz="1400" dirty="0" smtClean="0">
-                <a:solidFill>
-                  <a:srgbClr val="000000"/>
-                </a:solidFill>
-                <a:latin typeface="Consolas" panose="020B0609020204030204" pitchFamily="49" charset="0"/>
-              </a:rPr>
-              <a:t>        Array(</a:t>
-            </a:r>
-            <a:r>
-              <a:rPr lang="en-US" sz="1400" dirty="0" err="1" smtClean="0">
-                <a:solidFill>
-                  <a:srgbClr val="0000FF"/>
-                </a:solidFill>
-                <a:latin typeface="Consolas" panose="020B0609020204030204" pitchFamily="49" charset="0"/>
-              </a:rPr>
-              <a:t>const</a:t>
-            </a:r>
-            <a:r>
-              <a:rPr lang="en-US" sz="1400" dirty="0" smtClean="0">
-                <a:solidFill>
-                  <a:srgbClr val="000000"/>
-                </a:solidFill>
-                <a:latin typeface="Consolas" panose="020B0609020204030204" pitchFamily="49" charset="0"/>
-              </a:rPr>
-              <a:t> </a:t>
-            </a:r>
-            <a:r>
-              <a:rPr lang="en-US" sz="1400" dirty="0" err="1" smtClean="0">
-                <a:solidFill>
-                  <a:srgbClr val="0000FF"/>
-                </a:solidFill>
-                <a:latin typeface="Consolas" panose="020B0609020204030204" pitchFamily="49" charset="0"/>
-              </a:rPr>
-              <a:t>int</a:t>
-            </a:r>
-            <a:r>
-              <a:rPr lang="en-US" sz="1400" dirty="0" smtClean="0">
-                <a:solidFill>
-                  <a:srgbClr val="000000"/>
-                </a:solidFill>
-                <a:latin typeface="Consolas" panose="020B0609020204030204" pitchFamily="49" charset="0"/>
-              </a:rPr>
-              <a:t> N, T </a:t>
-            </a:r>
-            <a:r>
-              <a:rPr lang="en-US" sz="1400" dirty="0" err="1" smtClean="0">
-                <a:solidFill>
-                  <a:srgbClr val="000000"/>
-                </a:solidFill>
-                <a:latin typeface="Consolas" panose="020B0609020204030204" pitchFamily="49" charset="0"/>
-              </a:rPr>
-              <a:t>nuller</a:t>
-            </a:r>
-            <a:r>
-              <a:rPr lang="en-US" sz="1400" dirty="0" smtClean="0">
-                <a:solidFill>
-                  <a:srgbClr val="000000"/>
-                </a:solidFill>
-                <a:latin typeface="Consolas" panose="020B0609020204030204" pitchFamily="49" charset="0"/>
-              </a:rPr>
-              <a:t> = </a:t>
-            </a:r>
-            <a:r>
-              <a:rPr lang="en-US" sz="1400" dirty="0" smtClean="0">
-                <a:solidFill>
-                  <a:srgbClr val="098658"/>
-                </a:solidFill>
-                <a:latin typeface="Consolas" panose="020B0609020204030204" pitchFamily="49" charset="0"/>
-              </a:rPr>
-              <a:t>0</a:t>
-            </a:r>
-            <a:r>
-              <a:rPr lang="en-US" sz="1400" dirty="0" smtClean="0">
-                <a:solidFill>
-                  <a:srgbClr val="000000"/>
-                </a:solidFill>
-                <a:latin typeface="Consolas" panose="020B0609020204030204" pitchFamily="49" charset="0"/>
-              </a:rPr>
-              <a:t>): length(N), container(</a:t>
-            </a:r>
-            <a:r>
-              <a:rPr lang="en-US" sz="1400" dirty="0" smtClean="0">
-                <a:solidFill>
-                  <a:srgbClr val="0000FF"/>
-                </a:solidFill>
-                <a:latin typeface="Consolas" panose="020B0609020204030204" pitchFamily="49" charset="0"/>
-              </a:rPr>
-              <a:t>new</a:t>
-            </a:r>
-            <a:r>
-              <a:rPr lang="en-US" sz="1400" dirty="0" smtClean="0">
-                <a:solidFill>
-                  <a:srgbClr val="000000"/>
-                </a:solidFill>
-                <a:latin typeface="Consolas" panose="020B0609020204030204" pitchFamily="49" charset="0"/>
-              </a:rPr>
-              <a:t> T[N]){</a:t>
-            </a:r>
-          </a:p>
-          <a:p>
-            <a:r>
-              <a:rPr lang="en-US" sz="1400" dirty="0" smtClean="0">
-                <a:solidFill>
-                  <a:srgbClr val="000000"/>
-                </a:solidFill>
-                <a:latin typeface="Consolas" panose="020B0609020204030204" pitchFamily="49" charset="0"/>
-              </a:rPr>
-              <a:t>            </a:t>
-            </a:r>
-            <a:r>
-              <a:rPr lang="en-US" sz="1400" dirty="0" smtClean="0">
-                <a:solidFill>
-                  <a:srgbClr val="0000FF"/>
-                </a:solidFill>
-                <a:latin typeface="Consolas" panose="020B0609020204030204" pitchFamily="49" charset="0"/>
-              </a:rPr>
-              <a:t>for</a:t>
-            </a:r>
-            <a:r>
-              <a:rPr lang="en-US" sz="1400" dirty="0" smtClean="0">
-                <a:solidFill>
-                  <a:srgbClr val="000000"/>
-                </a:solidFill>
-                <a:latin typeface="Consolas" panose="020B0609020204030204" pitchFamily="49" charset="0"/>
-              </a:rPr>
-              <a:t>(</a:t>
-            </a:r>
-            <a:r>
-              <a:rPr lang="en-US" sz="1400" dirty="0" err="1" smtClean="0">
-                <a:solidFill>
-                  <a:srgbClr val="0000FF"/>
-                </a:solidFill>
-                <a:latin typeface="Consolas" panose="020B0609020204030204" pitchFamily="49" charset="0"/>
-              </a:rPr>
-              <a:t>int</a:t>
-            </a:r>
-            <a:r>
-              <a:rPr lang="en-US" sz="1400" dirty="0" smtClean="0">
-                <a:solidFill>
-                  <a:srgbClr val="000000"/>
-                </a:solidFill>
-                <a:latin typeface="Consolas" panose="020B0609020204030204" pitchFamily="49" charset="0"/>
-              </a:rPr>
-              <a:t> </a:t>
-            </a:r>
-            <a:r>
-              <a:rPr lang="en-US" sz="1400" dirty="0" err="1" smtClean="0">
-                <a:solidFill>
-                  <a:srgbClr val="000000"/>
-                </a:solidFill>
-                <a:latin typeface="Consolas" panose="020B0609020204030204" pitchFamily="49" charset="0"/>
-              </a:rPr>
-              <a:t>i</a:t>
-            </a:r>
-            <a:r>
-              <a:rPr lang="en-US" sz="1400" dirty="0" smtClean="0">
-                <a:solidFill>
-                  <a:srgbClr val="000000"/>
-                </a:solidFill>
-                <a:latin typeface="Consolas" panose="020B0609020204030204" pitchFamily="49" charset="0"/>
-              </a:rPr>
-              <a:t> = </a:t>
-            </a:r>
-            <a:r>
-              <a:rPr lang="en-US" sz="1400" dirty="0" smtClean="0">
-                <a:solidFill>
-                  <a:srgbClr val="098658"/>
-                </a:solidFill>
-                <a:latin typeface="Consolas" panose="020B0609020204030204" pitchFamily="49" charset="0"/>
-              </a:rPr>
-              <a:t>0</a:t>
-            </a:r>
-            <a:r>
-              <a:rPr lang="en-US" sz="1400" dirty="0" smtClean="0">
-                <a:solidFill>
-                  <a:srgbClr val="000000"/>
-                </a:solidFill>
-                <a:latin typeface="Consolas" panose="020B0609020204030204" pitchFamily="49" charset="0"/>
-              </a:rPr>
-              <a:t>; </a:t>
-            </a:r>
-            <a:r>
-              <a:rPr lang="en-US" sz="1400" dirty="0" err="1" smtClean="0">
-                <a:solidFill>
-                  <a:srgbClr val="000000"/>
-                </a:solidFill>
-                <a:latin typeface="Consolas" panose="020B0609020204030204" pitchFamily="49" charset="0"/>
-              </a:rPr>
-              <a:t>i</a:t>
-            </a:r>
-            <a:r>
-              <a:rPr lang="en-US" sz="1400" dirty="0" smtClean="0">
-                <a:solidFill>
-                  <a:srgbClr val="000000"/>
-                </a:solidFill>
-                <a:latin typeface="Consolas" panose="020B0609020204030204" pitchFamily="49" charset="0"/>
-              </a:rPr>
-              <a:t> &lt; length; </a:t>
-            </a:r>
-            <a:r>
-              <a:rPr lang="en-US" sz="1400" dirty="0" err="1" smtClean="0">
-                <a:solidFill>
-                  <a:srgbClr val="000000"/>
-                </a:solidFill>
-                <a:latin typeface="Consolas" panose="020B0609020204030204" pitchFamily="49" charset="0"/>
-              </a:rPr>
-              <a:t>i</a:t>
-            </a:r>
-            <a:r>
-              <a:rPr lang="en-US" sz="1400" dirty="0" smtClean="0">
-                <a:solidFill>
-                  <a:srgbClr val="000000"/>
-                </a:solidFill>
-                <a:latin typeface="Consolas" panose="020B0609020204030204" pitchFamily="49" charset="0"/>
-              </a:rPr>
-              <a:t>++)</a:t>
-            </a:r>
-          </a:p>
-          <a:p>
-            <a:r>
-              <a:rPr lang="en-US" sz="1400" dirty="0" smtClean="0">
-                <a:solidFill>
-                  <a:srgbClr val="000000"/>
-                </a:solidFill>
-                <a:latin typeface="Consolas" panose="020B0609020204030204" pitchFamily="49" charset="0"/>
-              </a:rPr>
-              <a:t>                container[</a:t>
-            </a:r>
-            <a:r>
-              <a:rPr lang="en-US" sz="1400" dirty="0" err="1" smtClean="0">
-                <a:solidFill>
-                  <a:srgbClr val="000000"/>
-                </a:solidFill>
-                <a:latin typeface="Consolas" panose="020B0609020204030204" pitchFamily="49" charset="0"/>
-              </a:rPr>
-              <a:t>i</a:t>
-            </a:r>
-            <a:r>
-              <a:rPr lang="en-US" sz="1400" dirty="0" smtClean="0">
-                <a:solidFill>
-                  <a:srgbClr val="000000"/>
-                </a:solidFill>
-                <a:latin typeface="Consolas" panose="020B0609020204030204" pitchFamily="49" charset="0"/>
-              </a:rPr>
-              <a:t>] = </a:t>
-            </a:r>
-            <a:r>
-              <a:rPr lang="en-US" sz="1400" dirty="0" err="1" smtClean="0">
-                <a:solidFill>
-                  <a:srgbClr val="000000"/>
-                </a:solidFill>
-                <a:latin typeface="Consolas" panose="020B0609020204030204" pitchFamily="49" charset="0"/>
-              </a:rPr>
-              <a:t>nuller</a:t>
-            </a:r>
-            <a:r>
-              <a:rPr lang="en-US" sz="1400" dirty="0" smtClean="0">
-                <a:solidFill>
-                  <a:srgbClr val="000000"/>
-                </a:solidFill>
-                <a:latin typeface="Consolas" panose="020B0609020204030204" pitchFamily="49" charset="0"/>
-              </a:rPr>
-              <a:t>;</a:t>
-            </a:r>
-          </a:p>
-          <a:p>
-            <a:r>
-              <a:rPr lang="en-US" sz="1400" dirty="0" smtClean="0">
-                <a:solidFill>
-                  <a:srgbClr val="000000"/>
-                </a:solidFill>
-                <a:latin typeface="Consolas" panose="020B0609020204030204" pitchFamily="49" charset="0"/>
-              </a:rPr>
-              <a:t>        }</a:t>
-            </a:r>
-          </a:p>
-          <a:p>
-            <a:r>
-              <a:rPr lang="en-US" sz="1400" dirty="0" smtClean="0">
-                <a:solidFill>
-                  <a:srgbClr val="000000"/>
-                </a:solidFill>
-                <a:latin typeface="Consolas" panose="020B0609020204030204" pitchFamily="49" charset="0"/>
-              </a:rPr>
-              <a:t>        T</a:t>
-            </a:r>
-            <a:r>
-              <a:rPr lang="en-US" sz="1400" dirty="0" smtClean="0">
-                <a:solidFill>
-                  <a:srgbClr val="0000FF"/>
-                </a:solidFill>
-                <a:latin typeface="Consolas" panose="020B0609020204030204" pitchFamily="49" charset="0"/>
-              </a:rPr>
-              <a:t>&amp;</a:t>
-            </a:r>
-            <a:r>
-              <a:rPr lang="en-US" sz="1400" dirty="0" smtClean="0">
-                <a:solidFill>
-                  <a:srgbClr val="000000"/>
-                </a:solidFill>
-                <a:latin typeface="Consolas" panose="020B0609020204030204" pitchFamily="49" charset="0"/>
-              </a:rPr>
-              <a:t> operator[](</a:t>
-            </a:r>
-            <a:r>
-              <a:rPr lang="en-US" sz="1400" dirty="0" err="1" smtClean="0">
-                <a:solidFill>
-                  <a:srgbClr val="0000FF"/>
-                </a:solidFill>
-                <a:latin typeface="Consolas" panose="020B0609020204030204" pitchFamily="49" charset="0"/>
-              </a:rPr>
-              <a:t>int</a:t>
-            </a:r>
-            <a:r>
-              <a:rPr lang="en-US" sz="1400" dirty="0" smtClean="0">
-                <a:solidFill>
-                  <a:srgbClr val="000000"/>
-                </a:solidFill>
-                <a:latin typeface="Consolas" panose="020B0609020204030204" pitchFamily="49" charset="0"/>
-              </a:rPr>
-              <a:t> </a:t>
-            </a:r>
-            <a:r>
-              <a:rPr lang="en-US" sz="1400" dirty="0" err="1" smtClean="0">
-                <a:solidFill>
-                  <a:srgbClr val="000000"/>
-                </a:solidFill>
-                <a:latin typeface="Consolas" panose="020B0609020204030204" pitchFamily="49" charset="0"/>
-              </a:rPr>
-              <a:t>i</a:t>
-            </a:r>
-            <a:r>
-              <a:rPr lang="en-US" sz="1400" dirty="0" smtClean="0">
-                <a:solidFill>
-                  <a:srgbClr val="000000"/>
-                </a:solidFill>
-                <a:latin typeface="Consolas" panose="020B0609020204030204" pitchFamily="49" charset="0"/>
-              </a:rPr>
-              <a:t>) {</a:t>
-            </a:r>
-          </a:p>
-          <a:p>
-            <a:r>
-              <a:rPr lang="en-US" sz="1400" dirty="0" smtClean="0">
-                <a:solidFill>
-                  <a:srgbClr val="000000"/>
-                </a:solidFill>
-                <a:latin typeface="Consolas" panose="020B0609020204030204" pitchFamily="49" charset="0"/>
-              </a:rPr>
-              <a:t>            </a:t>
-            </a:r>
-            <a:r>
-              <a:rPr lang="en-US" sz="1400" dirty="0" smtClean="0">
-                <a:solidFill>
-                  <a:srgbClr val="0000FF"/>
-                </a:solidFill>
-                <a:latin typeface="Consolas" panose="020B0609020204030204" pitchFamily="49" charset="0"/>
-              </a:rPr>
-              <a:t>return</a:t>
-            </a:r>
-            <a:r>
-              <a:rPr lang="en-US" sz="1400" dirty="0" smtClean="0">
-                <a:solidFill>
-                  <a:srgbClr val="000000"/>
-                </a:solidFill>
-                <a:latin typeface="Consolas" panose="020B0609020204030204" pitchFamily="49" charset="0"/>
-              </a:rPr>
-              <a:t> container[</a:t>
-            </a:r>
-            <a:r>
-              <a:rPr lang="en-US" sz="1400" dirty="0" err="1" smtClean="0">
-                <a:solidFill>
-                  <a:srgbClr val="000000"/>
-                </a:solidFill>
-                <a:latin typeface="Consolas" panose="020B0609020204030204" pitchFamily="49" charset="0"/>
-              </a:rPr>
-              <a:t>i</a:t>
-            </a:r>
-            <a:r>
-              <a:rPr lang="en-US" sz="1400" dirty="0" smtClean="0">
-                <a:solidFill>
-                  <a:srgbClr val="000000"/>
-                </a:solidFill>
-                <a:latin typeface="Consolas" panose="020B0609020204030204" pitchFamily="49" charset="0"/>
-              </a:rPr>
-              <a:t>];</a:t>
-            </a:r>
-          </a:p>
-          <a:p>
-            <a:r>
-              <a:rPr lang="en-US" sz="1400" dirty="0" smtClean="0">
-                <a:solidFill>
-                  <a:srgbClr val="000000"/>
-                </a:solidFill>
-                <a:latin typeface="Consolas" panose="020B0609020204030204" pitchFamily="49" charset="0"/>
-              </a:rPr>
-              <a:t>        }</a:t>
-            </a:r>
-          </a:p>
-          <a:p>
-            <a:r>
-              <a:rPr lang="en-US" sz="1400" dirty="0" smtClean="0">
-                <a:solidFill>
-                  <a:srgbClr val="000000"/>
-                </a:solidFill>
-                <a:latin typeface="Consolas" panose="020B0609020204030204" pitchFamily="49" charset="0"/>
-              </a:rPr>
-              <a:t>        </a:t>
-            </a:r>
-            <a:r>
-              <a:rPr lang="en-US" sz="1400" dirty="0" err="1" smtClean="0">
-                <a:solidFill>
-                  <a:srgbClr val="000000"/>
-                </a:solidFill>
-                <a:latin typeface="Consolas" panose="020B0609020204030204" pitchFamily="49" charset="0"/>
-              </a:rPr>
-              <a:t>getLen</a:t>
-            </a:r>
-            <a:r>
-              <a:rPr lang="en-US" sz="1400" dirty="0" smtClean="0">
-                <a:solidFill>
-                  <a:srgbClr val="000000"/>
-                </a:solidFill>
-                <a:latin typeface="Consolas" panose="020B0609020204030204" pitchFamily="49" charset="0"/>
-              </a:rPr>
-              <a:t>() {</a:t>
-            </a:r>
-          </a:p>
-          <a:p>
-            <a:r>
-              <a:rPr lang="en-US" sz="1400" dirty="0" smtClean="0">
-                <a:solidFill>
-                  <a:srgbClr val="000000"/>
-                </a:solidFill>
-                <a:latin typeface="Consolas" panose="020B0609020204030204" pitchFamily="49" charset="0"/>
-              </a:rPr>
-              <a:t>            </a:t>
-            </a:r>
-            <a:r>
-              <a:rPr lang="en-US" sz="1400" dirty="0" smtClean="0">
-                <a:solidFill>
-                  <a:srgbClr val="0000FF"/>
-                </a:solidFill>
-                <a:latin typeface="Consolas" panose="020B0609020204030204" pitchFamily="49" charset="0"/>
-              </a:rPr>
-              <a:t>return</a:t>
-            </a:r>
-            <a:r>
-              <a:rPr lang="en-US" sz="1400" dirty="0" smtClean="0">
-                <a:solidFill>
-                  <a:srgbClr val="000000"/>
-                </a:solidFill>
-                <a:latin typeface="Consolas" panose="020B0609020204030204" pitchFamily="49" charset="0"/>
-              </a:rPr>
-              <a:t> length;</a:t>
-            </a:r>
-          </a:p>
-          <a:p>
-            <a:r>
-              <a:rPr lang="en-US" sz="1400" dirty="0" smtClean="0">
-                <a:solidFill>
-                  <a:srgbClr val="000000"/>
-                </a:solidFill>
-                <a:latin typeface="Consolas" panose="020B0609020204030204" pitchFamily="49" charset="0"/>
-              </a:rPr>
-              <a:t>        }</a:t>
-            </a:r>
-          </a:p>
-          <a:p>
-            <a:r>
-              <a:rPr lang="en-US" sz="1400" dirty="0" smtClean="0">
-                <a:solidFill>
-                  <a:srgbClr val="000000"/>
-                </a:solidFill>
-                <a:latin typeface="Consolas" panose="020B0609020204030204" pitchFamily="49" charset="0"/>
-              </a:rPr>
-              <a:t>        </a:t>
-            </a:r>
-            <a:r>
-              <a:rPr lang="en-US" sz="1400" dirty="0" smtClean="0">
-                <a:solidFill>
-                  <a:srgbClr val="0000FF"/>
-                </a:solidFill>
-                <a:latin typeface="Consolas" panose="020B0609020204030204" pitchFamily="49" charset="0"/>
-              </a:rPr>
-              <a:t>void</a:t>
-            </a:r>
-            <a:r>
-              <a:rPr lang="en-US" sz="1400" dirty="0" smtClean="0">
-                <a:solidFill>
-                  <a:srgbClr val="000000"/>
-                </a:solidFill>
-                <a:latin typeface="Consolas" panose="020B0609020204030204" pitchFamily="49" charset="0"/>
-              </a:rPr>
-              <a:t> unite(Array</a:t>
-            </a:r>
-            <a:r>
-              <a:rPr lang="en-US" sz="1400" dirty="0" smtClean="0">
-                <a:solidFill>
-                  <a:srgbClr val="0000FF"/>
-                </a:solidFill>
-                <a:latin typeface="Consolas" panose="020B0609020204030204" pitchFamily="49" charset="0"/>
-              </a:rPr>
-              <a:t>&amp;</a:t>
-            </a:r>
-            <a:r>
-              <a:rPr lang="en-US" sz="1400" dirty="0" smtClean="0">
-                <a:solidFill>
-                  <a:srgbClr val="000000"/>
-                </a:solidFill>
-                <a:latin typeface="Consolas" panose="020B0609020204030204" pitchFamily="49" charset="0"/>
-              </a:rPr>
-              <a:t> second){</a:t>
-            </a:r>
-          </a:p>
-          <a:p>
-            <a:r>
-              <a:rPr lang="en-US" sz="1400" dirty="0" smtClean="0">
-                <a:solidFill>
-                  <a:srgbClr val="000000"/>
-                </a:solidFill>
-                <a:latin typeface="Consolas" panose="020B0609020204030204" pitchFamily="49" charset="0"/>
-              </a:rPr>
-              <a:t>            T* result = </a:t>
-            </a:r>
-            <a:r>
-              <a:rPr lang="en-US" sz="1400" dirty="0" smtClean="0">
-                <a:solidFill>
-                  <a:srgbClr val="0000FF"/>
-                </a:solidFill>
-                <a:latin typeface="Consolas" panose="020B0609020204030204" pitchFamily="49" charset="0"/>
-              </a:rPr>
-              <a:t>new</a:t>
-            </a:r>
-            <a:r>
-              <a:rPr lang="en-US" sz="1400" dirty="0" smtClean="0">
-                <a:solidFill>
-                  <a:srgbClr val="000000"/>
-                </a:solidFill>
-                <a:latin typeface="Consolas" panose="020B0609020204030204" pitchFamily="49" charset="0"/>
-              </a:rPr>
-              <a:t> T[length + </a:t>
-            </a:r>
-            <a:r>
-              <a:rPr lang="en-US" sz="1400" dirty="0" err="1" smtClean="0">
-                <a:solidFill>
-                  <a:srgbClr val="000000"/>
-                </a:solidFill>
-                <a:latin typeface="Consolas" panose="020B0609020204030204" pitchFamily="49" charset="0"/>
-              </a:rPr>
-              <a:t>second.length</a:t>
-            </a:r>
-            <a:r>
-              <a:rPr lang="en-US" sz="1400" dirty="0" smtClean="0">
-                <a:solidFill>
-                  <a:srgbClr val="000000"/>
-                </a:solidFill>
-                <a:latin typeface="Consolas" panose="020B0609020204030204" pitchFamily="49" charset="0"/>
-              </a:rPr>
-              <a:t>];</a:t>
-            </a:r>
-          </a:p>
-          <a:p>
-            <a:r>
-              <a:rPr lang="en-US" sz="1400" dirty="0" smtClean="0">
-                <a:solidFill>
-                  <a:srgbClr val="000000"/>
-                </a:solidFill>
-                <a:latin typeface="Consolas" panose="020B0609020204030204" pitchFamily="49" charset="0"/>
-              </a:rPr>
-              <a:t>            </a:t>
-            </a:r>
-            <a:r>
-              <a:rPr lang="en-US" sz="1400" dirty="0" err="1" smtClean="0">
-                <a:solidFill>
-                  <a:srgbClr val="0000FF"/>
-                </a:solidFill>
-                <a:latin typeface="Consolas" panose="020B0609020204030204" pitchFamily="49" charset="0"/>
-              </a:rPr>
-              <a:t>int</a:t>
-            </a:r>
-            <a:r>
-              <a:rPr lang="en-US" sz="1400" dirty="0" smtClean="0">
-                <a:solidFill>
-                  <a:srgbClr val="000000"/>
-                </a:solidFill>
-                <a:latin typeface="Consolas" panose="020B0609020204030204" pitchFamily="49" charset="0"/>
-              </a:rPr>
-              <a:t> k = </a:t>
-            </a:r>
-            <a:r>
-              <a:rPr lang="en-US" sz="1400" dirty="0" smtClean="0">
-                <a:solidFill>
-                  <a:srgbClr val="098658"/>
-                </a:solidFill>
-                <a:latin typeface="Consolas" panose="020B0609020204030204" pitchFamily="49" charset="0"/>
-              </a:rPr>
-              <a:t>0</a:t>
-            </a:r>
-            <a:r>
-              <a:rPr lang="en-US" sz="1400" dirty="0" smtClean="0">
-                <a:solidFill>
-                  <a:srgbClr val="000000"/>
-                </a:solidFill>
-                <a:latin typeface="Consolas" panose="020B0609020204030204" pitchFamily="49" charset="0"/>
-              </a:rPr>
-              <a:t>;</a:t>
-            </a:r>
-          </a:p>
-          <a:p>
-            <a:r>
-              <a:rPr lang="en-US" sz="1400" dirty="0" smtClean="0">
-                <a:solidFill>
-                  <a:srgbClr val="000000"/>
-                </a:solidFill>
-                <a:latin typeface="Consolas" panose="020B0609020204030204" pitchFamily="49" charset="0"/>
-              </a:rPr>
-              <a:t>            </a:t>
-            </a:r>
-            <a:r>
-              <a:rPr lang="en-US" sz="1400" dirty="0" smtClean="0">
-                <a:solidFill>
-                  <a:srgbClr val="0000FF"/>
-                </a:solidFill>
-                <a:latin typeface="Consolas" panose="020B0609020204030204" pitchFamily="49" charset="0"/>
-              </a:rPr>
-              <a:t>for</a:t>
-            </a:r>
-            <a:r>
-              <a:rPr lang="en-US" sz="1400" dirty="0" smtClean="0">
-                <a:solidFill>
-                  <a:srgbClr val="000000"/>
-                </a:solidFill>
-                <a:latin typeface="Consolas" panose="020B0609020204030204" pitchFamily="49" charset="0"/>
-              </a:rPr>
-              <a:t>(</a:t>
-            </a:r>
-            <a:r>
-              <a:rPr lang="en-US" sz="1400" dirty="0" err="1" smtClean="0">
-                <a:solidFill>
-                  <a:srgbClr val="0000FF"/>
-                </a:solidFill>
-                <a:latin typeface="Consolas" panose="020B0609020204030204" pitchFamily="49" charset="0"/>
-              </a:rPr>
-              <a:t>int</a:t>
-            </a:r>
-            <a:r>
-              <a:rPr lang="en-US" sz="1400" dirty="0" smtClean="0">
-                <a:solidFill>
-                  <a:srgbClr val="000000"/>
-                </a:solidFill>
-                <a:latin typeface="Consolas" panose="020B0609020204030204" pitchFamily="49" charset="0"/>
-              </a:rPr>
-              <a:t> </a:t>
-            </a:r>
-            <a:r>
-              <a:rPr lang="en-US" sz="1400" dirty="0" err="1" smtClean="0">
-                <a:solidFill>
-                  <a:srgbClr val="000000"/>
-                </a:solidFill>
-                <a:latin typeface="Consolas" panose="020B0609020204030204" pitchFamily="49" charset="0"/>
-              </a:rPr>
-              <a:t>i</a:t>
-            </a:r>
-            <a:r>
-              <a:rPr lang="en-US" sz="1400" dirty="0" smtClean="0">
-                <a:solidFill>
-                  <a:srgbClr val="000000"/>
-                </a:solidFill>
-                <a:latin typeface="Consolas" panose="020B0609020204030204" pitchFamily="49" charset="0"/>
-              </a:rPr>
-              <a:t> = </a:t>
-            </a:r>
-            <a:r>
-              <a:rPr lang="en-US" sz="1400" dirty="0" smtClean="0">
-                <a:solidFill>
-                  <a:srgbClr val="098658"/>
-                </a:solidFill>
-                <a:latin typeface="Consolas" panose="020B0609020204030204" pitchFamily="49" charset="0"/>
-              </a:rPr>
-              <a:t>0</a:t>
-            </a:r>
-            <a:r>
-              <a:rPr lang="en-US" sz="1400" dirty="0" smtClean="0">
-                <a:solidFill>
-                  <a:srgbClr val="000000"/>
-                </a:solidFill>
-                <a:latin typeface="Consolas" panose="020B0609020204030204" pitchFamily="49" charset="0"/>
-              </a:rPr>
-              <a:t>; </a:t>
-            </a:r>
-            <a:r>
-              <a:rPr lang="en-US" sz="1400" dirty="0" err="1" smtClean="0">
-                <a:solidFill>
-                  <a:srgbClr val="000000"/>
-                </a:solidFill>
-                <a:latin typeface="Consolas" panose="020B0609020204030204" pitchFamily="49" charset="0"/>
-              </a:rPr>
-              <a:t>i</a:t>
-            </a:r>
-            <a:r>
-              <a:rPr lang="en-US" sz="1400" dirty="0" smtClean="0">
-                <a:solidFill>
-                  <a:srgbClr val="000000"/>
-                </a:solidFill>
-                <a:latin typeface="Consolas" panose="020B0609020204030204" pitchFamily="49" charset="0"/>
-              </a:rPr>
-              <a:t> &lt; length; </a:t>
-            </a:r>
-            <a:r>
-              <a:rPr lang="en-US" sz="1400" dirty="0" err="1" smtClean="0">
-                <a:solidFill>
-                  <a:srgbClr val="000000"/>
-                </a:solidFill>
-                <a:latin typeface="Consolas" panose="020B0609020204030204" pitchFamily="49" charset="0"/>
-              </a:rPr>
-              <a:t>i</a:t>
-            </a:r>
-            <a:r>
-              <a:rPr lang="en-US" sz="1400" dirty="0" smtClean="0">
-                <a:solidFill>
-                  <a:srgbClr val="000000"/>
-                </a:solidFill>
-                <a:latin typeface="Consolas" panose="020B0609020204030204" pitchFamily="49" charset="0"/>
-              </a:rPr>
-              <a:t>++){</a:t>
-            </a:r>
-          </a:p>
-          <a:p>
-            <a:r>
-              <a:rPr lang="en-US" sz="1400" dirty="0" smtClean="0">
-                <a:solidFill>
-                  <a:srgbClr val="000000"/>
-                </a:solidFill>
-                <a:latin typeface="Consolas" panose="020B0609020204030204" pitchFamily="49" charset="0"/>
-              </a:rPr>
-              <a:t>                result[k++] = container[</a:t>
-            </a:r>
-            <a:r>
-              <a:rPr lang="en-US" sz="1400" dirty="0" err="1" smtClean="0">
-                <a:solidFill>
-                  <a:srgbClr val="000000"/>
-                </a:solidFill>
-                <a:latin typeface="Consolas" panose="020B0609020204030204" pitchFamily="49" charset="0"/>
-              </a:rPr>
-              <a:t>i</a:t>
-            </a:r>
-            <a:r>
-              <a:rPr lang="en-US" sz="1400" dirty="0" smtClean="0">
-                <a:solidFill>
-                  <a:srgbClr val="000000"/>
-                </a:solidFill>
-                <a:latin typeface="Consolas" panose="020B0609020204030204" pitchFamily="49" charset="0"/>
-              </a:rPr>
-              <a:t>];</a:t>
-            </a:r>
-          </a:p>
-          <a:p>
-            <a:r>
-              <a:rPr lang="en-US" sz="1400" dirty="0" smtClean="0">
-                <a:solidFill>
-                  <a:srgbClr val="000000"/>
-                </a:solidFill>
-                <a:latin typeface="Consolas" panose="020B0609020204030204" pitchFamily="49" charset="0"/>
-              </a:rPr>
-              <a:t>            }</a:t>
-            </a:r>
-          </a:p>
-          <a:p>
-            <a:r>
-              <a:rPr lang="en-US" sz="1400" dirty="0" smtClean="0">
-                <a:solidFill>
-                  <a:srgbClr val="000000"/>
-                </a:solidFill>
-                <a:latin typeface="Consolas" panose="020B0609020204030204" pitchFamily="49" charset="0"/>
-              </a:rPr>
-              <a:t>            </a:t>
-            </a:r>
-            <a:r>
-              <a:rPr lang="en-US" sz="1400" dirty="0" smtClean="0">
-                <a:solidFill>
-                  <a:srgbClr val="0000FF"/>
-                </a:solidFill>
-                <a:latin typeface="Consolas" panose="020B0609020204030204" pitchFamily="49" charset="0"/>
-              </a:rPr>
-              <a:t>for</a:t>
-            </a:r>
-            <a:r>
-              <a:rPr lang="en-US" sz="1400" dirty="0" smtClean="0">
-                <a:solidFill>
-                  <a:srgbClr val="000000"/>
-                </a:solidFill>
-                <a:latin typeface="Consolas" panose="020B0609020204030204" pitchFamily="49" charset="0"/>
-              </a:rPr>
-              <a:t>(</a:t>
-            </a:r>
-            <a:r>
-              <a:rPr lang="en-US" sz="1400" dirty="0" err="1" smtClean="0">
-                <a:solidFill>
-                  <a:srgbClr val="0000FF"/>
-                </a:solidFill>
-                <a:latin typeface="Consolas" panose="020B0609020204030204" pitchFamily="49" charset="0"/>
-              </a:rPr>
-              <a:t>int</a:t>
-            </a:r>
-            <a:r>
-              <a:rPr lang="en-US" sz="1400" dirty="0" smtClean="0">
-                <a:solidFill>
-                  <a:srgbClr val="000000"/>
-                </a:solidFill>
-                <a:latin typeface="Consolas" panose="020B0609020204030204" pitchFamily="49" charset="0"/>
-              </a:rPr>
-              <a:t> </a:t>
-            </a:r>
-            <a:r>
-              <a:rPr lang="en-US" sz="1400" dirty="0" err="1" smtClean="0">
-                <a:solidFill>
-                  <a:srgbClr val="000000"/>
-                </a:solidFill>
-                <a:latin typeface="Consolas" panose="020B0609020204030204" pitchFamily="49" charset="0"/>
-              </a:rPr>
-              <a:t>i</a:t>
-            </a:r>
-            <a:r>
-              <a:rPr lang="en-US" sz="1400" dirty="0" smtClean="0">
-                <a:solidFill>
-                  <a:srgbClr val="000000"/>
-                </a:solidFill>
-                <a:latin typeface="Consolas" panose="020B0609020204030204" pitchFamily="49" charset="0"/>
-              </a:rPr>
-              <a:t> = </a:t>
-            </a:r>
-            <a:r>
-              <a:rPr lang="en-US" sz="1400" dirty="0" smtClean="0">
-                <a:solidFill>
-                  <a:srgbClr val="098658"/>
-                </a:solidFill>
-                <a:latin typeface="Consolas" panose="020B0609020204030204" pitchFamily="49" charset="0"/>
-              </a:rPr>
-              <a:t>0</a:t>
-            </a:r>
-            <a:r>
-              <a:rPr lang="en-US" sz="1400" dirty="0" smtClean="0">
-                <a:solidFill>
-                  <a:srgbClr val="000000"/>
-                </a:solidFill>
-                <a:latin typeface="Consolas" panose="020B0609020204030204" pitchFamily="49" charset="0"/>
-              </a:rPr>
-              <a:t>; </a:t>
-            </a:r>
-            <a:r>
-              <a:rPr lang="en-US" sz="1400" dirty="0" err="1" smtClean="0">
-                <a:solidFill>
-                  <a:srgbClr val="000000"/>
-                </a:solidFill>
-                <a:latin typeface="Consolas" panose="020B0609020204030204" pitchFamily="49" charset="0"/>
-              </a:rPr>
-              <a:t>i</a:t>
-            </a:r>
-            <a:r>
-              <a:rPr lang="en-US" sz="1400" dirty="0" smtClean="0">
-                <a:solidFill>
-                  <a:srgbClr val="000000"/>
-                </a:solidFill>
-                <a:latin typeface="Consolas" panose="020B0609020204030204" pitchFamily="49" charset="0"/>
-              </a:rPr>
-              <a:t> &lt; </a:t>
-            </a:r>
-            <a:r>
-              <a:rPr lang="en-US" sz="1400" dirty="0" err="1" smtClean="0">
-                <a:solidFill>
-                  <a:srgbClr val="000000"/>
-                </a:solidFill>
-                <a:latin typeface="Consolas" panose="020B0609020204030204" pitchFamily="49" charset="0"/>
-              </a:rPr>
-              <a:t>second.length</a:t>
-            </a:r>
-            <a:r>
-              <a:rPr lang="en-US" sz="1400" dirty="0" smtClean="0">
-                <a:solidFill>
-                  <a:srgbClr val="000000"/>
-                </a:solidFill>
-                <a:latin typeface="Consolas" panose="020B0609020204030204" pitchFamily="49" charset="0"/>
-              </a:rPr>
-              <a:t>; </a:t>
-            </a:r>
-            <a:r>
-              <a:rPr lang="en-US" sz="1400" dirty="0" err="1" smtClean="0">
-                <a:solidFill>
-                  <a:srgbClr val="000000"/>
-                </a:solidFill>
-                <a:latin typeface="Consolas" panose="020B0609020204030204" pitchFamily="49" charset="0"/>
-              </a:rPr>
-              <a:t>i</a:t>
-            </a:r>
-            <a:r>
-              <a:rPr lang="en-US" sz="1400" dirty="0" smtClean="0">
-                <a:solidFill>
-                  <a:srgbClr val="000000"/>
-                </a:solidFill>
-                <a:latin typeface="Consolas" panose="020B0609020204030204" pitchFamily="49" charset="0"/>
-              </a:rPr>
-              <a:t>++)</a:t>
-            </a:r>
-          </a:p>
-          <a:p>
-            <a:r>
-              <a:rPr lang="en-US" sz="1400" dirty="0" smtClean="0">
-                <a:solidFill>
-                  <a:srgbClr val="000000"/>
-                </a:solidFill>
-                <a:latin typeface="Consolas" panose="020B0609020204030204" pitchFamily="49" charset="0"/>
-              </a:rPr>
-              <a:t>                result[k++] = second[</a:t>
-            </a:r>
-            <a:r>
-              <a:rPr lang="en-US" sz="1400" dirty="0" err="1" smtClean="0">
-                <a:solidFill>
-                  <a:srgbClr val="000000"/>
-                </a:solidFill>
-                <a:latin typeface="Consolas" panose="020B0609020204030204" pitchFamily="49" charset="0"/>
-              </a:rPr>
-              <a:t>i</a:t>
-            </a:r>
-            <a:r>
-              <a:rPr lang="en-US" sz="1400" dirty="0" smtClean="0">
-                <a:solidFill>
-                  <a:srgbClr val="000000"/>
-                </a:solidFill>
-                <a:latin typeface="Consolas" panose="020B0609020204030204" pitchFamily="49" charset="0"/>
-              </a:rPr>
-              <a:t>];</a:t>
-            </a:r>
-          </a:p>
-          <a:p>
-            <a:r>
-              <a:rPr lang="en-US" sz="1400" dirty="0" smtClean="0">
-                <a:solidFill>
-                  <a:srgbClr val="000000"/>
-                </a:solidFill>
-                <a:latin typeface="Consolas" panose="020B0609020204030204" pitchFamily="49" charset="0"/>
-              </a:rPr>
-              <a:t>            delete container;</a:t>
-            </a:r>
-          </a:p>
-          <a:p>
-            <a:r>
-              <a:rPr lang="en-US" sz="1400" dirty="0" smtClean="0">
-                <a:solidFill>
-                  <a:srgbClr val="000000"/>
-                </a:solidFill>
-                <a:latin typeface="Consolas" panose="020B0609020204030204" pitchFamily="49" charset="0"/>
-              </a:rPr>
-              <a:t>            container = result;</a:t>
-            </a:r>
-          </a:p>
-          <a:p>
-            <a:r>
-              <a:rPr lang="en-US" sz="1400" dirty="0" smtClean="0">
-                <a:solidFill>
-                  <a:srgbClr val="000000"/>
-                </a:solidFill>
-                <a:latin typeface="Consolas" panose="020B0609020204030204" pitchFamily="49" charset="0"/>
-              </a:rPr>
-              <a:t>            length += </a:t>
-            </a:r>
-            <a:r>
-              <a:rPr lang="en-US" sz="1400" dirty="0" err="1" smtClean="0">
-                <a:solidFill>
-                  <a:srgbClr val="000000"/>
-                </a:solidFill>
-                <a:latin typeface="Consolas" panose="020B0609020204030204" pitchFamily="49" charset="0"/>
-              </a:rPr>
-              <a:t>second.length</a:t>
-            </a:r>
-            <a:r>
-              <a:rPr lang="en-US" sz="1400" dirty="0" smtClean="0">
-                <a:solidFill>
-                  <a:srgbClr val="000000"/>
-                </a:solidFill>
-                <a:latin typeface="Consolas" panose="020B0609020204030204" pitchFamily="49" charset="0"/>
-              </a:rPr>
-              <a:t>;</a:t>
-            </a:r>
-          </a:p>
-          <a:p>
-            <a:r>
-              <a:rPr lang="en-US" sz="1400" dirty="0" smtClean="0">
-                <a:solidFill>
-                  <a:srgbClr val="000000"/>
-                </a:solidFill>
-                <a:latin typeface="Consolas" panose="020B0609020204030204" pitchFamily="49" charset="0"/>
-              </a:rPr>
-              <a:t>        }</a:t>
-            </a:r>
-          </a:p>
-          <a:p>
-            <a:r>
-              <a:rPr lang="en-US" sz="1400" dirty="0" smtClean="0">
-                <a:solidFill>
-                  <a:srgbClr val="000000"/>
-                </a:solidFill>
-                <a:latin typeface="Consolas" panose="020B0609020204030204" pitchFamily="49" charset="0"/>
-              </a:rPr>
-              <a:t>        </a:t>
-            </a:r>
-            <a:r>
-              <a:rPr lang="en-US" sz="1400" dirty="0" smtClean="0">
-                <a:solidFill>
-                  <a:srgbClr val="0000FF"/>
-                </a:solidFill>
-                <a:latin typeface="Consolas" panose="020B0609020204030204" pitchFamily="49" charset="0"/>
-              </a:rPr>
-              <a:t>template</a:t>
-            </a:r>
-            <a:r>
-              <a:rPr lang="en-US" sz="1400" dirty="0" smtClean="0">
-                <a:solidFill>
-                  <a:srgbClr val="000000"/>
-                </a:solidFill>
-                <a:latin typeface="Consolas" panose="020B0609020204030204" pitchFamily="49" charset="0"/>
-              </a:rPr>
-              <a:t> &lt;</a:t>
-            </a:r>
-            <a:r>
-              <a:rPr lang="en-US" sz="1400" dirty="0" err="1" smtClean="0">
-                <a:solidFill>
-                  <a:srgbClr val="0000FF"/>
-                </a:solidFill>
-                <a:latin typeface="Consolas" panose="020B0609020204030204" pitchFamily="49" charset="0"/>
-              </a:rPr>
-              <a:t>typename</a:t>
-            </a:r>
-            <a:r>
-              <a:rPr lang="en-US" sz="1400" dirty="0" smtClean="0">
-                <a:solidFill>
-                  <a:srgbClr val="000000"/>
-                </a:solidFill>
-                <a:latin typeface="Consolas" panose="020B0609020204030204" pitchFamily="49" charset="0"/>
-              </a:rPr>
-              <a:t> TF&gt;</a:t>
-            </a:r>
-          </a:p>
-          <a:p>
-            <a:r>
-              <a:rPr lang="en-US" sz="1400" dirty="0" smtClean="0">
-                <a:solidFill>
-                  <a:srgbClr val="000000"/>
-                </a:solidFill>
-                <a:latin typeface="Consolas" panose="020B0609020204030204" pitchFamily="49" charset="0"/>
-              </a:rPr>
-              <a:t>        </a:t>
-            </a:r>
-            <a:r>
-              <a:rPr lang="en-US" sz="1400" dirty="0" smtClean="0">
-                <a:solidFill>
-                  <a:srgbClr val="0000FF"/>
-                </a:solidFill>
-                <a:latin typeface="Consolas" panose="020B0609020204030204" pitchFamily="49" charset="0"/>
-              </a:rPr>
-              <a:t>friend</a:t>
-            </a:r>
-            <a:r>
-              <a:rPr lang="en-US" sz="1400" dirty="0" smtClean="0">
-                <a:solidFill>
-                  <a:srgbClr val="000000"/>
-                </a:solidFill>
-                <a:latin typeface="Consolas" panose="020B0609020204030204" pitchFamily="49" charset="0"/>
-              </a:rPr>
-              <a:t> </a:t>
-            </a:r>
-            <a:r>
-              <a:rPr lang="en-US" sz="1400" dirty="0" err="1" smtClean="0">
-                <a:solidFill>
-                  <a:srgbClr val="000000"/>
-                </a:solidFill>
-                <a:latin typeface="Consolas" panose="020B0609020204030204" pitchFamily="49" charset="0"/>
-              </a:rPr>
-              <a:t>ostream</a:t>
-            </a:r>
-            <a:r>
-              <a:rPr lang="en-US" sz="1400" dirty="0" smtClean="0">
-                <a:solidFill>
-                  <a:srgbClr val="0000FF"/>
-                </a:solidFill>
-                <a:latin typeface="Consolas" panose="020B0609020204030204" pitchFamily="49" charset="0"/>
-              </a:rPr>
-              <a:t>&amp;</a:t>
-            </a:r>
-            <a:r>
-              <a:rPr lang="en-US" sz="1400" dirty="0" smtClean="0">
-                <a:solidFill>
-                  <a:srgbClr val="000000"/>
-                </a:solidFill>
-                <a:latin typeface="Consolas" panose="020B0609020204030204" pitchFamily="49" charset="0"/>
-              </a:rPr>
-              <a:t> </a:t>
-            </a:r>
-            <a:r>
-              <a:rPr lang="en-US" sz="1400" dirty="0" smtClean="0">
-                <a:solidFill>
-                  <a:srgbClr val="0000FF"/>
-                </a:solidFill>
-                <a:latin typeface="Consolas" panose="020B0609020204030204" pitchFamily="49" charset="0"/>
-              </a:rPr>
-              <a:t>operator</a:t>
-            </a:r>
-            <a:r>
-              <a:rPr lang="en-US" sz="1400" dirty="0" smtClean="0">
-                <a:solidFill>
-                  <a:srgbClr val="000000"/>
-                </a:solidFill>
-                <a:latin typeface="Consolas" panose="020B0609020204030204" pitchFamily="49" charset="0"/>
-              </a:rPr>
-              <a:t>&lt;&lt;(</a:t>
-            </a:r>
-            <a:r>
-              <a:rPr lang="en-US" sz="1400" dirty="0" err="1" smtClean="0">
-                <a:solidFill>
-                  <a:srgbClr val="000000"/>
-                </a:solidFill>
-                <a:latin typeface="Consolas" panose="020B0609020204030204" pitchFamily="49" charset="0"/>
-              </a:rPr>
-              <a:t>ostream</a:t>
-            </a:r>
-            <a:r>
-              <a:rPr lang="en-US" sz="1400" dirty="0" smtClean="0">
-                <a:solidFill>
-                  <a:srgbClr val="0000FF"/>
-                </a:solidFill>
-                <a:latin typeface="Consolas" panose="020B0609020204030204" pitchFamily="49" charset="0"/>
-              </a:rPr>
-              <a:t>&amp;</a:t>
-            </a:r>
-            <a:r>
-              <a:rPr lang="en-US" sz="1400" dirty="0" smtClean="0">
-                <a:solidFill>
-                  <a:srgbClr val="000000"/>
-                </a:solidFill>
-                <a:latin typeface="Consolas" panose="020B0609020204030204" pitchFamily="49" charset="0"/>
-              </a:rPr>
-              <a:t> out, Array&lt;TF&gt;</a:t>
-            </a:r>
-            <a:r>
-              <a:rPr lang="en-US" sz="1400" dirty="0" smtClean="0">
-                <a:solidFill>
-                  <a:srgbClr val="0000FF"/>
-                </a:solidFill>
-                <a:latin typeface="Consolas" panose="020B0609020204030204" pitchFamily="49" charset="0"/>
-              </a:rPr>
-              <a:t>&amp;</a:t>
-            </a:r>
-            <a:r>
-              <a:rPr lang="en-US" sz="1400" dirty="0" smtClean="0">
-                <a:solidFill>
-                  <a:srgbClr val="000000"/>
-                </a:solidFill>
-                <a:latin typeface="Consolas" panose="020B0609020204030204" pitchFamily="49" charset="0"/>
-              </a:rPr>
-              <a:t> </a:t>
-            </a:r>
-            <a:r>
-              <a:rPr lang="en-US" sz="1400" dirty="0" err="1" smtClean="0">
-                <a:solidFill>
-                  <a:srgbClr val="000000"/>
-                </a:solidFill>
-                <a:latin typeface="Consolas" panose="020B0609020204030204" pitchFamily="49" charset="0"/>
-              </a:rPr>
-              <a:t>arr</a:t>
-            </a:r>
-            <a:r>
-              <a:rPr lang="en-US" sz="1400" dirty="0" smtClean="0">
-                <a:solidFill>
-                  <a:srgbClr val="000000"/>
-                </a:solidFill>
-                <a:latin typeface="Consolas" panose="020B0609020204030204" pitchFamily="49" charset="0"/>
-              </a:rPr>
-              <a:t>);</a:t>
-            </a:r>
-          </a:p>
-          <a:p>
-            <a:r>
-              <a:rPr lang="en-US" sz="1400" dirty="0" smtClean="0">
-                <a:solidFill>
-                  <a:srgbClr val="000000"/>
-                </a:solidFill>
-                <a:latin typeface="Consolas" panose="020B0609020204030204" pitchFamily="49" charset="0"/>
-              </a:rPr>
-              <a:t>};</a:t>
-            </a:r>
-            <a:endParaRPr lang="en-US" sz="1400" b="0" dirty="0">
-              <a:solidFill>
-                <a:srgbClr val="000000"/>
-              </a:solidFill>
-              <a:effectLst/>
-              <a:latin typeface="Consolas" panose="020B0609020204030204" pitchFamily="49" charset="0"/>
-            </a:endParaRPr>
+              <a:rPr lang="ru-RU" dirty="0" smtClean="0"/>
+              <a:t>. Далее следуют угловые скобки </a:t>
+            </a:r>
+            <a:r>
+              <a:rPr lang="en-US" dirty="0" smtClean="0">
+                <a:solidFill>
+                  <a:srgbClr val="000000"/>
+                </a:solidFill>
+                <a:latin typeface="Consolas" panose="020B0609020204030204" pitchFamily="49" charset="0"/>
+              </a:rPr>
+              <a:t>&lt;</a:t>
+            </a:r>
+            <a:r>
+              <a:rPr lang="en-US" dirty="0">
+                <a:solidFill>
+                  <a:srgbClr val="000000"/>
+                </a:solidFill>
+                <a:latin typeface="Consolas" panose="020B0609020204030204" pitchFamily="49" charset="0"/>
+              </a:rPr>
+              <a:t> </a:t>
+            </a:r>
+            <a:r>
+              <a:rPr lang="en-US" dirty="0" smtClean="0">
+                <a:solidFill>
+                  <a:srgbClr val="000000"/>
+                </a:solidFill>
+                <a:latin typeface="Consolas" panose="020B0609020204030204" pitchFamily="49" charset="0"/>
+              </a:rPr>
+              <a:t>&gt; </a:t>
+            </a:r>
+            <a:r>
+              <a:rPr lang="ru-RU" dirty="0" smtClean="0"/>
+              <a:t>между которыми через запятую указываться параметры шаблона. А далее идет стандартное описание класса в котором для каких либо целей могут использоваться параметры шаблона, итоговая сигнатура будет выглядеть так</a:t>
+            </a:r>
+            <a:r>
+              <a:rPr lang="en-US" dirty="0" smtClean="0"/>
+              <a:t>:</a:t>
+            </a:r>
           </a:p>
         </p:txBody>
       </p:sp>
@@ -6304,8 +4872,8 @@
         </p:nvSpPr>
         <p:spPr>
           <a:xfrm>
-            <a:off x="6388728" y="2241351"/>
-            <a:ext cx="5670487" cy="2462213"/>
+            <a:off x="401381" y="1779687"/>
+            <a:ext cx="11503935" cy="5078313"/>
           </a:xfrm>
           <a:prstGeom prst="rect">
             <a:avLst/>
@@ -6318,7 +4886,7 @@
           <a:lstStyle/>
           <a:p>
             <a:r>
-              <a:rPr lang="en-US" sz="1400" dirty="0">
+              <a:rPr lang="en-US" dirty="0">
                 <a:solidFill>
                   <a:srgbClr val="0000FF"/>
                 </a:solidFill>
@@ -6327,7 +4895,7 @@
               <a:t>template</a:t>
             </a:r>
             <a:r>
-              <a:rPr lang="en-US" sz="1400" dirty="0">
+              <a:rPr lang="en-US" dirty="0">
                 <a:solidFill>
                   <a:srgbClr val="000000"/>
                 </a:solidFill>
@@ -6336,7 +4904,7 @@
               <a:t> &lt;</a:t>
             </a:r>
             <a:r>
-              <a:rPr lang="en-US" sz="1400" dirty="0" err="1">
+              <a:rPr lang="en-US" dirty="0" err="1">
                 <a:solidFill>
                   <a:srgbClr val="0000FF"/>
                 </a:solidFill>
@@ -6345,36 +4913,7 @@
               <a:t>typename</a:t>
             </a:r>
             <a:r>
-              <a:rPr lang="en-US" sz="1400" dirty="0">
-                <a:solidFill>
-                  <a:srgbClr val="000000"/>
-                </a:solidFill>
-                <a:latin typeface="Consolas" panose="020B0609020204030204" pitchFamily="49" charset="0"/>
-              </a:rPr>
-              <a:t> T&gt;</a:t>
-            </a:r>
-          </a:p>
-          <a:p>
-            <a:r>
-              <a:rPr lang="en-US" sz="1400" dirty="0" err="1">
-                <a:solidFill>
-                  <a:srgbClr val="000000"/>
-                </a:solidFill>
-                <a:latin typeface="Consolas" panose="020B0609020204030204" pitchFamily="49" charset="0"/>
-              </a:rPr>
-              <a:t>ostream</a:t>
-            </a:r>
-            <a:r>
-              <a:rPr lang="en-US" sz="1400" dirty="0">
-                <a:solidFill>
-                  <a:srgbClr val="0000FF"/>
-                </a:solidFill>
-                <a:latin typeface="Consolas" panose="020B0609020204030204" pitchFamily="49" charset="0"/>
-              </a:rPr>
-              <a:t>&amp;</a:t>
-            </a:r>
-            <a:r>
-              <a:rPr lang="en-US" sz="1400" dirty="0">
+              <a:rPr lang="en-US" dirty="0">
                 <a:solidFill>
                   <a:srgbClr val="000000"/>
                 </a:solidFill>
@@ -6383,421 +4922,33 @@
               <a:t> </a:t>
             </a:r>
             <a:r>
-              <a:rPr lang="en-US" sz="1400" dirty="0">
-                <a:solidFill>
-                  <a:srgbClr val="0000FF"/>
-                </a:solidFill>
-                <a:latin typeface="Consolas" panose="020B0609020204030204" pitchFamily="49" charset="0"/>
-              </a:rPr>
-              <a:t>operator</a:t>
-            </a:r>
-            <a:r>
-              <a:rPr lang="en-US" sz="1400" dirty="0">
-                <a:solidFill>
-                  <a:srgbClr val="000000"/>
-                </a:solidFill>
-                <a:latin typeface="Consolas" panose="020B0609020204030204" pitchFamily="49" charset="0"/>
-              </a:rPr>
-              <a:t>&lt;&lt;(</a:t>
-            </a:r>
-            <a:r>
-              <a:rPr lang="en-US" sz="1400" dirty="0" err="1">
-                <a:solidFill>
-                  <a:srgbClr val="000000"/>
-                </a:solidFill>
-                <a:latin typeface="Consolas" panose="020B0609020204030204" pitchFamily="49" charset="0"/>
-              </a:rPr>
-              <a:t>ostream</a:t>
-            </a:r>
-            <a:r>
-              <a:rPr lang="en-US" sz="1400" dirty="0">
-                <a:solidFill>
-                  <a:srgbClr val="0000FF"/>
-                </a:solidFill>
-                <a:latin typeface="Consolas" panose="020B0609020204030204" pitchFamily="49" charset="0"/>
-              </a:rPr>
-              <a:t>&amp;</a:t>
-            </a:r>
-            <a:r>
-              <a:rPr lang="en-US" sz="1400" dirty="0">
-                <a:solidFill>
-                  <a:srgbClr val="000000"/>
-                </a:solidFill>
-                <a:latin typeface="Consolas" panose="020B0609020204030204" pitchFamily="49" charset="0"/>
-              </a:rPr>
-              <a:t> out, Array&lt;T&gt;</a:t>
-            </a:r>
-            <a:r>
-              <a:rPr lang="en-US" sz="1400" dirty="0">
-                <a:solidFill>
-                  <a:srgbClr val="0000FF"/>
-                </a:solidFill>
-                <a:latin typeface="Consolas" panose="020B0609020204030204" pitchFamily="49" charset="0"/>
-              </a:rPr>
-              <a:t>&amp;</a:t>
-            </a:r>
-            <a:r>
-              <a:rPr lang="en-US" sz="1400" dirty="0">
-                <a:solidFill>
-                  <a:srgbClr val="000000"/>
-                </a:solidFill>
-                <a:latin typeface="Consolas" panose="020B0609020204030204" pitchFamily="49" charset="0"/>
-              </a:rPr>
-              <a:t> </a:t>
-            </a:r>
-            <a:r>
-              <a:rPr lang="en-US" sz="1400" dirty="0" err="1">
-                <a:solidFill>
-                  <a:srgbClr val="000000"/>
-                </a:solidFill>
-                <a:latin typeface="Consolas" panose="020B0609020204030204" pitchFamily="49" charset="0"/>
-              </a:rPr>
-              <a:t>arr</a:t>
-            </a:r>
-            <a:r>
-              <a:rPr lang="en-US" sz="1400" dirty="0">
-                <a:solidFill>
-                  <a:srgbClr val="000000"/>
-                </a:solidFill>
-                <a:latin typeface="Consolas" panose="020B0609020204030204" pitchFamily="49" charset="0"/>
-              </a:rPr>
-              <a:t>){</a:t>
-            </a:r>
-          </a:p>
-          <a:p>
-            <a:r>
-              <a:rPr lang="en-US" sz="1400" dirty="0">
-                <a:solidFill>
-                  <a:srgbClr val="000000"/>
-                </a:solidFill>
-                <a:latin typeface="Consolas" panose="020B0609020204030204" pitchFamily="49" charset="0"/>
-              </a:rPr>
-              <a:t>    out &lt;&lt; </a:t>
-            </a:r>
-            <a:r>
-              <a:rPr lang="en-US" sz="1400" dirty="0">
-                <a:solidFill>
-                  <a:srgbClr val="A31515"/>
-                </a:solidFill>
-                <a:latin typeface="Consolas" panose="020B0609020204030204" pitchFamily="49" charset="0"/>
-              </a:rPr>
-              <a:t>"[ "</a:t>
-            </a:r>
-            <a:r>
-              <a:rPr lang="en-US" sz="1400" dirty="0">
-                <a:solidFill>
-                  <a:srgbClr val="000000"/>
-                </a:solidFill>
-                <a:latin typeface="Consolas" panose="020B0609020204030204" pitchFamily="49" charset="0"/>
-              </a:rPr>
-              <a:t>;</a:t>
-            </a:r>
-          </a:p>
-          <a:p>
-            <a:r>
-              <a:rPr lang="en-US" sz="1400" dirty="0">
-                <a:solidFill>
-                  <a:srgbClr val="000000"/>
-                </a:solidFill>
-                <a:latin typeface="Consolas" panose="020B0609020204030204" pitchFamily="49" charset="0"/>
-              </a:rPr>
-              <a:t>    </a:t>
-            </a:r>
-            <a:r>
-              <a:rPr lang="en-US" sz="1400" dirty="0">
-                <a:solidFill>
-                  <a:srgbClr val="0000FF"/>
-                </a:solidFill>
-                <a:latin typeface="Consolas" panose="020B0609020204030204" pitchFamily="49" charset="0"/>
-              </a:rPr>
-              <a:t>for</a:t>
-            </a:r>
-            <a:r>
-              <a:rPr lang="en-US" sz="1400" dirty="0">
-                <a:solidFill>
-                  <a:srgbClr val="000000"/>
-                </a:solidFill>
-                <a:latin typeface="Consolas" panose="020B0609020204030204" pitchFamily="49" charset="0"/>
-              </a:rPr>
-              <a:t>(</a:t>
-            </a:r>
-            <a:r>
-              <a:rPr lang="en-US" sz="1400" dirty="0" err="1">
-                <a:solidFill>
-                  <a:srgbClr val="0000FF"/>
-                </a:solidFill>
-                <a:latin typeface="Consolas" panose="020B0609020204030204" pitchFamily="49" charset="0"/>
-              </a:rPr>
-              <a:t>int</a:t>
-            </a:r>
-            <a:r>
-              <a:rPr lang="en-US" sz="1400" dirty="0">
-                <a:solidFill>
-                  <a:srgbClr val="000000"/>
-                </a:solidFill>
-                <a:latin typeface="Consolas" panose="020B0609020204030204" pitchFamily="49" charset="0"/>
-              </a:rPr>
-              <a:t> </a:t>
-            </a:r>
-            <a:r>
-              <a:rPr lang="en-US" sz="1400" dirty="0" err="1">
-                <a:solidFill>
-                  <a:srgbClr val="000000"/>
-                </a:solidFill>
-                <a:latin typeface="Consolas" panose="020B0609020204030204" pitchFamily="49" charset="0"/>
-              </a:rPr>
-              <a:t>i</a:t>
-            </a:r>
-            <a:r>
-              <a:rPr lang="en-US" sz="1400" dirty="0">
-                <a:solidFill>
-                  <a:srgbClr val="000000"/>
-                </a:solidFill>
-                <a:latin typeface="Consolas" panose="020B0609020204030204" pitchFamily="49" charset="0"/>
-              </a:rPr>
-              <a:t> = </a:t>
-            </a:r>
-            <a:r>
-              <a:rPr lang="en-US" sz="1400" dirty="0">
-                <a:solidFill>
-                  <a:srgbClr val="098658"/>
-                </a:solidFill>
-                <a:latin typeface="Consolas" panose="020B0609020204030204" pitchFamily="49" charset="0"/>
-              </a:rPr>
-              <a:t>0</a:t>
-            </a:r>
-            <a:r>
-              <a:rPr lang="en-US" sz="1400" dirty="0">
-                <a:solidFill>
-                  <a:srgbClr val="000000"/>
-                </a:solidFill>
-                <a:latin typeface="Consolas" panose="020B0609020204030204" pitchFamily="49" charset="0"/>
-              </a:rPr>
-              <a:t>; </a:t>
-            </a:r>
-            <a:r>
-              <a:rPr lang="en-US" sz="1400" dirty="0" err="1">
-                <a:solidFill>
-                  <a:srgbClr val="000000"/>
-                </a:solidFill>
-                <a:latin typeface="Consolas" panose="020B0609020204030204" pitchFamily="49" charset="0"/>
-              </a:rPr>
-              <a:t>i</a:t>
-            </a:r>
-            <a:r>
-              <a:rPr lang="en-US" sz="1400" dirty="0">
-                <a:solidFill>
-                  <a:srgbClr val="000000"/>
-                </a:solidFill>
-                <a:latin typeface="Consolas" panose="020B0609020204030204" pitchFamily="49" charset="0"/>
-              </a:rPr>
-              <a:t> &lt; </a:t>
-            </a:r>
-            <a:r>
-              <a:rPr lang="en-US" sz="1400" dirty="0" err="1">
-                <a:solidFill>
-                  <a:srgbClr val="000000"/>
-                </a:solidFill>
-                <a:latin typeface="Consolas" panose="020B0609020204030204" pitchFamily="49" charset="0"/>
-              </a:rPr>
-              <a:t>arr.length</a:t>
-            </a:r>
-            <a:r>
-              <a:rPr lang="en-US" sz="1400" dirty="0">
-                <a:solidFill>
-                  <a:srgbClr val="000000"/>
-                </a:solidFill>
-                <a:latin typeface="Consolas" panose="020B0609020204030204" pitchFamily="49" charset="0"/>
-              </a:rPr>
-              <a:t>; </a:t>
-            </a:r>
-            <a:r>
-              <a:rPr lang="en-US" sz="1400" dirty="0" err="1">
-                <a:solidFill>
-                  <a:srgbClr val="000000"/>
-                </a:solidFill>
-                <a:latin typeface="Consolas" panose="020B0609020204030204" pitchFamily="49" charset="0"/>
-              </a:rPr>
-              <a:t>i</a:t>
-            </a:r>
-            <a:r>
-              <a:rPr lang="en-US" sz="1400" dirty="0">
-                <a:solidFill>
-                  <a:srgbClr val="000000"/>
-                </a:solidFill>
-                <a:latin typeface="Consolas" panose="020B0609020204030204" pitchFamily="49" charset="0"/>
-              </a:rPr>
-              <a:t>++)</a:t>
-            </a:r>
-          </a:p>
-          <a:p>
-            <a:r>
-              <a:rPr lang="en-US" sz="1400" dirty="0">
-                <a:solidFill>
-                  <a:srgbClr val="000000"/>
-                </a:solidFill>
-                <a:latin typeface="Consolas" panose="020B0609020204030204" pitchFamily="49" charset="0"/>
-              </a:rPr>
-              <a:t>        </a:t>
-            </a:r>
-            <a:r>
-              <a:rPr lang="en-US" sz="1400" dirty="0">
-                <a:solidFill>
-                  <a:srgbClr val="0000FF"/>
-                </a:solidFill>
-                <a:latin typeface="Consolas" panose="020B0609020204030204" pitchFamily="49" charset="0"/>
-              </a:rPr>
-              <a:t>if</a:t>
-            </a:r>
-            <a:r>
-              <a:rPr lang="en-US" sz="1400" dirty="0">
-                <a:solidFill>
-                  <a:srgbClr val="000000"/>
-                </a:solidFill>
-                <a:latin typeface="Consolas" panose="020B0609020204030204" pitchFamily="49" charset="0"/>
-              </a:rPr>
-              <a:t> (</a:t>
-            </a:r>
-            <a:r>
-              <a:rPr lang="en-US" sz="1400" dirty="0" err="1">
-                <a:solidFill>
-                  <a:srgbClr val="000000"/>
-                </a:solidFill>
-                <a:latin typeface="Consolas" panose="020B0609020204030204" pitchFamily="49" charset="0"/>
-              </a:rPr>
-              <a:t>i</a:t>
-            </a:r>
-            <a:r>
-              <a:rPr lang="en-US" sz="1400" dirty="0">
-                <a:solidFill>
-                  <a:srgbClr val="000000"/>
-                </a:solidFill>
-                <a:latin typeface="Consolas" panose="020B0609020204030204" pitchFamily="49" charset="0"/>
-              </a:rPr>
-              <a:t> != </a:t>
-            </a:r>
-            <a:r>
-              <a:rPr lang="en-US" sz="1400" dirty="0" err="1">
-                <a:solidFill>
-                  <a:srgbClr val="000000"/>
-                </a:solidFill>
-                <a:latin typeface="Consolas" panose="020B0609020204030204" pitchFamily="49" charset="0"/>
-              </a:rPr>
-              <a:t>arr.length</a:t>
-            </a:r>
-            <a:r>
-              <a:rPr lang="en-US" sz="1400" dirty="0">
-                <a:solidFill>
-                  <a:srgbClr val="000000"/>
-                </a:solidFill>
-                <a:latin typeface="Consolas" panose="020B0609020204030204" pitchFamily="49" charset="0"/>
-              </a:rPr>
-              <a:t> - </a:t>
-            </a:r>
-            <a:r>
-              <a:rPr lang="en-US" sz="1400" dirty="0">
-                <a:solidFill>
-                  <a:srgbClr val="098658"/>
-                </a:solidFill>
-                <a:latin typeface="Consolas" panose="020B0609020204030204" pitchFamily="49" charset="0"/>
-              </a:rPr>
-              <a:t>1</a:t>
-            </a:r>
-            <a:r>
-              <a:rPr lang="en-US" sz="1400" dirty="0">
-                <a:solidFill>
-                  <a:srgbClr val="000000"/>
-                </a:solidFill>
-                <a:latin typeface="Consolas" panose="020B0609020204030204" pitchFamily="49" charset="0"/>
-              </a:rPr>
-              <a:t>)</a:t>
-            </a:r>
-          </a:p>
-          <a:p>
-            <a:r>
-              <a:rPr lang="en-US" sz="1400" dirty="0">
-                <a:solidFill>
-                  <a:srgbClr val="000000"/>
-                </a:solidFill>
-                <a:latin typeface="Consolas" panose="020B0609020204030204" pitchFamily="49" charset="0"/>
-              </a:rPr>
-              <a:t>            out &lt;&lt; </a:t>
-            </a:r>
-            <a:r>
-              <a:rPr lang="en-US" sz="1400" dirty="0" err="1">
-                <a:solidFill>
-                  <a:srgbClr val="000000"/>
-                </a:solidFill>
-                <a:latin typeface="Consolas" panose="020B0609020204030204" pitchFamily="49" charset="0"/>
-              </a:rPr>
-              <a:t>arr</a:t>
-            </a:r>
-            <a:r>
-              <a:rPr lang="en-US" sz="1400" dirty="0">
-                <a:solidFill>
-                  <a:srgbClr val="000000"/>
-                </a:solidFill>
-                <a:latin typeface="Consolas" panose="020B0609020204030204" pitchFamily="49" charset="0"/>
-              </a:rPr>
-              <a:t>[</a:t>
-            </a:r>
-            <a:r>
-              <a:rPr lang="en-US" sz="1400" dirty="0" err="1">
-                <a:solidFill>
-                  <a:srgbClr val="000000"/>
-                </a:solidFill>
-                <a:latin typeface="Consolas" panose="020B0609020204030204" pitchFamily="49" charset="0"/>
-              </a:rPr>
-              <a:t>i</a:t>
-            </a:r>
-            <a:r>
-              <a:rPr lang="en-US" sz="1400" dirty="0">
-                <a:solidFill>
-                  <a:srgbClr val="000000"/>
-                </a:solidFill>
-                <a:latin typeface="Consolas" panose="020B0609020204030204" pitchFamily="49" charset="0"/>
-              </a:rPr>
-              <a:t>] &lt;&lt; </a:t>
-            </a:r>
-            <a:r>
-              <a:rPr lang="en-US" sz="1400" dirty="0">
-                <a:solidFill>
-                  <a:srgbClr val="A31515"/>
-                </a:solidFill>
-                <a:latin typeface="Consolas" panose="020B0609020204030204" pitchFamily="49" charset="0"/>
-              </a:rPr>
-              <a:t>", "</a:t>
-            </a:r>
-            <a:r>
-              <a:rPr lang="en-US" sz="1400" dirty="0">
-                <a:solidFill>
-                  <a:srgbClr val="000000"/>
-                </a:solidFill>
-                <a:latin typeface="Consolas" panose="020B0609020204030204" pitchFamily="49" charset="0"/>
-              </a:rPr>
-              <a:t>;</a:t>
-            </a:r>
-          </a:p>
-          <a:p>
-            <a:r>
-              <a:rPr lang="en-US" sz="1400" dirty="0">
-                <a:solidFill>
-                  <a:srgbClr val="000000"/>
-                </a:solidFill>
-                <a:latin typeface="Consolas" panose="020B0609020204030204" pitchFamily="49" charset="0"/>
-              </a:rPr>
-              <a:t>        </a:t>
-            </a:r>
-            <a:r>
-              <a:rPr lang="en-US" sz="1400" dirty="0">
-                <a:solidFill>
-                  <a:srgbClr val="0000FF"/>
-                </a:solidFill>
-                <a:latin typeface="Consolas" panose="020B0609020204030204" pitchFamily="49" charset="0"/>
-              </a:rPr>
-              <a:t>else</a:t>
-            </a:r>
-            <a:endParaRPr lang="en-US" sz="1400" dirty="0">
+              <a:rPr lang="en-US" dirty="0" smtClean="0">
+                <a:solidFill>
+                  <a:srgbClr val="000000"/>
+                </a:solidFill>
+                <a:latin typeface="Consolas" panose="020B0609020204030204" pitchFamily="49" charset="0"/>
+              </a:rPr>
+              <a:t>&lt;</a:t>
+            </a:r>
+            <a:r>
+              <a:rPr lang="ru-RU" dirty="0" smtClean="0">
+                <a:solidFill>
+                  <a:srgbClr val="000000"/>
+                </a:solidFill>
+                <a:latin typeface="Consolas" panose="020B0609020204030204" pitchFamily="49" charset="0"/>
+              </a:rPr>
+              <a:t>имя аргумента</a:t>
+            </a:r>
+            <a:r>
+              <a:rPr lang="en-US" dirty="0" smtClean="0">
+                <a:solidFill>
+                  <a:srgbClr val="000000"/>
+                </a:solidFill>
+                <a:latin typeface="Consolas" panose="020B0609020204030204" pitchFamily="49" charset="0"/>
+              </a:rPr>
+              <a:t>&gt;&gt;</a:t>
+            </a:r>
+            <a:endParaRPr lang="en-US" dirty="0">
               <a:solidFill>
                 <a:srgbClr val="000000"/>
               </a:solidFill>
@@ -6806,83 +4957,60 @@
           </a:p>
           <a:p>
             <a:r>
-              <a:rPr lang="en-US" sz="1400" dirty="0">
-                <a:solidFill>
-                  <a:srgbClr val="000000"/>
-                </a:solidFill>
-                <a:latin typeface="Consolas" panose="020B0609020204030204" pitchFamily="49" charset="0"/>
-              </a:rPr>
-              <a:t>            out &lt;&lt; </a:t>
-            </a:r>
-            <a:r>
-              <a:rPr lang="en-US" sz="1400" dirty="0" err="1">
-                <a:solidFill>
-                  <a:srgbClr val="000000"/>
-                </a:solidFill>
-                <a:latin typeface="Consolas" panose="020B0609020204030204" pitchFamily="49" charset="0"/>
-              </a:rPr>
-              <a:t>arr</a:t>
-            </a:r>
-            <a:r>
-              <a:rPr lang="en-US" sz="1400" dirty="0">
-                <a:solidFill>
-                  <a:srgbClr val="000000"/>
-                </a:solidFill>
-                <a:latin typeface="Consolas" panose="020B0609020204030204" pitchFamily="49" charset="0"/>
-              </a:rPr>
-              <a:t>[</a:t>
-            </a:r>
-            <a:r>
-              <a:rPr lang="en-US" sz="1400" dirty="0" err="1">
-                <a:solidFill>
-                  <a:srgbClr val="000000"/>
-                </a:solidFill>
-                <a:latin typeface="Consolas" panose="020B0609020204030204" pitchFamily="49" charset="0"/>
-              </a:rPr>
-              <a:t>i</a:t>
-            </a:r>
-            <a:r>
-              <a:rPr lang="en-US" sz="1400" dirty="0">
-                <a:solidFill>
-                  <a:srgbClr val="000000"/>
-                </a:solidFill>
-                <a:latin typeface="Consolas" panose="020B0609020204030204" pitchFamily="49" charset="0"/>
-              </a:rPr>
-              <a:t>];</a:t>
-            </a:r>
-          </a:p>
-          <a:p>
-            <a:r>
-              <a:rPr lang="en-US" sz="1400" dirty="0">
-                <a:solidFill>
-                  <a:srgbClr val="000000"/>
-                </a:solidFill>
-                <a:latin typeface="Consolas" panose="020B0609020204030204" pitchFamily="49" charset="0"/>
-              </a:rPr>
-              <a:t>    out &lt;&lt; </a:t>
-            </a:r>
-            <a:r>
-              <a:rPr lang="en-US" sz="1400" dirty="0">
-                <a:solidFill>
-                  <a:srgbClr val="A31515"/>
-                </a:solidFill>
-                <a:latin typeface="Consolas" panose="020B0609020204030204" pitchFamily="49" charset="0"/>
-              </a:rPr>
-              <a:t>" ]"</a:t>
-            </a:r>
-            <a:r>
-              <a:rPr lang="en-US" sz="1400" dirty="0">
-                <a:solidFill>
-                  <a:srgbClr val="000000"/>
-                </a:solidFill>
-                <a:latin typeface="Consolas" panose="020B0609020204030204" pitchFamily="49" charset="0"/>
-              </a:rPr>
-              <a:t>;</a:t>
-            </a:r>
-          </a:p>
-          <a:p>
-            <a:r>
-              <a:rPr lang="en-US" sz="1400" dirty="0">
+              <a:rPr lang="en-US" dirty="0">
+                <a:solidFill>
+                  <a:srgbClr val="0000FF"/>
+                </a:solidFill>
+                <a:latin typeface="Consolas" panose="020B0609020204030204" pitchFamily="49" charset="0"/>
+              </a:rPr>
+              <a:t>class</a:t>
+            </a:r>
+            <a:r>
+              <a:rPr lang="en-US" dirty="0">
+                <a:solidFill>
+                  <a:srgbClr val="000000"/>
+                </a:solidFill>
+                <a:latin typeface="Consolas" panose="020B0609020204030204" pitchFamily="49" charset="0"/>
+              </a:rPr>
+              <a:t> </a:t>
+            </a:r>
+            <a:r>
+              <a:rPr lang="en-US" dirty="0" smtClean="0">
+                <a:solidFill>
+                  <a:srgbClr val="000000"/>
+                </a:solidFill>
+                <a:latin typeface="Consolas" panose="020B0609020204030204" pitchFamily="49" charset="0"/>
+              </a:rPr>
+              <a:t>&lt;</a:t>
+            </a:r>
+            <a:r>
+              <a:rPr lang="ru-RU" dirty="0" smtClean="0">
+                <a:solidFill>
+                  <a:srgbClr val="000000"/>
+                </a:solidFill>
+                <a:latin typeface="Consolas" panose="020B0609020204030204" pitchFamily="49" charset="0"/>
+              </a:rPr>
+              <a:t>имя класса</a:t>
+            </a:r>
+            <a:r>
+              <a:rPr lang="en-US" dirty="0" smtClean="0">
+                <a:solidFill>
+                  <a:srgbClr val="000000"/>
+                </a:solidFill>
+                <a:latin typeface="Consolas" panose="020B0609020204030204" pitchFamily="49" charset="0"/>
+              </a:rPr>
+              <a:t>&gt; {</a:t>
+            </a:r>
+            <a:endParaRPr lang="en-US" dirty="0">
+              <a:solidFill>
+                <a:srgbClr val="000000"/>
+              </a:solidFill>
+              <a:latin typeface="Consolas" panose="020B0609020204030204" pitchFamily="49" charset="0"/>
+            </a:endParaRPr>
+          </a:p>
+          <a:p>
+            <a:r>
+              <a:rPr lang="en-US" dirty="0">
                 <a:solidFill>
                   <a:srgbClr val="000000"/>
                 </a:solidFill>
@@ -6891,27 +5019,246 @@
               <a:t>    </a:t>
             </a:r>
             <a:r>
-              <a:rPr lang="en-US" sz="1400" dirty="0">
-                <a:solidFill>
-                  <a:srgbClr val="0000FF"/>
-                </a:solidFill>
-                <a:latin typeface="Consolas" panose="020B0609020204030204" pitchFamily="49" charset="0"/>
-              </a:rPr>
-              <a:t>return</a:t>
-            </a:r>
-            <a:r>
-              <a:rPr lang="en-US" sz="1400" dirty="0">
-                <a:solidFill>
-                  <a:srgbClr val="000000"/>
-                </a:solidFill>
-                <a:latin typeface="Consolas" panose="020B0609020204030204" pitchFamily="49" charset="0"/>
-              </a:rPr>
-              <a:t> out;</a:t>
-            </a:r>
-          </a:p>
-          <a:p>
-            <a:r>
-              <a:rPr lang="en-US" sz="1400" dirty="0">
+              <a:rPr lang="en-US" dirty="0">
+                <a:solidFill>
+                  <a:srgbClr val="0000FF"/>
+                </a:solidFill>
+                <a:latin typeface="Consolas" panose="020B0609020204030204" pitchFamily="49" charset="0"/>
+              </a:rPr>
+              <a:t>private:</a:t>
+            </a:r>
+            <a:endParaRPr lang="en-US" dirty="0">
+              <a:solidFill>
+                <a:srgbClr val="000000"/>
+              </a:solidFill>
+              <a:latin typeface="Consolas" panose="020B0609020204030204" pitchFamily="49" charset="0"/>
+            </a:endParaRPr>
+          </a:p>
+          <a:p>
+            <a:r>
+              <a:rPr lang="en-US" dirty="0">
+                <a:solidFill>
+                  <a:srgbClr val="000000"/>
+                </a:solidFill>
+                <a:latin typeface="Consolas" panose="020B0609020204030204" pitchFamily="49" charset="0"/>
+              </a:rPr>
+              <a:t>        &lt;</a:t>
+            </a:r>
+            <a:r>
+              <a:rPr lang="ru-RU" dirty="0">
+                <a:solidFill>
+                  <a:srgbClr val="000000"/>
+                </a:solidFill>
+                <a:latin typeface="Consolas" panose="020B0609020204030204" pitchFamily="49" charset="0"/>
+              </a:rPr>
+              <a:t>имя аргумента</a:t>
+            </a:r>
+            <a:r>
+              <a:rPr lang="en-US" dirty="0">
+                <a:solidFill>
+                  <a:srgbClr val="000000"/>
+                </a:solidFill>
+                <a:latin typeface="Consolas" panose="020B0609020204030204" pitchFamily="49" charset="0"/>
+              </a:rPr>
+              <a:t>&gt;</a:t>
+            </a:r>
+            <a:r>
+              <a:rPr lang="en-US" dirty="0" smtClean="0">
+                <a:solidFill>
+                  <a:srgbClr val="000000"/>
+                </a:solidFill>
+                <a:latin typeface="Consolas" panose="020B0609020204030204" pitchFamily="49" charset="0"/>
+              </a:rPr>
+              <a:t>*</a:t>
+            </a:r>
+            <a:r>
+              <a:rPr lang="en-US" dirty="0">
+                <a:solidFill>
+                  <a:srgbClr val="000000"/>
+                </a:solidFill>
+                <a:latin typeface="Consolas" panose="020B0609020204030204" pitchFamily="49" charset="0"/>
+              </a:rPr>
+              <a:t> </a:t>
+            </a:r>
+            <a:r>
+              <a:rPr lang="en-US" dirty="0" smtClean="0">
+                <a:solidFill>
+                  <a:srgbClr val="000000"/>
+                </a:solidFill>
+                <a:latin typeface="Consolas" panose="020B0609020204030204" pitchFamily="49" charset="0"/>
+              </a:rPr>
+              <a:t>&lt;</a:t>
+            </a:r>
+            <a:r>
+              <a:rPr lang="ru-RU" dirty="0" smtClean="0">
+                <a:solidFill>
+                  <a:srgbClr val="000000"/>
+                </a:solidFill>
+                <a:latin typeface="Consolas" panose="020B0609020204030204" pitchFamily="49" charset="0"/>
+              </a:rPr>
+              <a:t>имя атрибута</a:t>
+            </a:r>
+            <a:r>
+              <a:rPr lang="en-US" dirty="0" smtClean="0">
+                <a:solidFill>
+                  <a:srgbClr val="000000"/>
+                </a:solidFill>
+                <a:latin typeface="Consolas" panose="020B0609020204030204" pitchFamily="49" charset="0"/>
+              </a:rPr>
+              <a:t>&gt;;</a:t>
+            </a:r>
+            <a:endParaRPr lang="en-US" dirty="0">
+              <a:solidFill>
+                <a:srgbClr val="000000"/>
+              </a:solidFill>
+              <a:latin typeface="Consolas" panose="020B0609020204030204" pitchFamily="49" charset="0"/>
+            </a:endParaRPr>
+          </a:p>
+          <a:p>
+            <a:r>
+              <a:rPr lang="en-US" dirty="0">
+                <a:solidFill>
+                  <a:srgbClr val="000000"/>
+                </a:solidFill>
+                <a:latin typeface="Consolas" panose="020B0609020204030204" pitchFamily="49" charset="0"/>
+              </a:rPr>
+              <a:t>        </a:t>
+            </a:r>
+            <a:r>
+              <a:rPr lang="en-US" dirty="0" smtClean="0">
+                <a:solidFill>
+                  <a:srgbClr val="000000"/>
+                </a:solidFill>
+                <a:latin typeface="Consolas" panose="020B0609020204030204" pitchFamily="49" charset="0"/>
+              </a:rPr>
+              <a:t>…</a:t>
+            </a:r>
+            <a:endParaRPr lang="en-US" dirty="0">
+              <a:solidFill>
+                <a:srgbClr val="000000"/>
+              </a:solidFill>
+              <a:latin typeface="Consolas" panose="020B0609020204030204" pitchFamily="49" charset="0"/>
+            </a:endParaRPr>
+          </a:p>
+          <a:p>
+            <a:r>
+              <a:rPr lang="en-US" dirty="0">
+                <a:solidFill>
+                  <a:srgbClr val="000000"/>
+                </a:solidFill>
+                <a:latin typeface="Consolas" panose="020B0609020204030204" pitchFamily="49" charset="0"/>
+              </a:rPr>
+              <a:t>    </a:t>
+            </a:r>
+            <a:r>
+              <a:rPr lang="en-US" dirty="0">
+                <a:solidFill>
+                  <a:srgbClr val="0000FF"/>
+                </a:solidFill>
+                <a:latin typeface="Consolas" panose="020B0609020204030204" pitchFamily="49" charset="0"/>
+              </a:rPr>
+              <a:t>public:</a:t>
+            </a:r>
+            <a:endParaRPr lang="en-US" dirty="0">
+              <a:solidFill>
+                <a:srgbClr val="000000"/>
+              </a:solidFill>
+              <a:latin typeface="Consolas" panose="020B0609020204030204" pitchFamily="49" charset="0"/>
+            </a:endParaRPr>
+          </a:p>
+          <a:p>
+            <a:r>
+              <a:rPr lang="en-US" dirty="0">
+                <a:solidFill>
+                  <a:srgbClr val="000000"/>
+                </a:solidFill>
+                <a:latin typeface="Consolas" panose="020B0609020204030204" pitchFamily="49" charset="0"/>
+              </a:rPr>
+              <a:t>        &lt;</a:t>
+            </a:r>
+            <a:r>
+              <a:rPr lang="ru-RU" dirty="0">
+                <a:solidFill>
+                  <a:srgbClr val="000000"/>
+                </a:solidFill>
+                <a:latin typeface="Consolas" panose="020B0609020204030204" pitchFamily="49" charset="0"/>
+              </a:rPr>
+              <a:t>имя аргумента</a:t>
+            </a:r>
+            <a:r>
+              <a:rPr lang="en-US" dirty="0" smtClean="0">
+                <a:solidFill>
+                  <a:srgbClr val="000000"/>
+                </a:solidFill>
+                <a:latin typeface="Consolas" panose="020B0609020204030204" pitchFamily="49" charset="0"/>
+              </a:rPr>
+              <a:t>&gt; </a:t>
+            </a:r>
+            <a:r>
+              <a:rPr lang="en-US" dirty="0">
+                <a:solidFill>
+                  <a:srgbClr val="000000"/>
+                </a:solidFill>
+                <a:latin typeface="Consolas" panose="020B0609020204030204" pitchFamily="49" charset="0"/>
+              </a:rPr>
+              <a:t>&lt;</a:t>
+            </a:r>
+            <a:r>
+              <a:rPr lang="ru-RU" dirty="0">
+                <a:solidFill>
+                  <a:srgbClr val="000000"/>
+                </a:solidFill>
+                <a:latin typeface="Consolas" panose="020B0609020204030204" pitchFamily="49" charset="0"/>
+              </a:rPr>
+              <a:t>имя </a:t>
+            </a:r>
+            <a:r>
+              <a:rPr lang="ru-RU" dirty="0" smtClean="0">
+                <a:solidFill>
+                  <a:srgbClr val="000000"/>
+                </a:solidFill>
+                <a:latin typeface="Consolas" panose="020B0609020204030204" pitchFamily="49" charset="0"/>
+              </a:rPr>
+              <a:t>метода</a:t>
+            </a:r>
+            <a:r>
+              <a:rPr lang="en-US" dirty="0" smtClean="0">
+                <a:solidFill>
+                  <a:srgbClr val="000000"/>
+                </a:solidFill>
+                <a:latin typeface="Consolas" panose="020B0609020204030204" pitchFamily="49" charset="0"/>
+              </a:rPr>
+              <a:t>&gt; (</a:t>
+            </a:r>
+            <a:r>
+              <a:rPr lang="ru-RU" dirty="0" smtClean="0">
+                <a:solidFill>
+                  <a:srgbClr val="000000"/>
+                </a:solidFill>
+                <a:latin typeface="Consolas" panose="020B0609020204030204" pitchFamily="49" charset="0"/>
+              </a:rPr>
+              <a:t>…</a:t>
+            </a:r>
+            <a:r>
+              <a:rPr lang="en-US" dirty="0" smtClean="0">
+                <a:solidFill>
+                  <a:srgbClr val="000000"/>
+                </a:solidFill>
+                <a:latin typeface="Consolas" panose="020B0609020204030204" pitchFamily="49" charset="0"/>
+              </a:rPr>
+              <a:t>){</a:t>
+            </a:r>
+            <a:r>
+              <a:rPr lang="ru-RU" dirty="0" smtClean="0">
+                <a:solidFill>
+                  <a:srgbClr val="000000"/>
+                </a:solidFill>
+                <a:latin typeface="Consolas" panose="020B0609020204030204" pitchFamily="49" charset="0"/>
+              </a:rPr>
+              <a:t>…</a:t>
+            </a:r>
+            <a:r>
+              <a:rPr lang="en-US" dirty="0" smtClean="0">
                 <a:solidFill>
                   <a:srgbClr val="000000"/>
                 </a:solidFill>
@@ -6919,7 +5266,381 @@
               </a:rPr>
               <a:t>}</a:t>
             </a:r>
-            <a:endParaRPr lang="en-US" sz="1400" b="0" dirty="0">
+            <a:endParaRPr lang="ru-RU" dirty="0" smtClean="0">
+              <a:solidFill>
+                <a:srgbClr val="000000"/>
+              </a:solidFill>
+              <a:latin typeface="Consolas" panose="020B0609020204030204" pitchFamily="49" charset="0"/>
+            </a:endParaRPr>
+          </a:p>
+          <a:p>
+            <a:r>
+              <a:rPr lang="ru-RU" dirty="0" smtClean="0">
+                <a:solidFill>
+                  <a:srgbClr val="000000"/>
+                </a:solidFill>
+                <a:latin typeface="Consolas" panose="020B0609020204030204" pitchFamily="49" charset="0"/>
+              </a:rPr>
+              <a:t>        …</a:t>
+            </a:r>
+          </a:p>
+          <a:p>
+            <a:r>
+              <a:rPr lang="ru-RU" dirty="0" smtClean="0">
+                <a:solidFill>
+                  <a:srgbClr val="000000"/>
+                </a:solidFill>
+                <a:latin typeface="Consolas" panose="020B0609020204030204" pitchFamily="49" charset="0"/>
+              </a:rPr>
+              <a:t>        </a:t>
+            </a:r>
+            <a:r>
+              <a:rPr lang="en-US" dirty="0" smtClean="0">
+                <a:solidFill>
+                  <a:srgbClr val="000000"/>
+                </a:solidFill>
+                <a:latin typeface="Consolas" panose="020B0609020204030204" pitchFamily="49" charset="0"/>
+              </a:rPr>
+              <a:t>&lt;</a:t>
+            </a:r>
+            <a:r>
+              <a:rPr lang="ru-RU" dirty="0" smtClean="0">
+                <a:solidFill>
+                  <a:srgbClr val="000000"/>
+                </a:solidFill>
+                <a:latin typeface="Consolas" panose="020B0609020204030204" pitchFamily="49" charset="0"/>
+              </a:rPr>
+              <a:t>имя аргумента</a:t>
+            </a:r>
+            <a:r>
+              <a:rPr lang="en-US" dirty="0" smtClean="0">
+                <a:solidFill>
+                  <a:srgbClr val="000000"/>
+                </a:solidFill>
+                <a:latin typeface="Consolas" panose="020B0609020204030204" pitchFamily="49" charset="0"/>
+              </a:rPr>
+              <a:t>&gt; &lt;</a:t>
+            </a:r>
+            <a:r>
+              <a:rPr lang="ru-RU" dirty="0" smtClean="0">
+                <a:solidFill>
+                  <a:srgbClr val="000000"/>
+                </a:solidFill>
+                <a:latin typeface="Consolas" panose="020B0609020204030204" pitchFamily="49" charset="0"/>
+              </a:rPr>
+              <a:t>имя метода</a:t>
+            </a:r>
+            <a:r>
+              <a:rPr lang="en-US" dirty="0" smtClean="0">
+                <a:solidFill>
+                  <a:srgbClr val="000000"/>
+                </a:solidFill>
+                <a:latin typeface="Consolas" panose="020B0609020204030204" pitchFamily="49" charset="0"/>
+              </a:rPr>
+              <a:t>&gt; (</a:t>
+            </a:r>
+            <a:r>
+              <a:rPr lang="ru-RU" dirty="0" smtClean="0">
+                <a:solidFill>
+                  <a:srgbClr val="000000"/>
+                </a:solidFill>
+                <a:latin typeface="Consolas" panose="020B0609020204030204" pitchFamily="49" charset="0"/>
+              </a:rPr>
+              <a:t>…</a:t>
+            </a:r>
+            <a:r>
+              <a:rPr lang="en-US" dirty="0" smtClean="0">
+                <a:solidFill>
+                  <a:srgbClr val="000000"/>
+                </a:solidFill>
+                <a:latin typeface="Consolas" panose="020B0609020204030204" pitchFamily="49" charset="0"/>
+              </a:rPr>
+              <a:t>);</a:t>
+            </a:r>
+            <a:endParaRPr lang="ru-RU" dirty="0" smtClean="0">
+              <a:solidFill>
+                <a:srgbClr val="000000"/>
+              </a:solidFill>
+              <a:latin typeface="Consolas" panose="020B0609020204030204" pitchFamily="49" charset="0"/>
+            </a:endParaRPr>
+          </a:p>
+          <a:p>
+            <a:r>
+              <a:rPr lang="ru-RU" dirty="0" smtClean="0">
+                <a:solidFill>
+                  <a:srgbClr val="0000FF"/>
+                </a:solidFill>
+                <a:latin typeface="Consolas" panose="020B0609020204030204" pitchFamily="49" charset="0"/>
+              </a:rPr>
+              <a:t>        </a:t>
+            </a:r>
+            <a:r>
+              <a:rPr lang="en-US" dirty="0" smtClean="0">
+                <a:solidFill>
+                  <a:srgbClr val="0000FF"/>
+                </a:solidFill>
+                <a:latin typeface="Consolas" panose="020B0609020204030204" pitchFamily="49" charset="0"/>
+              </a:rPr>
+              <a:t>template</a:t>
+            </a:r>
+            <a:r>
+              <a:rPr lang="en-US" dirty="0">
+                <a:solidFill>
+                  <a:srgbClr val="000000"/>
+                </a:solidFill>
+                <a:latin typeface="Consolas" panose="020B0609020204030204" pitchFamily="49" charset="0"/>
+              </a:rPr>
+              <a:t> &lt;</a:t>
+            </a:r>
+            <a:r>
+              <a:rPr lang="en-US" dirty="0" err="1">
+                <a:solidFill>
+                  <a:srgbClr val="0000FF"/>
+                </a:solidFill>
+                <a:latin typeface="Consolas" panose="020B0609020204030204" pitchFamily="49" charset="0"/>
+              </a:rPr>
+              <a:t>typename</a:t>
+            </a:r>
+            <a:r>
+              <a:rPr lang="en-US" dirty="0">
+                <a:solidFill>
+                  <a:srgbClr val="000000"/>
+                </a:solidFill>
+                <a:latin typeface="Consolas" panose="020B0609020204030204" pitchFamily="49" charset="0"/>
+              </a:rPr>
+              <a:t> </a:t>
+            </a:r>
+            <a:r>
+              <a:rPr lang="en-US" dirty="0" smtClean="0">
+                <a:solidFill>
+                  <a:srgbClr val="000000"/>
+                </a:solidFill>
+                <a:latin typeface="Consolas" panose="020B0609020204030204" pitchFamily="49" charset="0"/>
+              </a:rPr>
+              <a:t>&lt;</a:t>
+            </a:r>
+            <a:r>
+              <a:rPr lang="ru-RU" dirty="0" smtClean="0">
+                <a:solidFill>
+                  <a:srgbClr val="000000"/>
+                </a:solidFill>
+                <a:latin typeface="Consolas" panose="020B0609020204030204" pitchFamily="49" charset="0"/>
+              </a:rPr>
+              <a:t>другое имя </a:t>
+            </a:r>
+            <a:r>
+              <a:rPr lang="ru-RU" dirty="0">
+                <a:solidFill>
+                  <a:srgbClr val="000000"/>
+                </a:solidFill>
+                <a:latin typeface="Consolas" panose="020B0609020204030204" pitchFamily="49" charset="0"/>
+              </a:rPr>
+              <a:t>аргумента</a:t>
+            </a:r>
+            <a:r>
+              <a:rPr lang="en-US" dirty="0">
+                <a:solidFill>
+                  <a:srgbClr val="000000"/>
+                </a:solidFill>
+                <a:latin typeface="Consolas" panose="020B0609020204030204" pitchFamily="49" charset="0"/>
+              </a:rPr>
+              <a:t>&gt;&gt;</a:t>
+            </a:r>
+            <a:endParaRPr lang="en-US" dirty="0" smtClean="0">
+              <a:solidFill>
+                <a:srgbClr val="000000"/>
+              </a:solidFill>
+              <a:latin typeface="Consolas" panose="020B0609020204030204" pitchFamily="49" charset="0"/>
+            </a:endParaRPr>
+          </a:p>
+          <a:p>
+            <a:r>
+              <a:rPr lang="ru-RU" dirty="0" smtClean="0">
+                <a:solidFill>
+                  <a:srgbClr val="000000"/>
+                </a:solidFill>
+                <a:latin typeface="Consolas" panose="020B0609020204030204" pitchFamily="49" charset="0"/>
+              </a:rPr>
+              <a:t>        </a:t>
+            </a:r>
+            <a:r>
+              <a:rPr lang="en-US" dirty="0">
+                <a:solidFill>
+                  <a:srgbClr val="000000"/>
+                </a:solidFill>
+                <a:latin typeface="Consolas" panose="020B0609020204030204" pitchFamily="49" charset="0"/>
+              </a:rPr>
+              <a:t>&lt;</a:t>
+            </a:r>
+            <a:r>
+              <a:rPr lang="ru-RU" dirty="0">
+                <a:solidFill>
+                  <a:srgbClr val="000000"/>
+                </a:solidFill>
+                <a:latin typeface="Consolas" panose="020B0609020204030204" pitchFamily="49" charset="0"/>
+              </a:rPr>
+              <a:t>другое имя аргумента</a:t>
+            </a:r>
+            <a:r>
+              <a:rPr lang="en-US" dirty="0">
+                <a:solidFill>
+                  <a:srgbClr val="000000"/>
+                </a:solidFill>
+                <a:latin typeface="Consolas" panose="020B0609020204030204" pitchFamily="49" charset="0"/>
+              </a:rPr>
+              <a:t>&gt;</a:t>
+            </a:r>
+            <a:r>
+              <a:rPr lang="en-US" dirty="0" smtClean="0">
+                <a:solidFill>
+                  <a:srgbClr val="000000"/>
+                </a:solidFill>
+                <a:latin typeface="Consolas" panose="020B0609020204030204" pitchFamily="49" charset="0"/>
+              </a:rPr>
+              <a:t> </a:t>
+            </a:r>
+            <a:r>
+              <a:rPr lang="en-US" dirty="0">
+                <a:solidFill>
+                  <a:srgbClr val="000000"/>
+                </a:solidFill>
+                <a:latin typeface="Consolas" panose="020B0609020204030204" pitchFamily="49" charset="0"/>
+              </a:rPr>
+              <a:t>&lt;</a:t>
+            </a:r>
+            <a:r>
+              <a:rPr lang="ru-RU" dirty="0" smtClean="0">
+                <a:solidFill>
+                  <a:srgbClr val="000000"/>
+                </a:solidFill>
+                <a:latin typeface="Consolas" panose="020B0609020204030204" pitchFamily="49" charset="0"/>
+              </a:rPr>
+              <a:t>имя</a:t>
+            </a:r>
+            <a:r>
+              <a:rPr lang="en-US" dirty="0" smtClean="0">
+                <a:solidFill>
+                  <a:srgbClr val="000000"/>
+                </a:solidFill>
+                <a:latin typeface="Consolas" panose="020B0609020204030204" pitchFamily="49" charset="0"/>
+              </a:rPr>
+              <a:t> </a:t>
+            </a:r>
+            <a:r>
+              <a:rPr lang="ru-RU" dirty="0" smtClean="0">
+                <a:solidFill>
+                  <a:srgbClr val="000000"/>
+                </a:solidFill>
+                <a:latin typeface="Consolas" panose="020B0609020204030204" pitchFamily="49" charset="0"/>
+              </a:rPr>
+              <a:t>дружественного </a:t>
+            </a:r>
+            <a:r>
+              <a:rPr lang="ru-RU" dirty="0">
+                <a:solidFill>
+                  <a:srgbClr val="000000"/>
+                </a:solidFill>
+                <a:latin typeface="Consolas" panose="020B0609020204030204" pitchFamily="49" charset="0"/>
+              </a:rPr>
+              <a:t>метода</a:t>
+            </a:r>
+            <a:r>
+              <a:rPr lang="en-US" dirty="0">
+                <a:solidFill>
+                  <a:srgbClr val="000000"/>
+                </a:solidFill>
+                <a:latin typeface="Consolas" panose="020B0609020204030204" pitchFamily="49" charset="0"/>
+              </a:rPr>
+              <a:t>&gt; </a:t>
+            </a:r>
+            <a:r>
+              <a:rPr lang="en-US" dirty="0" smtClean="0">
+                <a:solidFill>
+                  <a:srgbClr val="000000"/>
+                </a:solidFill>
+                <a:latin typeface="Consolas" panose="020B0609020204030204" pitchFamily="49" charset="0"/>
+              </a:rPr>
+              <a:t>(</a:t>
+            </a:r>
+            <a:r>
+              <a:rPr lang="en-US" dirty="0">
+                <a:solidFill>
+                  <a:srgbClr val="000000"/>
+                </a:solidFill>
+                <a:latin typeface="Consolas" panose="020B0609020204030204" pitchFamily="49" charset="0"/>
+              </a:rPr>
+              <a:t>&lt;</a:t>
+            </a:r>
+            <a:r>
+              <a:rPr lang="ru-RU" dirty="0">
+                <a:solidFill>
+                  <a:srgbClr val="000000"/>
+                </a:solidFill>
+                <a:latin typeface="Consolas" panose="020B0609020204030204" pitchFamily="49" charset="0"/>
+              </a:rPr>
+              <a:t>другое имя аргумента</a:t>
+            </a:r>
+            <a:r>
+              <a:rPr lang="en-US" dirty="0" smtClean="0">
+                <a:solidFill>
+                  <a:srgbClr val="000000"/>
+                </a:solidFill>
+                <a:latin typeface="Consolas" panose="020B0609020204030204" pitchFamily="49" charset="0"/>
+              </a:rPr>
+              <a:t>&gt;, </a:t>
+            </a:r>
+            <a:r>
+              <a:rPr lang="ru-RU" dirty="0" smtClean="0">
+                <a:solidFill>
+                  <a:srgbClr val="000000"/>
+                </a:solidFill>
+                <a:latin typeface="Consolas" panose="020B0609020204030204" pitchFamily="49" charset="0"/>
+              </a:rPr>
+              <a:t>…</a:t>
+            </a:r>
+            <a:r>
+              <a:rPr lang="en-US" dirty="0">
+                <a:solidFill>
+                  <a:srgbClr val="000000"/>
+                </a:solidFill>
+                <a:latin typeface="Consolas" panose="020B0609020204030204" pitchFamily="49" charset="0"/>
+              </a:rPr>
+              <a:t>);</a:t>
+            </a:r>
+            <a:endParaRPr lang="en-US" dirty="0" smtClean="0">
+              <a:solidFill>
+                <a:srgbClr val="000000"/>
+              </a:solidFill>
+              <a:latin typeface="Consolas" panose="020B0609020204030204" pitchFamily="49" charset="0"/>
+            </a:endParaRPr>
+          </a:p>
+          <a:p>
+            <a:endParaRPr lang="ru-RU" dirty="0" smtClean="0">
+              <a:solidFill>
+                <a:srgbClr val="000000"/>
+              </a:solidFill>
+              <a:latin typeface="Consolas" panose="020B0609020204030204" pitchFamily="49" charset="0"/>
+            </a:endParaRPr>
+          </a:p>
+          <a:p>
+            <a:r>
+              <a:rPr lang="en-US" dirty="0" smtClean="0">
+                <a:solidFill>
+                  <a:srgbClr val="000000"/>
+                </a:solidFill>
+                <a:latin typeface="Consolas" panose="020B0609020204030204" pitchFamily="49" charset="0"/>
+              </a:rPr>
+              <a:t>};</a:t>
+            </a:r>
+            <a:endParaRPr lang="ru-RU" dirty="0" smtClean="0">
+              <a:solidFill>
+                <a:srgbClr val="000000"/>
+              </a:solidFill>
+              <a:latin typeface="Consolas" panose="020B0609020204030204" pitchFamily="49" charset="0"/>
+            </a:endParaRPr>
+          </a:p>
+          <a:p>
+            <a:endParaRPr lang="ru-RU" b="0" dirty="0">
               <a:solidFill>
                 <a:srgbClr val="000000"/>
               </a:solidFill>
@@ -6927,12 +5648,338 @@
               <a:latin typeface="Consolas" panose="020B0609020204030204" pitchFamily="49" charset="0"/>
             </a:endParaRPr>
           </a:p>
+          <a:p>
+            <a:r>
+              <a:rPr lang="en-US" dirty="0">
+                <a:solidFill>
+                  <a:srgbClr val="000000"/>
+                </a:solidFill>
+                <a:latin typeface="Consolas" panose="020B0609020204030204" pitchFamily="49" charset="0"/>
+              </a:rPr>
+              <a:t>&lt;</a:t>
+            </a:r>
+            <a:r>
+              <a:rPr lang="ru-RU" dirty="0">
+                <a:solidFill>
+                  <a:srgbClr val="000000"/>
+                </a:solidFill>
+                <a:latin typeface="Consolas" panose="020B0609020204030204" pitchFamily="49" charset="0"/>
+              </a:rPr>
+              <a:t>имя аргумента</a:t>
+            </a:r>
+            <a:r>
+              <a:rPr lang="en-US" dirty="0">
+                <a:solidFill>
+                  <a:srgbClr val="000000"/>
+                </a:solidFill>
+                <a:latin typeface="Consolas" panose="020B0609020204030204" pitchFamily="49" charset="0"/>
+              </a:rPr>
+              <a:t>&gt; </a:t>
+            </a:r>
+            <a:r>
+              <a:rPr lang="en-US" dirty="0" smtClean="0">
+                <a:solidFill>
+                  <a:srgbClr val="000000"/>
+                </a:solidFill>
+                <a:latin typeface="Consolas" panose="020B0609020204030204" pitchFamily="49" charset="0"/>
+              </a:rPr>
+              <a:t>&lt;</a:t>
+            </a:r>
+            <a:r>
+              <a:rPr lang="ru-RU" dirty="0">
+                <a:solidFill>
+                  <a:srgbClr val="000000"/>
+                </a:solidFill>
+                <a:latin typeface="Consolas" panose="020B0609020204030204" pitchFamily="49" charset="0"/>
+              </a:rPr>
+              <a:t>имя класса</a:t>
+            </a:r>
+            <a:r>
+              <a:rPr lang="en-US" dirty="0" smtClean="0">
+                <a:solidFill>
+                  <a:srgbClr val="000000"/>
+                </a:solidFill>
+                <a:latin typeface="Consolas" panose="020B0609020204030204" pitchFamily="49" charset="0"/>
+              </a:rPr>
+              <a:t>&gt;&lt;</a:t>
+            </a:r>
+            <a:r>
+              <a:rPr lang="en-US" dirty="0">
+                <a:solidFill>
+                  <a:srgbClr val="000000"/>
+                </a:solidFill>
+                <a:latin typeface="Consolas" panose="020B0609020204030204" pitchFamily="49" charset="0"/>
+              </a:rPr>
+              <a:t>&lt;</a:t>
+            </a:r>
+            <a:r>
+              <a:rPr lang="ru-RU" dirty="0">
+                <a:solidFill>
+                  <a:srgbClr val="000000"/>
+                </a:solidFill>
+                <a:latin typeface="Consolas" panose="020B0609020204030204" pitchFamily="49" charset="0"/>
+              </a:rPr>
+              <a:t>имя аргумента</a:t>
+            </a:r>
+            <a:r>
+              <a:rPr lang="en-US" dirty="0">
+                <a:solidFill>
+                  <a:srgbClr val="000000"/>
+                </a:solidFill>
+                <a:latin typeface="Consolas" panose="020B0609020204030204" pitchFamily="49" charset="0"/>
+              </a:rPr>
+              <a:t>&gt; </a:t>
+            </a:r>
+            <a:r>
+              <a:rPr lang="en-US" dirty="0" smtClean="0">
+                <a:solidFill>
+                  <a:srgbClr val="000000"/>
+                </a:solidFill>
+                <a:latin typeface="Consolas" panose="020B0609020204030204" pitchFamily="49" charset="0"/>
+              </a:rPr>
+              <a:t>&gt;:&lt;</a:t>
+            </a:r>
+            <a:r>
+              <a:rPr lang="ru-RU" dirty="0">
+                <a:solidFill>
+                  <a:srgbClr val="000000"/>
+                </a:solidFill>
+                <a:latin typeface="Consolas" panose="020B0609020204030204" pitchFamily="49" charset="0"/>
+              </a:rPr>
+              <a:t>имя метода</a:t>
+            </a:r>
+            <a:r>
+              <a:rPr lang="en-US" dirty="0">
+                <a:solidFill>
+                  <a:srgbClr val="000000"/>
+                </a:solidFill>
+                <a:latin typeface="Consolas" panose="020B0609020204030204" pitchFamily="49" charset="0"/>
+              </a:rPr>
+              <a:t>&gt; (</a:t>
+            </a:r>
+            <a:r>
+              <a:rPr lang="ru-RU" dirty="0">
+                <a:solidFill>
+                  <a:srgbClr val="000000"/>
+                </a:solidFill>
+                <a:latin typeface="Consolas" panose="020B0609020204030204" pitchFamily="49" charset="0"/>
+              </a:rPr>
+              <a:t>…</a:t>
+            </a:r>
+            <a:r>
+              <a:rPr lang="en-US" dirty="0" smtClean="0">
+                <a:solidFill>
+                  <a:srgbClr val="000000"/>
+                </a:solidFill>
+                <a:latin typeface="Consolas" panose="020B0609020204030204" pitchFamily="49" charset="0"/>
+              </a:rPr>
+              <a:t>)</a:t>
+            </a:r>
+            <a:r>
+              <a:rPr lang="en-US" dirty="0">
+                <a:solidFill>
+                  <a:srgbClr val="000000"/>
+                </a:solidFill>
+                <a:latin typeface="Consolas" panose="020B0609020204030204" pitchFamily="49" charset="0"/>
+              </a:rPr>
+              <a:t> {</a:t>
+            </a:r>
+            <a:r>
+              <a:rPr lang="ru-RU" dirty="0">
+                <a:solidFill>
+                  <a:srgbClr val="000000"/>
+                </a:solidFill>
+                <a:latin typeface="Consolas" panose="020B0609020204030204" pitchFamily="49" charset="0"/>
+              </a:rPr>
+              <a:t>…</a:t>
+            </a:r>
+            <a:r>
+              <a:rPr lang="en-US" dirty="0" smtClean="0">
+                <a:solidFill>
+                  <a:srgbClr val="000000"/>
+                </a:solidFill>
+                <a:latin typeface="Consolas" panose="020B0609020204030204" pitchFamily="49" charset="0"/>
+              </a:rPr>
+              <a:t>}</a:t>
+            </a:r>
+          </a:p>
+          <a:p>
+            <a:endParaRPr lang="en-US" dirty="0" smtClean="0">
+              <a:solidFill>
+                <a:srgbClr val="0000FF"/>
+              </a:solidFill>
+              <a:latin typeface="Consolas" panose="020B0609020204030204" pitchFamily="49" charset="0"/>
+            </a:endParaRPr>
+          </a:p>
+          <a:p>
+            <a:r>
+              <a:rPr lang="en-US" dirty="0" smtClean="0">
+                <a:solidFill>
+                  <a:srgbClr val="0000FF"/>
+                </a:solidFill>
+                <a:latin typeface="Consolas" panose="020B0609020204030204" pitchFamily="49" charset="0"/>
+              </a:rPr>
+              <a:t>template</a:t>
+            </a:r>
+            <a:r>
+              <a:rPr lang="en-US" dirty="0">
+                <a:solidFill>
+                  <a:srgbClr val="000000"/>
+                </a:solidFill>
+                <a:latin typeface="Consolas" panose="020B0609020204030204" pitchFamily="49" charset="0"/>
+              </a:rPr>
+              <a:t> &lt;</a:t>
+            </a:r>
+            <a:r>
+              <a:rPr lang="en-US" dirty="0" err="1">
+                <a:solidFill>
+                  <a:srgbClr val="0000FF"/>
+                </a:solidFill>
+                <a:latin typeface="Consolas" panose="020B0609020204030204" pitchFamily="49" charset="0"/>
+              </a:rPr>
+              <a:t>typename</a:t>
+            </a:r>
+            <a:r>
+              <a:rPr lang="en-US" dirty="0">
+                <a:solidFill>
+                  <a:srgbClr val="000000"/>
+                </a:solidFill>
+                <a:latin typeface="Consolas" panose="020B0609020204030204" pitchFamily="49" charset="0"/>
+              </a:rPr>
+              <a:t> &lt;</a:t>
+            </a:r>
+            <a:r>
+              <a:rPr lang="ru-RU" dirty="0">
+                <a:solidFill>
+                  <a:srgbClr val="000000"/>
+                </a:solidFill>
+                <a:latin typeface="Consolas" panose="020B0609020204030204" pitchFamily="49" charset="0"/>
+              </a:rPr>
+              <a:t>другое имя аргумента</a:t>
+            </a:r>
+            <a:r>
+              <a:rPr lang="en-US" dirty="0">
+                <a:solidFill>
+                  <a:srgbClr val="000000"/>
+                </a:solidFill>
+                <a:latin typeface="Consolas" panose="020B0609020204030204" pitchFamily="49" charset="0"/>
+              </a:rPr>
+              <a:t>&gt;&gt;</a:t>
+            </a:r>
+          </a:p>
+          <a:p>
+            <a:r>
+              <a:rPr lang="en-US" dirty="0" smtClean="0">
+                <a:solidFill>
+                  <a:srgbClr val="000000"/>
+                </a:solidFill>
+                <a:latin typeface="Consolas" panose="020B0609020204030204" pitchFamily="49" charset="0"/>
+              </a:rPr>
+              <a:t>&lt;</a:t>
+            </a:r>
+            <a:r>
+              <a:rPr lang="ru-RU" dirty="0">
+                <a:solidFill>
+                  <a:srgbClr val="000000"/>
+                </a:solidFill>
+                <a:latin typeface="Consolas" panose="020B0609020204030204" pitchFamily="49" charset="0"/>
+              </a:rPr>
+              <a:t>другое имя аргумента</a:t>
+            </a:r>
+            <a:r>
+              <a:rPr lang="en-US" dirty="0">
+                <a:solidFill>
+                  <a:srgbClr val="000000"/>
+                </a:solidFill>
+                <a:latin typeface="Consolas" panose="020B0609020204030204" pitchFamily="49" charset="0"/>
+              </a:rPr>
+              <a:t>&gt; &lt;</a:t>
+            </a:r>
+            <a:r>
+              <a:rPr lang="ru-RU" dirty="0">
+                <a:solidFill>
+                  <a:srgbClr val="000000"/>
+                </a:solidFill>
+                <a:latin typeface="Consolas" panose="020B0609020204030204" pitchFamily="49" charset="0"/>
+              </a:rPr>
+              <a:t>имя</a:t>
+            </a:r>
+            <a:r>
+              <a:rPr lang="en-US" dirty="0">
+                <a:solidFill>
+                  <a:srgbClr val="000000"/>
+                </a:solidFill>
+                <a:latin typeface="Consolas" panose="020B0609020204030204" pitchFamily="49" charset="0"/>
+              </a:rPr>
+              <a:t> </a:t>
+            </a:r>
+            <a:r>
+              <a:rPr lang="ru-RU" dirty="0">
+                <a:solidFill>
+                  <a:srgbClr val="000000"/>
+                </a:solidFill>
+                <a:latin typeface="Consolas" panose="020B0609020204030204" pitchFamily="49" charset="0"/>
+              </a:rPr>
+              <a:t>дружественного метода</a:t>
+            </a:r>
+            <a:r>
+              <a:rPr lang="en-US" dirty="0">
+                <a:solidFill>
+                  <a:srgbClr val="000000"/>
+                </a:solidFill>
+                <a:latin typeface="Consolas" panose="020B0609020204030204" pitchFamily="49" charset="0"/>
+              </a:rPr>
+              <a:t>&gt; (&lt;</a:t>
+            </a:r>
+            <a:r>
+              <a:rPr lang="ru-RU" dirty="0">
+                <a:solidFill>
+                  <a:srgbClr val="000000"/>
+                </a:solidFill>
+                <a:latin typeface="Consolas" panose="020B0609020204030204" pitchFamily="49" charset="0"/>
+              </a:rPr>
+              <a:t>другое имя аргумента</a:t>
+            </a:r>
+            <a:r>
+              <a:rPr lang="en-US" dirty="0">
+                <a:solidFill>
+                  <a:srgbClr val="000000"/>
+                </a:solidFill>
+                <a:latin typeface="Consolas" panose="020B0609020204030204" pitchFamily="49" charset="0"/>
+              </a:rPr>
+              <a:t>&gt;, </a:t>
+            </a:r>
+            <a:r>
+              <a:rPr lang="ru-RU" dirty="0">
+                <a:solidFill>
+                  <a:srgbClr val="000000"/>
+                </a:solidFill>
+                <a:latin typeface="Consolas" panose="020B0609020204030204" pitchFamily="49" charset="0"/>
+              </a:rPr>
+              <a:t>…</a:t>
+            </a:r>
+            <a:r>
+              <a:rPr lang="en-US" dirty="0" smtClean="0">
+                <a:solidFill>
+                  <a:srgbClr val="000000"/>
+                </a:solidFill>
+                <a:latin typeface="Consolas" panose="020B0609020204030204" pitchFamily="49" charset="0"/>
+              </a:rPr>
+              <a:t>){…}</a:t>
+            </a:r>
+            <a:endParaRPr lang="ru-RU" dirty="0">
+              <a:solidFill>
+                <a:srgbClr val="000000"/>
+              </a:solidFill>
+              <a:latin typeface="Consolas" panose="020B0609020204030204" pitchFamily="49" charset="0"/>
+            </a:endParaRPr>
+          </a:p>
         </p:txBody>
       </p:sp>
     </p:spTree>
     <p:extLst>
       <p:ext uri="{BB962C8B-B14F-4D97-AF65-F5344CB8AC3E}">
-        <p14:creationId xmlns:p14="http://schemas.microsoft.com/office/powerpoint/2010/main" val="2045539437"/>
+        <p14:creationId xmlns:p14="http://schemas.microsoft.com/office/powerpoint/2010/main" val="3189902911"/>
       </p:ext>
     </p:extLst>
   </p:cSld>
@@ -6991,6 +6038,2107 @@
       </p:sp>
       <p:sp>
         <p:nvSpPr>
+          <p:cNvPr id="4" name="Прямоугольник 3"/>
+          <p:cNvSpPr/>
+          <p:nvPr/>
+        </p:nvSpPr>
+        <p:spPr>
+          <a:xfrm>
+            <a:off x="0" y="86916"/>
+            <a:ext cx="10948658" cy="6771084"/>
+          </a:xfrm>
+          <a:prstGeom prst="rect">
+            <a:avLst/>
+          </a:prstGeom>
+        </p:spPr>
+        <p:txBody>
+          <a:bodyPr wrap="square">
+            <a:spAutoFit/>
+          </a:bodyPr>
+          <a:lstStyle/>
+          <a:p>
+            <a:r>
+              <a:rPr lang="en-US" sz="1400" dirty="0" smtClean="0">
+                <a:solidFill>
+                  <a:srgbClr val="0000FF"/>
+                </a:solidFill>
+                <a:latin typeface="Consolas" panose="020B0609020204030204" pitchFamily="49" charset="0"/>
+              </a:rPr>
+              <a:t>template</a:t>
+            </a:r>
+            <a:r>
+              <a:rPr lang="en-US" sz="1400" dirty="0" smtClean="0">
+                <a:solidFill>
+                  <a:srgbClr val="000000"/>
+                </a:solidFill>
+                <a:latin typeface="Consolas" panose="020B0609020204030204" pitchFamily="49" charset="0"/>
+              </a:rPr>
+              <a:t> &lt;</a:t>
+            </a:r>
+            <a:r>
+              <a:rPr lang="en-US" sz="1400" dirty="0" err="1" smtClean="0">
+                <a:solidFill>
+                  <a:srgbClr val="0000FF"/>
+                </a:solidFill>
+                <a:latin typeface="Consolas" panose="020B0609020204030204" pitchFamily="49" charset="0"/>
+              </a:rPr>
+              <a:t>typename</a:t>
+            </a:r>
+            <a:r>
+              <a:rPr lang="en-US" sz="1400" dirty="0" smtClean="0">
+                <a:solidFill>
+                  <a:srgbClr val="000000"/>
+                </a:solidFill>
+                <a:latin typeface="Consolas" panose="020B0609020204030204" pitchFamily="49" charset="0"/>
+              </a:rPr>
+              <a:t> T&gt;</a:t>
+            </a:r>
+          </a:p>
+          <a:p>
+            <a:r>
+              <a:rPr lang="en-US" sz="1400" dirty="0" smtClean="0">
+                <a:solidFill>
+                  <a:srgbClr val="0000FF"/>
+                </a:solidFill>
+                <a:latin typeface="Consolas" panose="020B0609020204030204" pitchFamily="49" charset="0"/>
+              </a:rPr>
+              <a:t>class</a:t>
+            </a:r>
+            <a:r>
+              <a:rPr lang="en-US" sz="1400" dirty="0" smtClean="0">
+                <a:solidFill>
+                  <a:srgbClr val="000000"/>
+                </a:solidFill>
+                <a:latin typeface="Consolas" panose="020B0609020204030204" pitchFamily="49" charset="0"/>
+              </a:rPr>
+              <a:t> Array{</a:t>
+            </a:r>
+          </a:p>
+          <a:p>
+            <a:r>
+              <a:rPr lang="en-US" sz="1400" dirty="0" smtClean="0">
+                <a:solidFill>
+                  <a:srgbClr val="000000"/>
+                </a:solidFill>
+                <a:latin typeface="Consolas" panose="020B0609020204030204" pitchFamily="49" charset="0"/>
+              </a:rPr>
+              <a:t>    </a:t>
+            </a:r>
+            <a:r>
+              <a:rPr lang="en-US" sz="1400" dirty="0" smtClean="0">
+                <a:solidFill>
+                  <a:srgbClr val="0000FF"/>
+                </a:solidFill>
+                <a:latin typeface="Consolas" panose="020B0609020204030204" pitchFamily="49" charset="0"/>
+              </a:rPr>
+              <a:t>private:</a:t>
+            </a:r>
+            <a:endParaRPr lang="en-US" sz="1400" dirty="0" smtClean="0">
+              <a:solidFill>
+                <a:srgbClr val="000000"/>
+              </a:solidFill>
+              <a:latin typeface="Consolas" panose="020B0609020204030204" pitchFamily="49" charset="0"/>
+            </a:endParaRPr>
+          </a:p>
+          <a:p>
+            <a:r>
+              <a:rPr lang="en-US" sz="1400" dirty="0" smtClean="0">
+                <a:solidFill>
+                  <a:srgbClr val="000000"/>
+                </a:solidFill>
+                <a:latin typeface="Consolas" panose="020B0609020204030204" pitchFamily="49" charset="0"/>
+              </a:rPr>
+              <a:t>        T* container = </a:t>
+            </a:r>
+            <a:r>
+              <a:rPr lang="en-US" sz="1400" dirty="0" err="1" smtClean="0">
+                <a:solidFill>
+                  <a:srgbClr val="0000FF"/>
+                </a:solidFill>
+                <a:latin typeface="Consolas" panose="020B0609020204030204" pitchFamily="49" charset="0"/>
+              </a:rPr>
+              <a:t>nullptr</a:t>
+            </a:r>
+            <a:r>
+              <a:rPr lang="en-US" sz="1400" dirty="0" smtClean="0">
+                <a:solidFill>
+                  <a:srgbClr val="000000"/>
+                </a:solidFill>
+                <a:latin typeface="Consolas" panose="020B0609020204030204" pitchFamily="49" charset="0"/>
+              </a:rPr>
+              <a:t>;</a:t>
+            </a:r>
+          </a:p>
+          <a:p>
+            <a:r>
+              <a:rPr lang="en-US" sz="1400" dirty="0" smtClean="0">
+                <a:solidFill>
+                  <a:srgbClr val="000000"/>
+                </a:solidFill>
+                <a:latin typeface="Consolas" panose="020B0609020204030204" pitchFamily="49" charset="0"/>
+              </a:rPr>
+              <a:t>        </a:t>
+            </a:r>
+            <a:r>
+              <a:rPr lang="en-US" sz="1400" dirty="0" err="1" smtClean="0">
+                <a:solidFill>
+                  <a:srgbClr val="0000FF"/>
+                </a:solidFill>
+                <a:latin typeface="Consolas" panose="020B0609020204030204" pitchFamily="49" charset="0"/>
+              </a:rPr>
+              <a:t>int</a:t>
+            </a:r>
+            <a:r>
+              <a:rPr lang="en-US" sz="1400" dirty="0" smtClean="0">
+                <a:solidFill>
+                  <a:srgbClr val="000000"/>
+                </a:solidFill>
+                <a:latin typeface="Consolas" panose="020B0609020204030204" pitchFamily="49" charset="0"/>
+              </a:rPr>
+              <a:t> length = </a:t>
+            </a:r>
+            <a:r>
+              <a:rPr lang="en-US" sz="1400" dirty="0" smtClean="0">
+                <a:solidFill>
+                  <a:srgbClr val="098658"/>
+                </a:solidFill>
+                <a:latin typeface="Consolas" panose="020B0609020204030204" pitchFamily="49" charset="0"/>
+              </a:rPr>
+              <a:t>0</a:t>
+            </a:r>
+            <a:r>
+              <a:rPr lang="en-US" sz="1400" dirty="0" smtClean="0">
+                <a:solidFill>
+                  <a:srgbClr val="000000"/>
+                </a:solidFill>
+                <a:latin typeface="Consolas" panose="020B0609020204030204" pitchFamily="49" charset="0"/>
+              </a:rPr>
+              <a:t>;</a:t>
+            </a:r>
+          </a:p>
+          <a:p>
+            <a:r>
+              <a:rPr lang="en-US" sz="1400" dirty="0" smtClean="0">
+                <a:solidFill>
+                  <a:srgbClr val="000000"/>
+                </a:solidFill>
+                <a:latin typeface="Consolas" panose="020B0609020204030204" pitchFamily="49" charset="0"/>
+              </a:rPr>
+              <a:t>    </a:t>
+            </a:r>
+            <a:r>
+              <a:rPr lang="en-US" sz="1400" dirty="0" smtClean="0">
+                <a:solidFill>
+                  <a:srgbClr val="0000FF"/>
+                </a:solidFill>
+                <a:latin typeface="Consolas" panose="020B0609020204030204" pitchFamily="49" charset="0"/>
+              </a:rPr>
+              <a:t>public:</a:t>
+            </a:r>
+            <a:endParaRPr lang="en-US" sz="1400" dirty="0" smtClean="0">
+              <a:solidFill>
+                <a:srgbClr val="000000"/>
+              </a:solidFill>
+              <a:latin typeface="Consolas" panose="020B0609020204030204" pitchFamily="49" charset="0"/>
+            </a:endParaRPr>
+          </a:p>
+          <a:p>
+            <a:r>
+              <a:rPr lang="en-US" sz="1400" dirty="0" smtClean="0">
+                <a:solidFill>
+                  <a:srgbClr val="000000"/>
+                </a:solidFill>
+                <a:latin typeface="Consolas" panose="020B0609020204030204" pitchFamily="49" charset="0"/>
+              </a:rPr>
+              <a:t>        Array(</a:t>
+            </a:r>
+            <a:r>
+              <a:rPr lang="en-US" sz="1400" dirty="0" err="1" smtClean="0">
+                <a:solidFill>
+                  <a:srgbClr val="0000FF"/>
+                </a:solidFill>
+                <a:latin typeface="Consolas" panose="020B0609020204030204" pitchFamily="49" charset="0"/>
+              </a:rPr>
+              <a:t>const</a:t>
+            </a:r>
+            <a:r>
+              <a:rPr lang="en-US" sz="1400" dirty="0" smtClean="0">
+                <a:solidFill>
+                  <a:srgbClr val="000000"/>
+                </a:solidFill>
+                <a:latin typeface="Consolas" panose="020B0609020204030204" pitchFamily="49" charset="0"/>
+              </a:rPr>
+              <a:t> </a:t>
+            </a:r>
+            <a:r>
+              <a:rPr lang="en-US" sz="1400" dirty="0" err="1" smtClean="0">
+                <a:solidFill>
+                  <a:srgbClr val="0000FF"/>
+                </a:solidFill>
+                <a:latin typeface="Consolas" panose="020B0609020204030204" pitchFamily="49" charset="0"/>
+              </a:rPr>
+              <a:t>int</a:t>
+            </a:r>
+            <a:r>
+              <a:rPr lang="en-US" sz="1400" dirty="0" smtClean="0">
+                <a:solidFill>
+                  <a:srgbClr val="000000"/>
+                </a:solidFill>
+                <a:latin typeface="Consolas" panose="020B0609020204030204" pitchFamily="49" charset="0"/>
+              </a:rPr>
+              <a:t> N, T </a:t>
+            </a:r>
+            <a:r>
+              <a:rPr lang="en-US" sz="1400" dirty="0" err="1" smtClean="0">
+                <a:solidFill>
+                  <a:srgbClr val="000000"/>
+                </a:solidFill>
+                <a:latin typeface="Consolas" panose="020B0609020204030204" pitchFamily="49" charset="0"/>
+              </a:rPr>
+              <a:t>nuller</a:t>
+            </a:r>
+            <a:r>
+              <a:rPr lang="en-US" sz="1400" dirty="0" smtClean="0">
+                <a:solidFill>
+                  <a:srgbClr val="000000"/>
+                </a:solidFill>
+                <a:latin typeface="Consolas" panose="020B0609020204030204" pitchFamily="49" charset="0"/>
+              </a:rPr>
+              <a:t> = </a:t>
+            </a:r>
+            <a:r>
+              <a:rPr lang="en-US" sz="1400" dirty="0" smtClean="0">
+                <a:solidFill>
+                  <a:srgbClr val="098658"/>
+                </a:solidFill>
+                <a:latin typeface="Consolas" panose="020B0609020204030204" pitchFamily="49" charset="0"/>
+              </a:rPr>
+              <a:t>0</a:t>
+            </a:r>
+            <a:r>
+              <a:rPr lang="en-US" sz="1400" dirty="0" smtClean="0">
+                <a:solidFill>
+                  <a:srgbClr val="000000"/>
+                </a:solidFill>
+                <a:latin typeface="Consolas" panose="020B0609020204030204" pitchFamily="49" charset="0"/>
+              </a:rPr>
+              <a:t>): length(N), container(</a:t>
+            </a:r>
+            <a:r>
+              <a:rPr lang="en-US" sz="1400" dirty="0" smtClean="0">
+                <a:solidFill>
+                  <a:srgbClr val="0000FF"/>
+                </a:solidFill>
+                <a:latin typeface="Consolas" panose="020B0609020204030204" pitchFamily="49" charset="0"/>
+              </a:rPr>
+              <a:t>new</a:t>
+            </a:r>
+            <a:r>
+              <a:rPr lang="en-US" sz="1400" dirty="0" smtClean="0">
+                <a:solidFill>
+                  <a:srgbClr val="000000"/>
+                </a:solidFill>
+                <a:latin typeface="Consolas" panose="020B0609020204030204" pitchFamily="49" charset="0"/>
+              </a:rPr>
+              <a:t> T[N]){</a:t>
+            </a:r>
+          </a:p>
+          <a:p>
+            <a:r>
+              <a:rPr lang="en-US" sz="1400" dirty="0" smtClean="0">
+                <a:solidFill>
+                  <a:srgbClr val="000000"/>
+                </a:solidFill>
+                <a:latin typeface="Consolas" panose="020B0609020204030204" pitchFamily="49" charset="0"/>
+              </a:rPr>
+              <a:t>            </a:t>
+            </a:r>
+            <a:r>
+              <a:rPr lang="en-US" sz="1400" dirty="0" smtClean="0">
+                <a:solidFill>
+                  <a:srgbClr val="0000FF"/>
+                </a:solidFill>
+                <a:latin typeface="Consolas" panose="020B0609020204030204" pitchFamily="49" charset="0"/>
+              </a:rPr>
+              <a:t>for</a:t>
+            </a:r>
+            <a:r>
+              <a:rPr lang="en-US" sz="1400" dirty="0" smtClean="0">
+                <a:solidFill>
+                  <a:srgbClr val="000000"/>
+                </a:solidFill>
+                <a:latin typeface="Consolas" panose="020B0609020204030204" pitchFamily="49" charset="0"/>
+              </a:rPr>
+              <a:t>(</a:t>
+            </a:r>
+            <a:r>
+              <a:rPr lang="en-US" sz="1400" dirty="0" err="1" smtClean="0">
+                <a:solidFill>
+                  <a:srgbClr val="0000FF"/>
+                </a:solidFill>
+                <a:latin typeface="Consolas" panose="020B0609020204030204" pitchFamily="49" charset="0"/>
+              </a:rPr>
+              <a:t>int</a:t>
+            </a:r>
+            <a:r>
+              <a:rPr lang="en-US" sz="1400" dirty="0" smtClean="0">
+                <a:solidFill>
+                  <a:srgbClr val="000000"/>
+                </a:solidFill>
+                <a:latin typeface="Consolas" panose="020B0609020204030204" pitchFamily="49" charset="0"/>
+              </a:rPr>
+              <a:t> </a:t>
+            </a:r>
+            <a:r>
+              <a:rPr lang="en-US" sz="1400" dirty="0" err="1" smtClean="0">
+                <a:solidFill>
+                  <a:srgbClr val="000000"/>
+                </a:solidFill>
+                <a:latin typeface="Consolas" panose="020B0609020204030204" pitchFamily="49" charset="0"/>
+              </a:rPr>
+              <a:t>i</a:t>
+            </a:r>
+            <a:r>
+              <a:rPr lang="en-US" sz="1400" dirty="0" smtClean="0">
+                <a:solidFill>
+                  <a:srgbClr val="000000"/>
+                </a:solidFill>
+                <a:latin typeface="Consolas" panose="020B0609020204030204" pitchFamily="49" charset="0"/>
+              </a:rPr>
+              <a:t> = </a:t>
+            </a:r>
+            <a:r>
+              <a:rPr lang="en-US" sz="1400" dirty="0" smtClean="0">
+                <a:solidFill>
+                  <a:srgbClr val="098658"/>
+                </a:solidFill>
+                <a:latin typeface="Consolas" panose="020B0609020204030204" pitchFamily="49" charset="0"/>
+              </a:rPr>
+              <a:t>0</a:t>
+            </a:r>
+            <a:r>
+              <a:rPr lang="en-US" sz="1400" dirty="0" smtClean="0">
+                <a:solidFill>
+                  <a:srgbClr val="000000"/>
+                </a:solidFill>
+                <a:latin typeface="Consolas" panose="020B0609020204030204" pitchFamily="49" charset="0"/>
+              </a:rPr>
+              <a:t>; </a:t>
+            </a:r>
+            <a:r>
+              <a:rPr lang="en-US" sz="1400" dirty="0" err="1" smtClean="0">
+                <a:solidFill>
+                  <a:srgbClr val="000000"/>
+                </a:solidFill>
+                <a:latin typeface="Consolas" panose="020B0609020204030204" pitchFamily="49" charset="0"/>
+              </a:rPr>
+              <a:t>i</a:t>
+            </a:r>
+            <a:r>
+              <a:rPr lang="en-US" sz="1400" dirty="0" smtClean="0">
+                <a:solidFill>
+                  <a:srgbClr val="000000"/>
+                </a:solidFill>
+                <a:latin typeface="Consolas" panose="020B0609020204030204" pitchFamily="49" charset="0"/>
+              </a:rPr>
+              <a:t> &lt; length; </a:t>
+            </a:r>
+            <a:r>
+              <a:rPr lang="en-US" sz="1400" dirty="0" err="1" smtClean="0">
+                <a:solidFill>
+                  <a:srgbClr val="000000"/>
+                </a:solidFill>
+                <a:latin typeface="Consolas" panose="020B0609020204030204" pitchFamily="49" charset="0"/>
+              </a:rPr>
+              <a:t>i</a:t>
+            </a:r>
+            <a:r>
+              <a:rPr lang="en-US" sz="1400" dirty="0" smtClean="0">
+                <a:solidFill>
+                  <a:srgbClr val="000000"/>
+                </a:solidFill>
+                <a:latin typeface="Consolas" panose="020B0609020204030204" pitchFamily="49" charset="0"/>
+              </a:rPr>
+              <a:t>++)</a:t>
+            </a:r>
+          </a:p>
+          <a:p>
+            <a:r>
+              <a:rPr lang="en-US" sz="1400" dirty="0" smtClean="0">
+                <a:solidFill>
+                  <a:srgbClr val="000000"/>
+                </a:solidFill>
+                <a:latin typeface="Consolas" panose="020B0609020204030204" pitchFamily="49" charset="0"/>
+              </a:rPr>
+              <a:t>                container[</a:t>
+            </a:r>
+            <a:r>
+              <a:rPr lang="en-US" sz="1400" dirty="0" err="1" smtClean="0">
+                <a:solidFill>
+                  <a:srgbClr val="000000"/>
+                </a:solidFill>
+                <a:latin typeface="Consolas" panose="020B0609020204030204" pitchFamily="49" charset="0"/>
+              </a:rPr>
+              <a:t>i</a:t>
+            </a:r>
+            <a:r>
+              <a:rPr lang="en-US" sz="1400" dirty="0" smtClean="0">
+                <a:solidFill>
+                  <a:srgbClr val="000000"/>
+                </a:solidFill>
+                <a:latin typeface="Consolas" panose="020B0609020204030204" pitchFamily="49" charset="0"/>
+              </a:rPr>
+              <a:t>] = </a:t>
+            </a:r>
+            <a:r>
+              <a:rPr lang="en-US" sz="1400" dirty="0" err="1" smtClean="0">
+                <a:solidFill>
+                  <a:srgbClr val="000000"/>
+                </a:solidFill>
+                <a:latin typeface="Consolas" panose="020B0609020204030204" pitchFamily="49" charset="0"/>
+              </a:rPr>
+              <a:t>nuller</a:t>
+            </a:r>
+            <a:r>
+              <a:rPr lang="en-US" sz="1400" dirty="0" smtClean="0">
+                <a:solidFill>
+                  <a:srgbClr val="000000"/>
+                </a:solidFill>
+                <a:latin typeface="Consolas" panose="020B0609020204030204" pitchFamily="49" charset="0"/>
+              </a:rPr>
+              <a:t>;</a:t>
+            </a:r>
+          </a:p>
+          <a:p>
+            <a:r>
+              <a:rPr lang="en-US" sz="1400" dirty="0" smtClean="0">
+                <a:solidFill>
+                  <a:srgbClr val="000000"/>
+                </a:solidFill>
+                <a:latin typeface="Consolas" panose="020B0609020204030204" pitchFamily="49" charset="0"/>
+              </a:rPr>
+              <a:t>        }</a:t>
+            </a:r>
+          </a:p>
+          <a:p>
+            <a:r>
+              <a:rPr lang="en-US" sz="1400" dirty="0" smtClean="0">
+                <a:solidFill>
+                  <a:srgbClr val="000000"/>
+                </a:solidFill>
+                <a:latin typeface="Consolas" panose="020B0609020204030204" pitchFamily="49" charset="0"/>
+              </a:rPr>
+              <a:t>        T</a:t>
+            </a:r>
+            <a:r>
+              <a:rPr lang="en-US" sz="1400" dirty="0" smtClean="0">
+                <a:solidFill>
+                  <a:srgbClr val="0000FF"/>
+                </a:solidFill>
+                <a:latin typeface="Consolas" panose="020B0609020204030204" pitchFamily="49" charset="0"/>
+              </a:rPr>
+              <a:t>&amp;</a:t>
+            </a:r>
+            <a:r>
+              <a:rPr lang="en-US" sz="1400" dirty="0" smtClean="0">
+                <a:solidFill>
+                  <a:srgbClr val="000000"/>
+                </a:solidFill>
+                <a:latin typeface="Consolas" panose="020B0609020204030204" pitchFamily="49" charset="0"/>
+              </a:rPr>
+              <a:t> operator[](</a:t>
+            </a:r>
+            <a:r>
+              <a:rPr lang="en-US" sz="1400" dirty="0" err="1" smtClean="0">
+                <a:solidFill>
+                  <a:srgbClr val="0000FF"/>
+                </a:solidFill>
+                <a:latin typeface="Consolas" panose="020B0609020204030204" pitchFamily="49" charset="0"/>
+              </a:rPr>
+              <a:t>int</a:t>
+            </a:r>
+            <a:r>
+              <a:rPr lang="en-US" sz="1400" dirty="0" smtClean="0">
+                <a:solidFill>
+                  <a:srgbClr val="000000"/>
+                </a:solidFill>
+                <a:latin typeface="Consolas" panose="020B0609020204030204" pitchFamily="49" charset="0"/>
+              </a:rPr>
+              <a:t> </a:t>
+            </a:r>
+            <a:r>
+              <a:rPr lang="en-US" sz="1400" dirty="0" err="1" smtClean="0">
+                <a:solidFill>
+                  <a:srgbClr val="000000"/>
+                </a:solidFill>
+                <a:latin typeface="Consolas" panose="020B0609020204030204" pitchFamily="49" charset="0"/>
+              </a:rPr>
+              <a:t>i</a:t>
+            </a:r>
+            <a:r>
+              <a:rPr lang="en-US" sz="1400" dirty="0" smtClean="0">
+                <a:solidFill>
+                  <a:srgbClr val="000000"/>
+                </a:solidFill>
+                <a:latin typeface="Consolas" panose="020B0609020204030204" pitchFamily="49" charset="0"/>
+              </a:rPr>
+              <a:t>) {</a:t>
+            </a:r>
+          </a:p>
+          <a:p>
+            <a:r>
+              <a:rPr lang="en-US" sz="1400" dirty="0" smtClean="0">
+                <a:solidFill>
+                  <a:srgbClr val="000000"/>
+                </a:solidFill>
+                <a:latin typeface="Consolas" panose="020B0609020204030204" pitchFamily="49" charset="0"/>
+              </a:rPr>
+              <a:t>            </a:t>
+            </a:r>
+            <a:r>
+              <a:rPr lang="en-US" sz="1400" dirty="0" smtClean="0">
+                <a:solidFill>
+                  <a:srgbClr val="0000FF"/>
+                </a:solidFill>
+                <a:latin typeface="Consolas" panose="020B0609020204030204" pitchFamily="49" charset="0"/>
+              </a:rPr>
+              <a:t>return</a:t>
+            </a:r>
+            <a:r>
+              <a:rPr lang="en-US" sz="1400" dirty="0" smtClean="0">
+                <a:solidFill>
+                  <a:srgbClr val="000000"/>
+                </a:solidFill>
+                <a:latin typeface="Consolas" panose="020B0609020204030204" pitchFamily="49" charset="0"/>
+              </a:rPr>
+              <a:t> container[</a:t>
+            </a:r>
+            <a:r>
+              <a:rPr lang="en-US" sz="1400" dirty="0" err="1" smtClean="0">
+                <a:solidFill>
+                  <a:srgbClr val="000000"/>
+                </a:solidFill>
+                <a:latin typeface="Consolas" panose="020B0609020204030204" pitchFamily="49" charset="0"/>
+              </a:rPr>
+              <a:t>i</a:t>
+            </a:r>
+            <a:r>
+              <a:rPr lang="en-US" sz="1400" dirty="0" smtClean="0">
+                <a:solidFill>
+                  <a:srgbClr val="000000"/>
+                </a:solidFill>
+                <a:latin typeface="Consolas" panose="020B0609020204030204" pitchFamily="49" charset="0"/>
+              </a:rPr>
+              <a:t>];</a:t>
+            </a:r>
+          </a:p>
+          <a:p>
+            <a:r>
+              <a:rPr lang="en-US" sz="1400" dirty="0" smtClean="0">
+                <a:solidFill>
+                  <a:srgbClr val="000000"/>
+                </a:solidFill>
+                <a:latin typeface="Consolas" panose="020B0609020204030204" pitchFamily="49" charset="0"/>
+              </a:rPr>
+              <a:t>        }</a:t>
+            </a:r>
+          </a:p>
+          <a:p>
+            <a:r>
+              <a:rPr lang="en-US" sz="1400" dirty="0" smtClean="0">
+                <a:solidFill>
+                  <a:srgbClr val="000000"/>
+                </a:solidFill>
+                <a:latin typeface="Consolas" panose="020B0609020204030204" pitchFamily="49" charset="0"/>
+              </a:rPr>
+              <a:t>        </a:t>
+            </a:r>
+            <a:r>
+              <a:rPr lang="en-US" sz="1400" dirty="0" err="1" smtClean="0">
+                <a:solidFill>
+                  <a:srgbClr val="000000"/>
+                </a:solidFill>
+                <a:latin typeface="Consolas" panose="020B0609020204030204" pitchFamily="49" charset="0"/>
+              </a:rPr>
+              <a:t>getLen</a:t>
+            </a:r>
+            <a:r>
+              <a:rPr lang="en-US" sz="1400" dirty="0" smtClean="0">
+                <a:solidFill>
+                  <a:srgbClr val="000000"/>
+                </a:solidFill>
+                <a:latin typeface="Consolas" panose="020B0609020204030204" pitchFamily="49" charset="0"/>
+              </a:rPr>
+              <a:t>() {</a:t>
+            </a:r>
+          </a:p>
+          <a:p>
+            <a:r>
+              <a:rPr lang="en-US" sz="1400" dirty="0" smtClean="0">
+                <a:solidFill>
+                  <a:srgbClr val="000000"/>
+                </a:solidFill>
+                <a:latin typeface="Consolas" panose="020B0609020204030204" pitchFamily="49" charset="0"/>
+              </a:rPr>
+              <a:t>            </a:t>
+            </a:r>
+            <a:r>
+              <a:rPr lang="en-US" sz="1400" dirty="0" smtClean="0">
+                <a:solidFill>
+                  <a:srgbClr val="0000FF"/>
+                </a:solidFill>
+                <a:latin typeface="Consolas" panose="020B0609020204030204" pitchFamily="49" charset="0"/>
+              </a:rPr>
+              <a:t>return</a:t>
+            </a:r>
+            <a:r>
+              <a:rPr lang="en-US" sz="1400" dirty="0" smtClean="0">
+                <a:solidFill>
+                  <a:srgbClr val="000000"/>
+                </a:solidFill>
+                <a:latin typeface="Consolas" panose="020B0609020204030204" pitchFamily="49" charset="0"/>
+              </a:rPr>
+              <a:t> length;</a:t>
+            </a:r>
+          </a:p>
+          <a:p>
+            <a:r>
+              <a:rPr lang="en-US" sz="1400" dirty="0" smtClean="0">
+                <a:solidFill>
+                  <a:srgbClr val="000000"/>
+                </a:solidFill>
+                <a:latin typeface="Consolas" panose="020B0609020204030204" pitchFamily="49" charset="0"/>
+              </a:rPr>
+              <a:t>        }</a:t>
+            </a:r>
+          </a:p>
+          <a:p>
+            <a:r>
+              <a:rPr lang="en-US" sz="1400" dirty="0" smtClean="0">
+                <a:solidFill>
+                  <a:srgbClr val="000000"/>
+                </a:solidFill>
+                <a:latin typeface="Consolas" panose="020B0609020204030204" pitchFamily="49" charset="0"/>
+              </a:rPr>
+              <a:t>        </a:t>
+            </a:r>
+            <a:r>
+              <a:rPr lang="en-US" sz="1400" dirty="0" smtClean="0">
+                <a:solidFill>
+                  <a:srgbClr val="0000FF"/>
+                </a:solidFill>
+                <a:latin typeface="Consolas" panose="020B0609020204030204" pitchFamily="49" charset="0"/>
+              </a:rPr>
+              <a:t>void</a:t>
+            </a:r>
+            <a:r>
+              <a:rPr lang="en-US" sz="1400" dirty="0" smtClean="0">
+                <a:solidFill>
+                  <a:srgbClr val="000000"/>
+                </a:solidFill>
+                <a:latin typeface="Consolas" panose="020B0609020204030204" pitchFamily="49" charset="0"/>
+              </a:rPr>
+              <a:t> unite(Array</a:t>
+            </a:r>
+            <a:r>
+              <a:rPr lang="en-US" sz="1400" dirty="0" smtClean="0">
+                <a:solidFill>
+                  <a:srgbClr val="0000FF"/>
+                </a:solidFill>
+                <a:latin typeface="Consolas" panose="020B0609020204030204" pitchFamily="49" charset="0"/>
+              </a:rPr>
+              <a:t>&amp;</a:t>
+            </a:r>
+            <a:r>
+              <a:rPr lang="en-US" sz="1400" dirty="0" smtClean="0">
+                <a:solidFill>
+                  <a:srgbClr val="000000"/>
+                </a:solidFill>
+                <a:latin typeface="Consolas" panose="020B0609020204030204" pitchFamily="49" charset="0"/>
+              </a:rPr>
+              <a:t> second){</a:t>
+            </a:r>
+          </a:p>
+          <a:p>
+            <a:r>
+              <a:rPr lang="en-US" sz="1400" dirty="0" smtClean="0">
+                <a:solidFill>
+                  <a:srgbClr val="000000"/>
+                </a:solidFill>
+                <a:latin typeface="Consolas" panose="020B0609020204030204" pitchFamily="49" charset="0"/>
+              </a:rPr>
+              <a:t>            T* result = </a:t>
+            </a:r>
+            <a:r>
+              <a:rPr lang="en-US" sz="1400" dirty="0" smtClean="0">
+                <a:solidFill>
+                  <a:srgbClr val="0000FF"/>
+                </a:solidFill>
+                <a:latin typeface="Consolas" panose="020B0609020204030204" pitchFamily="49" charset="0"/>
+              </a:rPr>
+              <a:t>new</a:t>
+            </a:r>
+            <a:r>
+              <a:rPr lang="en-US" sz="1400" dirty="0" smtClean="0">
+                <a:solidFill>
+                  <a:srgbClr val="000000"/>
+                </a:solidFill>
+                <a:latin typeface="Consolas" panose="020B0609020204030204" pitchFamily="49" charset="0"/>
+              </a:rPr>
+              <a:t> T[length + </a:t>
+            </a:r>
+            <a:r>
+              <a:rPr lang="en-US" sz="1400" dirty="0" err="1" smtClean="0">
+                <a:solidFill>
+                  <a:srgbClr val="000000"/>
+                </a:solidFill>
+                <a:latin typeface="Consolas" panose="020B0609020204030204" pitchFamily="49" charset="0"/>
+              </a:rPr>
+              <a:t>second.length</a:t>
+            </a:r>
+            <a:r>
+              <a:rPr lang="en-US" sz="1400" dirty="0" smtClean="0">
+                <a:solidFill>
+                  <a:srgbClr val="000000"/>
+                </a:solidFill>
+                <a:latin typeface="Consolas" panose="020B0609020204030204" pitchFamily="49" charset="0"/>
+              </a:rPr>
+              <a:t>];</a:t>
+            </a:r>
+          </a:p>
+          <a:p>
+            <a:r>
+              <a:rPr lang="en-US" sz="1400" dirty="0" smtClean="0">
+                <a:solidFill>
+                  <a:srgbClr val="000000"/>
+                </a:solidFill>
+                <a:latin typeface="Consolas" panose="020B0609020204030204" pitchFamily="49" charset="0"/>
+              </a:rPr>
+              <a:t>            </a:t>
+            </a:r>
+            <a:r>
+              <a:rPr lang="en-US" sz="1400" dirty="0" err="1" smtClean="0">
+                <a:solidFill>
+                  <a:srgbClr val="0000FF"/>
+                </a:solidFill>
+                <a:latin typeface="Consolas" panose="020B0609020204030204" pitchFamily="49" charset="0"/>
+              </a:rPr>
+              <a:t>int</a:t>
+            </a:r>
+            <a:r>
+              <a:rPr lang="en-US" sz="1400" dirty="0" smtClean="0">
+                <a:solidFill>
+                  <a:srgbClr val="000000"/>
+                </a:solidFill>
+                <a:latin typeface="Consolas" panose="020B0609020204030204" pitchFamily="49" charset="0"/>
+              </a:rPr>
+              <a:t> k = </a:t>
+            </a:r>
+            <a:r>
+              <a:rPr lang="en-US" sz="1400" dirty="0" smtClean="0">
+                <a:solidFill>
+                  <a:srgbClr val="098658"/>
+                </a:solidFill>
+                <a:latin typeface="Consolas" panose="020B0609020204030204" pitchFamily="49" charset="0"/>
+              </a:rPr>
+              <a:t>0</a:t>
+            </a:r>
+            <a:r>
+              <a:rPr lang="en-US" sz="1400" dirty="0" smtClean="0">
+                <a:solidFill>
+                  <a:srgbClr val="000000"/>
+                </a:solidFill>
+                <a:latin typeface="Consolas" panose="020B0609020204030204" pitchFamily="49" charset="0"/>
+              </a:rPr>
+              <a:t>;</a:t>
+            </a:r>
+          </a:p>
+          <a:p>
+            <a:r>
+              <a:rPr lang="en-US" sz="1400" dirty="0" smtClean="0">
+                <a:solidFill>
+                  <a:srgbClr val="000000"/>
+                </a:solidFill>
+                <a:latin typeface="Consolas" panose="020B0609020204030204" pitchFamily="49" charset="0"/>
+              </a:rPr>
+              <a:t>            </a:t>
+            </a:r>
+            <a:r>
+              <a:rPr lang="en-US" sz="1400" dirty="0" smtClean="0">
+                <a:solidFill>
+                  <a:srgbClr val="0000FF"/>
+                </a:solidFill>
+                <a:latin typeface="Consolas" panose="020B0609020204030204" pitchFamily="49" charset="0"/>
+              </a:rPr>
+              <a:t>for</a:t>
+            </a:r>
+            <a:r>
+              <a:rPr lang="en-US" sz="1400" dirty="0" smtClean="0">
+                <a:solidFill>
+                  <a:srgbClr val="000000"/>
+                </a:solidFill>
+                <a:latin typeface="Consolas" panose="020B0609020204030204" pitchFamily="49" charset="0"/>
+              </a:rPr>
+              <a:t>(</a:t>
+            </a:r>
+            <a:r>
+              <a:rPr lang="en-US" sz="1400" dirty="0" err="1" smtClean="0">
+                <a:solidFill>
+                  <a:srgbClr val="0000FF"/>
+                </a:solidFill>
+                <a:latin typeface="Consolas" panose="020B0609020204030204" pitchFamily="49" charset="0"/>
+              </a:rPr>
+              <a:t>int</a:t>
+            </a:r>
+            <a:r>
+              <a:rPr lang="en-US" sz="1400" dirty="0" smtClean="0">
+                <a:solidFill>
+                  <a:srgbClr val="000000"/>
+                </a:solidFill>
+                <a:latin typeface="Consolas" panose="020B0609020204030204" pitchFamily="49" charset="0"/>
+              </a:rPr>
+              <a:t> </a:t>
+            </a:r>
+            <a:r>
+              <a:rPr lang="en-US" sz="1400" dirty="0" err="1" smtClean="0">
+                <a:solidFill>
+                  <a:srgbClr val="000000"/>
+                </a:solidFill>
+                <a:latin typeface="Consolas" panose="020B0609020204030204" pitchFamily="49" charset="0"/>
+              </a:rPr>
+              <a:t>i</a:t>
+            </a:r>
+            <a:r>
+              <a:rPr lang="en-US" sz="1400" dirty="0" smtClean="0">
+                <a:solidFill>
+                  <a:srgbClr val="000000"/>
+                </a:solidFill>
+                <a:latin typeface="Consolas" panose="020B0609020204030204" pitchFamily="49" charset="0"/>
+              </a:rPr>
+              <a:t> = </a:t>
+            </a:r>
+            <a:r>
+              <a:rPr lang="en-US" sz="1400" dirty="0" smtClean="0">
+                <a:solidFill>
+                  <a:srgbClr val="098658"/>
+                </a:solidFill>
+                <a:latin typeface="Consolas" panose="020B0609020204030204" pitchFamily="49" charset="0"/>
+              </a:rPr>
+              <a:t>0</a:t>
+            </a:r>
+            <a:r>
+              <a:rPr lang="en-US" sz="1400" dirty="0" smtClean="0">
+                <a:solidFill>
+                  <a:srgbClr val="000000"/>
+                </a:solidFill>
+                <a:latin typeface="Consolas" panose="020B0609020204030204" pitchFamily="49" charset="0"/>
+              </a:rPr>
+              <a:t>; </a:t>
+            </a:r>
+            <a:r>
+              <a:rPr lang="en-US" sz="1400" dirty="0" err="1" smtClean="0">
+                <a:solidFill>
+                  <a:srgbClr val="000000"/>
+                </a:solidFill>
+                <a:latin typeface="Consolas" panose="020B0609020204030204" pitchFamily="49" charset="0"/>
+              </a:rPr>
+              <a:t>i</a:t>
+            </a:r>
+            <a:r>
+              <a:rPr lang="en-US" sz="1400" dirty="0" smtClean="0">
+                <a:solidFill>
+                  <a:srgbClr val="000000"/>
+                </a:solidFill>
+                <a:latin typeface="Consolas" panose="020B0609020204030204" pitchFamily="49" charset="0"/>
+              </a:rPr>
+              <a:t> &lt; length; </a:t>
+            </a:r>
+            <a:r>
+              <a:rPr lang="en-US" sz="1400" dirty="0" err="1" smtClean="0">
+                <a:solidFill>
+                  <a:srgbClr val="000000"/>
+                </a:solidFill>
+                <a:latin typeface="Consolas" panose="020B0609020204030204" pitchFamily="49" charset="0"/>
+              </a:rPr>
+              <a:t>i</a:t>
+            </a:r>
+            <a:r>
+              <a:rPr lang="en-US" sz="1400" dirty="0" smtClean="0">
+                <a:solidFill>
+                  <a:srgbClr val="000000"/>
+                </a:solidFill>
+                <a:latin typeface="Consolas" panose="020B0609020204030204" pitchFamily="49" charset="0"/>
+              </a:rPr>
+              <a:t>++){</a:t>
+            </a:r>
+          </a:p>
+          <a:p>
+            <a:r>
+              <a:rPr lang="en-US" sz="1400" dirty="0" smtClean="0">
+                <a:solidFill>
+                  <a:srgbClr val="000000"/>
+                </a:solidFill>
+                <a:latin typeface="Consolas" panose="020B0609020204030204" pitchFamily="49" charset="0"/>
+              </a:rPr>
+              <a:t>                result[k++] = container[</a:t>
+            </a:r>
+            <a:r>
+              <a:rPr lang="en-US" sz="1400" dirty="0" err="1" smtClean="0">
+                <a:solidFill>
+                  <a:srgbClr val="000000"/>
+                </a:solidFill>
+                <a:latin typeface="Consolas" panose="020B0609020204030204" pitchFamily="49" charset="0"/>
+              </a:rPr>
+              <a:t>i</a:t>
+            </a:r>
+            <a:r>
+              <a:rPr lang="en-US" sz="1400" dirty="0" smtClean="0">
+                <a:solidFill>
+                  <a:srgbClr val="000000"/>
+                </a:solidFill>
+                <a:latin typeface="Consolas" panose="020B0609020204030204" pitchFamily="49" charset="0"/>
+              </a:rPr>
+              <a:t>];</a:t>
+            </a:r>
+          </a:p>
+          <a:p>
+            <a:r>
+              <a:rPr lang="en-US" sz="1400" dirty="0" smtClean="0">
+                <a:solidFill>
+                  <a:srgbClr val="000000"/>
+                </a:solidFill>
+                <a:latin typeface="Consolas" panose="020B0609020204030204" pitchFamily="49" charset="0"/>
+              </a:rPr>
+              <a:t>            }</a:t>
+            </a:r>
+          </a:p>
+          <a:p>
+            <a:r>
+              <a:rPr lang="en-US" sz="1400" dirty="0" smtClean="0">
+                <a:solidFill>
+                  <a:srgbClr val="000000"/>
+                </a:solidFill>
+                <a:latin typeface="Consolas" panose="020B0609020204030204" pitchFamily="49" charset="0"/>
+              </a:rPr>
+              <a:t>            </a:t>
+            </a:r>
+            <a:r>
+              <a:rPr lang="en-US" sz="1400" dirty="0" smtClean="0">
+                <a:solidFill>
+                  <a:srgbClr val="0000FF"/>
+                </a:solidFill>
+                <a:latin typeface="Consolas" panose="020B0609020204030204" pitchFamily="49" charset="0"/>
+              </a:rPr>
+              <a:t>for</a:t>
+            </a:r>
+            <a:r>
+              <a:rPr lang="en-US" sz="1400" dirty="0" smtClean="0">
+                <a:solidFill>
+                  <a:srgbClr val="000000"/>
+                </a:solidFill>
+                <a:latin typeface="Consolas" panose="020B0609020204030204" pitchFamily="49" charset="0"/>
+              </a:rPr>
+              <a:t>(</a:t>
+            </a:r>
+            <a:r>
+              <a:rPr lang="en-US" sz="1400" dirty="0" err="1" smtClean="0">
+                <a:solidFill>
+                  <a:srgbClr val="0000FF"/>
+                </a:solidFill>
+                <a:latin typeface="Consolas" panose="020B0609020204030204" pitchFamily="49" charset="0"/>
+              </a:rPr>
+              <a:t>int</a:t>
+            </a:r>
+            <a:r>
+              <a:rPr lang="en-US" sz="1400" dirty="0" smtClean="0">
+                <a:solidFill>
+                  <a:srgbClr val="000000"/>
+                </a:solidFill>
+                <a:latin typeface="Consolas" panose="020B0609020204030204" pitchFamily="49" charset="0"/>
+              </a:rPr>
+              <a:t> </a:t>
+            </a:r>
+            <a:r>
+              <a:rPr lang="en-US" sz="1400" dirty="0" err="1" smtClean="0">
+                <a:solidFill>
+                  <a:srgbClr val="000000"/>
+                </a:solidFill>
+                <a:latin typeface="Consolas" panose="020B0609020204030204" pitchFamily="49" charset="0"/>
+              </a:rPr>
+              <a:t>i</a:t>
+            </a:r>
+            <a:r>
+              <a:rPr lang="en-US" sz="1400" dirty="0" smtClean="0">
+                <a:solidFill>
+                  <a:srgbClr val="000000"/>
+                </a:solidFill>
+                <a:latin typeface="Consolas" panose="020B0609020204030204" pitchFamily="49" charset="0"/>
+              </a:rPr>
+              <a:t> = </a:t>
+            </a:r>
+            <a:r>
+              <a:rPr lang="en-US" sz="1400" dirty="0" smtClean="0">
+                <a:solidFill>
+                  <a:srgbClr val="098658"/>
+                </a:solidFill>
+                <a:latin typeface="Consolas" panose="020B0609020204030204" pitchFamily="49" charset="0"/>
+              </a:rPr>
+              <a:t>0</a:t>
+            </a:r>
+            <a:r>
+              <a:rPr lang="en-US" sz="1400" dirty="0" smtClean="0">
+                <a:solidFill>
+                  <a:srgbClr val="000000"/>
+                </a:solidFill>
+                <a:latin typeface="Consolas" panose="020B0609020204030204" pitchFamily="49" charset="0"/>
+              </a:rPr>
+              <a:t>; </a:t>
+            </a:r>
+            <a:r>
+              <a:rPr lang="en-US" sz="1400" dirty="0" err="1" smtClean="0">
+                <a:solidFill>
+                  <a:srgbClr val="000000"/>
+                </a:solidFill>
+                <a:latin typeface="Consolas" panose="020B0609020204030204" pitchFamily="49" charset="0"/>
+              </a:rPr>
+              <a:t>i</a:t>
+            </a:r>
+            <a:r>
+              <a:rPr lang="en-US" sz="1400" dirty="0" smtClean="0">
+                <a:solidFill>
+                  <a:srgbClr val="000000"/>
+                </a:solidFill>
+                <a:latin typeface="Consolas" panose="020B0609020204030204" pitchFamily="49" charset="0"/>
+              </a:rPr>
+              <a:t> &lt; </a:t>
+            </a:r>
+            <a:r>
+              <a:rPr lang="en-US" sz="1400" dirty="0" err="1" smtClean="0">
+                <a:solidFill>
+                  <a:srgbClr val="000000"/>
+                </a:solidFill>
+                <a:latin typeface="Consolas" panose="020B0609020204030204" pitchFamily="49" charset="0"/>
+              </a:rPr>
+              <a:t>second.length</a:t>
+            </a:r>
+            <a:r>
+              <a:rPr lang="en-US" sz="1400" dirty="0" smtClean="0">
+                <a:solidFill>
+                  <a:srgbClr val="000000"/>
+                </a:solidFill>
+                <a:latin typeface="Consolas" panose="020B0609020204030204" pitchFamily="49" charset="0"/>
+              </a:rPr>
+              <a:t>; </a:t>
+            </a:r>
+            <a:r>
+              <a:rPr lang="en-US" sz="1400" dirty="0" err="1" smtClean="0">
+                <a:solidFill>
+                  <a:srgbClr val="000000"/>
+                </a:solidFill>
+                <a:latin typeface="Consolas" panose="020B0609020204030204" pitchFamily="49" charset="0"/>
+              </a:rPr>
+              <a:t>i</a:t>
+            </a:r>
+            <a:r>
+              <a:rPr lang="en-US" sz="1400" dirty="0" smtClean="0">
+                <a:solidFill>
+                  <a:srgbClr val="000000"/>
+                </a:solidFill>
+                <a:latin typeface="Consolas" panose="020B0609020204030204" pitchFamily="49" charset="0"/>
+              </a:rPr>
+              <a:t>++)</a:t>
+            </a:r>
+          </a:p>
+          <a:p>
+            <a:r>
+              <a:rPr lang="en-US" sz="1400" dirty="0" smtClean="0">
+                <a:solidFill>
+                  <a:srgbClr val="000000"/>
+                </a:solidFill>
+                <a:latin typeface="Consolas" panose="020B0609020204030204" pitchFamily="49" charset="0"/>
+              </a:rPr>
+              <a:t>                result[k++] = second[</a:t>
+            </a:r>
+            <a:r>
+              <a:rPr lang="en-US" sz="1400" dirty="0" err="1" smtClean="0">
+                <a:solidFill>
+                  <a:srgbClr val="000000"/>
+                </a:solidFill>
+                <a:latin typeface="Consolas" panose="020B0609020204030204" pitchFamily="49" charset="0"/>
+              </a:rPr>
+              <a:t>i</a:t>
+            </a:r>
+            <a:r>
+              <a:rPr lang="en-US" sz="1400" dirty="0" smtClean="0">
+                <a:solidFill>
+                  <a:srgbClr val="000000"/>
+                </a:solidFill>
+                <a:latin typeface="Consolas" panose="020B0609020204030204" pitchFamily="49" charset="0"/>
+              </a:rPr>
+              <a:t>];</a:t>
+            </a:r>
+          </a:p>
+          <a:p>
+            <a:r>
+              <a:rPr lang="en-US" sz="1400" dirty="0" smtClean="0">
+                <a:solidFill>
+                  <a:srgbClr val="000000"/>
+                </a:solidFill>
+                <a:latin typeface="Consolas" panose="020B0609020204030204" pitchFamily="49" charset="0"/>
+              </a:rPr>
+              <a:t>            delete container;</a:t>
+            </a:r>
+          </a:p>
+          <a:p>
+            <a:r>
+              <a:rPr lang="en-US" sz="1400" dirty="0" smtClean="0">
+                <a:solidFill>
+                  <a:srgbClr val="000000"/>
+                </a:solidFill>
+                <a:latin typeface="Consolas" panose="020B0609020204030204" pitchFamily="49" charset="0"/>
+              </a:rPr>
+              <a:t>            container = result;</a:t>
+            </a:r>
+          </a:p>
+          <a:p>
+            <a:r>
+              <a:rPr lang="en-US" sz="1400" dirty="0" smtClean="0">
+                <a:solidFill>
+                  <a:srgbClr val="000000"/>
+                </a:solidFill>
+                <a:latin typeface="Consolas" panose="020B0609020204030204" pitchFamily="49" charset="0"/>
+              </a:rPr>
+              <a:t>            length += </a:t>
+            </a:r>
+            <a:r>
+              <a:rPr lang="en-US" sz="1400" dirty="0" err="1" smtClean="0">
+                <a:solidFill>
+                  <a:srgbClr val="000000"/>
+                </a:solidFill>
+                <a:latin typeface="Consolas" panose="020B0609020204030204" pitchFamily="49" charset="0"/>
+              </a:rPr>
+              <a:t>second.length</a:t>
+            </a:r>
+            <a:r>
+              <a:rPr lang="en-US" sz="1400" dirty="0" smtClean="0">
+                <a:solidFill>
+                  <a:srgbClr val="000000"/>
+                </a:solidFill>
+                <a:latin typeface="Consolas" panose="020B0609020204030204" pitchFamily="49" charset="0"/>
+              </a:rPr>
+              <a:t>;</a:t>
+            </a:r>
+          </a:p>
+          <a:p>
+            <a:r>
+              <a:rPr lang="en-US" sz="1400" dirty="0" smtClean="0">
+                <a:solidFill>
+                  <a:srgbClr val="000000"/>
+                </a:solidFill>
+                <a:latin typeface="Consolas" panose="020B0609020204030204" pitchFamily="49" charset="0"/>
+              </a:rPr>
+              <a:t>        }</a:t>
+            </a:r>
+          </a:p>
+          <a:p>
+            <a:r>
+              <a:rPr lang="en-US" sz="1400" dirty="0" smtClean="0">
+                <a:solidFill>
+                  <a:srgbClr val="000000"/>
+                </a:solidFill>
+                <a:latin typeface="Consolas" panose="020B0609020204030204" pitchFamily="49" charset="0"/>
+              </a:rPr>
+              <a:t>        </a:t>
+            </a:r>
+            <a:r>
+              <a:rPr lang="en-US" sz="1400" dirty="0" smtClean="0">
+                <a:solidFill>
+                  <a:srgbClr val="0000FF"/>
+                </a:solidFill>
+                <a:latin typeface="Consolas" panose="020B0609020204030204" pitchFamily="49" charset="0"/>
+              </a:rPr>
+              <a:t>template</a:t>
+            </a:r>
+            <a:r>
+              <a:rPr lang="en-US" sz="1400" dirty="0" smtClean="0">
+                <a:solidFill>
+                  <a:srgbClr val="000000"/>
+                </a:solidFill>
+                <a:latin typeface="Consolas" panose="020B0609020204030204" pitchFamily="49" charset="0"/>
+              </a:rPr>
+              <a:t> &lt;</a:t>
+            </a:r>
+            <a:r>
+              <a:rPr lang="en-US" sz="1400" dirty="0" err="1" smtClean="0">
+                <a:solidFill>
+                  <a:srgbClr val="0000FF"/>
+                </a:solidFill>
+                <a:latin typeface="Consolas" panose="020B0609020204030204" pitchFamily="49" charset="0"/>
+              </a:rPr>
+              <a:t>typename</a:t>
+            </a:r>
+            <a:r>
+              <a:rPr lang="en-US" sz="1400" dirty="0" smtClean="0">
+                <a:solidFill>
+                  <a:srgbClr val="000000"/>
+                </a:solidFill>
+                <a:latin typeface="Consolas" panose="020B0609020204030204" pitchFamily="49" charset="0"/>
+              </a:rPr>
+              <a:t> TF&gt;</a:t>
+            </a:r>
+          </a:p>
+          <a:p>
+            <a:r>
+              <a:rPr lang="en-US" sz="1400" dirty="0" smtClean="0">
+                <a:solidFill>
+                  <a:srgbClr val="000000"/>
+                </a:solidFill>
+                <a:latin typeface="Consolas" panose="020B0609020204030204" pitchFamily="49" charset="0"/>
+              </a:rPr>
+              <a:t>        </a:t>
+            </a:r>
+            <a:r>
+              <a:rPr lang="en-US" sz="1400" dirty="0" smtClean="0">
+                <a:solidFill>
+                  <a:srgbClr val="0000FF"/>
+                </a:solidFill>
+                <a:latin typeface="Consolas" panose="020B0609020204030204" pitchFamily="49" charset="0"/>
+              </a:rPr>
+              <a:t>friend</a:t>
+            </a:r>
+            <a:r>
+              <a:rPr lang="en-US" sz="1400" dirty="0" smtClean="0">
+                <a:solidFill>
+                  <a:srgbClr val="000000"/>
+                </a:solidFill>
+                <a:latin typeface="Consolas" panose="020B0609020204030204" pitchFamily="49" charset="0"/>
+              </a:rPr>
+              <a:t> </a:t>
+            </a:r>
+            <a:r>
+              <a:rPr lang="en-US" sz="1400" dirty="0" err="1" smtClean="0">
+                <a:solidFill>
+                  <a:srgbClr val="000000"/>
+                </a:solidFill>
+                <a:latin typeface="Consolas" panose="020B0609020204030204" pitchFamily="49" charset="0"/>
+              </a:rPr>
+              <a:t>ostream</a:t>
+            </a:r>
+            <a:r>
+              <a:rPr lang="en-US" sz="1400" dirty="0" smtClean="0">
+                <a:solidFill>
+                  <a:srgbClr val="0000FF"/>
+                </a:solidFill>
+                <a:latin typeface="Consolas" panose="020B0609020204030204" pitchFamily="49" charset="0"/>
+              </a:rPr>
+              <a:t>&amp;</a:t>
+            </a:r>
+            <a:r>
+              <a:rPr lang="en-US" sz="1400" dirty="0" smtClean="0">
+                <a:solidFill>
+                  <a:srgbClr val="000000"/>
+                </a:solidFill>
+                <a:latin typeface="Consolas" panose="020B0609020204030204" pitchFamily="49" charset="0"/>
+              </a:rPr>
+              <a:t> </a:t>
+            </a:r>
+            <a:r>
+              <a:rPr lang="en-US" sz="1400" dirty="0" smtClean="0">
+                <a:solidFill>
+                  <a:srgbClr val="0000FF"/>
+                </a:solidFill>
+                <a:latin typeface="Consolas" panose="020B0609020204030204" pitchFamily="49" charset="0"/>
+              </a:rPr>
+              <a:t>operator</a:t>
+            </a:r>
+            <a:r>
+              <a:rPr lang="en-US" sz="1400" dirty="0" smtClean="0">
+                <a:solidFill>
+                  <a:srgbClr val="000000"/>
+                </a:solidFill>
+                <a:latin typeface="Consolas" panose="020B0609020204030204" pitchFamily="49" charset="0"/>
+              </a:rPr>
+              <a:t>&lt;&lt;(</a:t>
+            </a:r>
+            <a:r>
+              <a:rPr lang="en-US" sz="1400" dirty="0" err="1" smtClean="0">
+                <a:solidFill>
+                  <a:srgbClr val="000000"/>
+                </a:solidFill>
+                <a:latin typeface="Consolas" panose="020B0609020204030204" pitchFamily="49" charset="0"/>
+              </a:rPr>
+              <a:t>ostream</a:t>
+            </a:r>
+            <a:r>
+              <a:rPr lang="en-US" sz="1400" dirty="0" smtClean="0">
+                <a:solidFill>
+                  <a:srgbClr val="0000FF"/>
+                </a:solidFill>
+                <a:latin typeface="Consolas" panose="020B0609020204030204" pitchFamily="49" charset="0"/>
+              </a:rPr>
+              <a:t>&amp;</a:t>
+            </a:r>
+            <a:r>
+              <a:rPr lang="en-US" sz="1400" dirty="0" smtClean="0">
+                <a:solidFill>
+                  <a:srgbClr val="000000"/>
+                </a:solidFill>
+                <a:latin typeface="Consolas" panose="020B0609020204030204" pitchFamily="49" charset="0"/>
+              </a:rPr>
+              <a:t> out, Array&lt;TF&gt;</a:t>
+            </a:r>
+            <a:r>
+              <a:rPr lang="en-US" sz="1400" dirty="0" smtClean="0">
+                <a:solidFill>
+                  <a:srgbClr val="0000FF"/>
+                </a:solidFill>
+                <a:latin typeface="Consolas" panose="020B0609020204030204" pitchFamily="49" charset="0"/>
+              </a:rPr>
+              <a:t>&amp;</a:t>
+            </a:r>
+            <a:r>
+              <a:rPr lang="en-US" sz="1400" dirty="0" smtClean="0">
+                <a:solidFill>
+                  <a:srgbClr val="000000"/>
+                </a:solidFill>
+                <a:latin typeface="Consolas" panose="020B0609020204030204" pitchFamily="49" charset="0"/>
+              </a:rPr>
+              <a:t> </a:t>
+            </a:r>
+            <a:r>
+              <a:rPr lang="en-US" sz="1400" dirty="0" err="1" smtClean="0">
+                <a:solidFill>
+                  <a:srgbClr val="000000"/>
+                </a:solidFill>
+                <a:latin typeface="Consolas" panose="020B0609020204030204" pitchFamily="49" charset="0"/>
+              </a:rPr>
+              <a:t>arr</a:t>
+            </a:r>
+            <a:r>
+              <a:rPr lang="en-US" sz="1400" dirty="0" smtClean="0">
+                <a:solidFill>
+                  <a:srgbClr val="000000"/>
+                </a:solidFill>
+                <a:latin typeface="Consolas" panose="020B0609020204030204" pitchFamily="49" charset="0"/>
+              </a:rPr>
+              <a:t>);</a:t>
+            </a:r>
+          </a:p>
+          <a:p>
+            <a:r>
+              <a:rPr lang="en-US" sz="1400" dirty="0" smtClean="0">
+                <a:solidFill>
+                  <a:srgbClr val="000000"/>
+                </a:solidFill>
+                <a:latin typeface="Consolas" panose="020B0609020204030204" pitchFamily="49" charset="0"/>
+              </a:rPr>
+              <a:t>};</a:t>
+            </a:r>
+            <a:endParaRPr lang="en-US" sz="1400" b="0" dirty="0">
+              <a:solidFill>
+                <a:srgbClr val="000000"/>
+              </a:solidFill>
+              <a:effectLst/>
+              <a:latin typeface="Consolas" panose="020B0609020204030204" pitchFamily="49" charset="0"/>
+            </a:endParaRPr>
+          </a:p>
+        </p:txBody>
+      </p:sp>
+      <p:sp>
+        <p:nvSpPr>
+          <p:cNvPr id="5" name="Прямоугольник 4"/>
+          <p:cNvSpPr/>
+          <p:nvPr/>
+        </p:nvSpPr>
+        <p:spPr>
+          <a:xfrm>
+            <a:off x="6388728" y="2241351"/>
+            <a:ext cx="5670487" cy="2462213"/>
+          </a:xfrm>
+          <a:prstGeom prst="rect">
+            <a:avLst/>
+          </a:prstGeom>
+        </p:spPr>
+        <p:txBody>
+          <a:bodyPr wrap="square">
+            <a:spAutoFit/>
+          </a:bodyPr>
+          <a:lstStyle/>
+          <a:p>
+            <a:r>
+              <a:rPr lang="en-US" sz="1400" dirty="0">
+                <a:solidFill>
+                  <a:srgbClr val="0000FF"/>
+                </a:solidFill>
+                <a:latin typeface="Consolas" panose="020B0609020204030204" pitchFamily="49" charset="0"/>
+              </a:rPr>
+              <a:t>template</a:t>
+            </a:r>
+            <a:r>
+              <a:rPr lang="en-US" sz="1400" dirty="0">
+                <a:solidFill>
+                  <a:srgbClr val="000000"/>
+                </a:solidFill>
+                <a:latin typeface="Consolas" panose="020B0609020204030204" pitchFamily="49" charset="0"/>
+              </a:rPr>
+              <a:t> &lt;</a:t>
+            </a:r>
+            <a:r>
+              <a:rPr lang="en-US" sz="1400" dirty="0" err="1">
+                <a:solidFill>
+                  <a:srgbClr val="0000FF"/>
+                </a:solidFill>
+                <a:latin typeface="Consolas" panose="020B0609020204030204" pitchFamily="49" charset="0"/>
+              </a:rPr>
+              <a:t>typename</a:t>
+            </a:r>
+            <a:r>
+              <a:rPr lang="en-US" sz="1400" dirty="0">
+                <a:solidFill>
+                  <a:srgbClr val="000000"/>
+                </a:solidFill>
+                <a:latin typeface="Consolas" panose="020B0609020204030204" pitchFamily="49" charset="0"/>
+              </a:rPr>
+              <a:t> T&gt;</a:t>
+            </a:r>
+          </a:p>
+          <a:p>
+            <a:r>
+              <a:rPr lang="en-US" sz="1400" dirty="0" err="1">
+                <a:solidFill>
+                  <a:srgbClr val="000000"/>
+                </a:solidFill>
+                <a:latin typeface="Consolas" panose="020B0609020204030204" pitchFamily="49" charset="0"/>
+              </a:rPr>
+              <a:t>ostream</a:t>
+            </a:r>
+            <a:r>
+              <a:rPr lang="en-US" sz="1400" dirty="0">
+                <a:solidFill>
+                  <a:srgbClr val="0000FF"/>
+                </a:solidFill>
+                <a:latin typeface="Consolas" panose="020B0609020204030204" pitchFamily="49" charset="0"/>
+              </a:rPr>
+              <a:t>&amp;</a:t>
+            </a:r>
+            <a:r>
+              <a:rPr lang="en-US" sz="1400" dirty="0">
+                <a:solidFill>
+                  <a:srgbClr val="000000"/>
+                </a:solidFill>
+                <a:latin typeface="Consolas" panose="020B0609020204030204" pitchFamily="49" charset="0"/>
+              </a:rPr>
+              <a:t> </a:t>
+            </a:r>
+            <a:r>
+              <a:rPr lang="en-US" sz="1400" dirty="0">
+                <a:solidFill>
+                  <a:srgbClr val="0000FF"/>
+                </a:solidFill>
+                <a:latin typeface="Consolas" panose="020B0609020204030204" pitchFamily="49" charset="0"/>
+              </a:rPr>
+              <a:t>operator</a:t>
+            </a:r>
+            <a:r>
+              <a:rPr lang="en-US" sz="1400" dirty="0">
+                <a:solidFill>
+                  <a:srgbClr val="000000"/>
+                </a:solidFill>
+                <a:latin typeface="Consolas" panose="020B0609020204030204" pitchFamily="49" charset="0"/>
+              </a:rPr>
+              <a:t>&lt;&lt;(</a:t>
+            </a:r>
+            <a:r>
+              <a:rPr lang="en-US" sz="1400" dirty="0" err="1">
+                <a:solidFill>
+                  <a:srgbClr val="000000"/>
+                </a:solidFill>
+                <a:latin typeface="Consolas" panose="020B0609020204030204" pitchFamily="49" charset="0"/>
+              </a:rPr>
+              <a:t>ostream</a:t>
+            </a:r>
+            <a:r>
+              <a:rPr lang="en-US" sz="1400" dirty="0">
+                <a:solidFill>
+                  <a:srgbClr val="0000FF"/>
+                </a:solidFill>
+                <a:latin typeface="Consolas" panose="020B0609020204030204" pitchFamily="49" charset="0"/>
+              </a:rPr>
+              <a:t>&amp;</a:t>
+            </a:r>
+            <a:r>
+              <a:rPr lang="en-US" sz="1400" dirty="0">
+                <a:solidFill>
+                  <a:srgbClr val="000000"/>
+                </a:solidFill>
+                <a:latin typeface="Consolas" panose="020B0609020204030204" pitchFamily="49" charset="0"/>
+              </a:rPr>
+              <a:t> out, Array&lt;T&gt;</a:t>
+            </a:r>
+            <a:r>
+              <a:rPr lang="en-US" sz="1400" dirty="0">
+                <a:solidFill>
+                  <a:srgbClr val="0000FF"/>
+                </a:solidFill>
+                <a:latin typeface="Consolas" panose="020B0609020204030204" pitchFamily="49" charset="0"/>
+              </a:rPr>
+              <a:t>&amp;</a:t>
+            </a:r>
+            <a:r>
+              <a:rPr lang="en-US" sz="1400" dirty="0">
+                <a:solidFill>
+                  <a:srgbClr val="000000"/>
+                </a:solidFill>
+                <a:latin typeface="Consolas" panose="020B0609020204030204" pitchFamily="49" charset="0"/>
+              </a:rPr>
+              <a:t> </a:t>
+            </a:r>
+            <a:r>
+              <a:rPr lang="en-US" sz="1400" dirty="0" err="1">
+                <a:solidFill>
+                  <a:srgbClr val="000000"/>
+                </a:solidFill>
+                <a:latin typeface="Consolas" panose="020B0609020204030204" pitchFamily="49" charset="0"/>
+              </a:rPr>
+              <a:t>arr</a:t>
+            </a:r>
+            <a:r>
+              <a:rPr lang="en-US" sz="1400" dirty="0">
+                <a:solidFill>
+                  <a:srgbClr val="000000"/>
+                </a:solidFill>
+                <a:latin typeface="Consolas" panose="020B0609020204030204" pitchFamily="49" charset="0"/>
+              </a:rPr>
+              <a:t>){</a:t>
+            </a:r>
+          </a:p>
+          <a:p>
+            <a:r>
+              <a:rPr lang="en-US" sz="1400" dirty="0">
+                <a:solidFill>
+                  <a:srgbClr val="000000"/>
+                </a:solidFill>
+                <a:latin typeface="Consolas" panose="020B0609020204030204" pitchFamily="49" charset="0"/>
+              </a:rPr>
+              <a:t>    out &lt;&lt; </a:t>
+            </a:r>
+            <a:r>
+              <a:rPr lang="en-US" sz="1400" dirty="0">
+                <a:solidFill>
+                  <a:srgbClr val="A31515"/>
+                </a:solidFill>
+                <a:latin typeface="Consolas" panose="020B0609020204030204" pitchFamily="49" charset="0"/>
+              </a:rPr>
+              <a:t>"[ "</a:t>
+            </a:r>
+            <a:r>
+              <a:rPr lang="en-US" sz="1400" dirty="0">
+                <a:solidFill>
+                  <a:srgbClr val="000000"/>
+                </a:solidFill>
+                <a:latin typeface="Consolas" panose="020B0609020204030204" pitchFamily="49" charset="0"/>
+              </a:rPr>
+              <a:t>;</a:t>
+            </a:r>
+          </a:p>
+          <a:p>
+            <a:r>
+              <a:rPr lang="en-US" sz="1400" dirty="0">
+                <a:solidFill>
+                  <a:srgbClr val="000000"/>
+                </a:solidFill>
+                <a:latin typeface="Consolas" panose="020B0609020204030204" pitchFamily="49" charset="0"/>
+              </a:rPr>
+              <a:t>    </a:t>
+            </a:r>
+            <a:r>
+              <a:rPr lang="en-US" sz="1400" dirty="0">
+                <a:solidFill>
+                  <a:srgbClr val="0000FF"/>
+                </a:solidFill>
+                <a:latin typeface="Consolas" panose="020B0609020204030204" pitchFamily="49" charset="0"/>
+              </a:rPr>
+              <a:t>for</a:t>
+            </a:r>
+            <a:r>
+              <a:rPr lang="en-US" sz="1400" dirty="0">
+                <a:solidFill>
+                  <a:srgbClr val="000000"/>
+                </a:solidFill>
+                <a:latin typeface="Consolas" panose="020B0609020204030204" pitchFamily="49" charset="0"/>
+              </a:rPr>
+              <a:t>(</a:t>
+            </a:r>
+            <a:r>
+              <a:rPr lang="en-US" sz="1400" dirty="0" err="1">
+                <a:solidFill>
+                  <a:srgbClr val="0000FF"/>
+                </a:solidFill>
+                <a:latin typeface="Consolas" panose="020B0609020204030204" pitchFamily="49" charset="0"/>
+              </a:rPr>
+              <a:t>int</a:t>
+            </a:r>
+            <a:r>
+              <a:rPr lang="en-US" sz="1400" dirty="0">
+                <a:solidFill>
+                  <a:srgbClr val="000000"/>
+                </a:solidFill>
+                <a:latin typeface="Consolas" panose="020B0609020204030204" pitchFamily="49" charset="0"/>
+              </a:rPr>
+              <a:t> </a:t>
+            </a:r>
+            <a:r>
+              <a:rPr lang="en-US" sz="1400" dirty="0" err="1">
+                <a:solidFill>
+                  <a:srgbClr val="000000"/>
+                </a:solidFill>
+                <a:latin typeface="Consolas" panose="020B0609020204030204" pitchFamily="49" charset="0"/>
+              </a:rPr>
+              <a:t>i</a:t>
+            </a:r>
+            <a:r>
+              <a:rPr lang="en-US" sz="1400" dirty="0">
+                <a:solidFill>
+                  <a:srgbClr val="000000"/>
+                </a:solidFill>
+                <a:latin typeface="Consolas" panose="020B0609020204030204" pitchFamily="49" charset="0"/>
+              </a:rPr>
+              <a:t> = </a:t>
+            </a:r>
+            <a:r>
+              <a:rPr lang="en-US" sz="1400" dirty="0">
+                <a:solidFill>
+                  <a:srgbClr val="098658"/>
+                </a:solidFill>
+                <a:latin typeface="Consolas" panose="020B0609020204030204" pitchFamily="49" charset="0"/>
+              </a:rPr>
+              <a:t>0</a:t>
+            </a:r>
+            <a:r>
+              <a:rPr lang="en-US" sz="1400" dirty="0">
+                <a:solidFill>
+                  <a:srgbClr val="000000"/>
+                </a:solidFill>
+                <a:latin typeface="Consolas" panose="020B0609020204030204" pitchFamily="49" charset="0"/>
+              </a:rPr>
+              <a:t>; </a:t>
+            </a:r>
+            <a:r>
+              <a:rPr lang="en-US" sz="1400" dirty="0" err="1">
+                <a:solidFill>
+                  <a:srgbClr val="000000"/>
+                </a:solidFill>
+                <a:latin typeface="Consolas" panose="020B0609020204030204" pitchFamily="49" charset="0"/>
+              </a:rPr>
+              <a:t>i</a:t>
+            </a:r>
+            <a:r>
+              <a:rPr lang="en-US" sz="1400" dirty="0">
+                <a:solidFill>
+                  <a:srgbClr val="000000"/>
+                </a:solidFill>
+                <a:latin typeface="Consolas" panose="020B0609020204030204" pitchFamily="49" charset="0"/>
+              </a:rPr>
+              <a:t> &lt; </a:t>
+            </a:r>
+            <a:r>
+              <a:rPr lang="en-US" sz="1400" dirty="0" err="1">
+                <a:solidFill>
+                  <a:srgbClr val="000000"/>
+                </a:solidFill>
+                <a:latin typeface="Consolas" panose="020B0609020204030204" pitchFamily="49" charset="0"/>
+              </a:rPr>
+              <a:t>arr.length</a:t>
+            </a:r>
+            <a:r>
+              <a:rPr lang="en-US" sz="1400" dirty="0">
+                <a:solidFill>
+                  <a:srgbClr val="000000"/>
+                </a:solidFill>
+                <a:latin typeface="Consolas" panose="020B0609020204030204" pitchFamily="49" charset="0"/>
+              </a:rPr>
+              <a:t>; </a:t>
+            </a:r>
+            <a:r>
+              <a:rPr lang="en-US" sz="1400" dirty="0" err="1">
+                <a:solidFill>
+                  <a:srgbClr val="000000"/>
+                </a:solidFill>
+                <a:latin typeface="Consolas" panose="020B0609020204030204" pitchFamily="49" charset="0"/>
+              </a:rPr>
+              <a:t>i</a:t>
+            </a:r>
+            <a:r>
+              <a:rPr lang="en-US" sz="1400" dirty="0">
+                <a:solidFill>
+                  <a:srgbClr val="000000"/>
+                </a:solidFill>
+                <a:latin typeface="Consolas" panose="020B0609020204030204" pitchFamily="49" charset="0"/>
+              </a:rPr>
+              <a:t>++)</a:t>
+            </a:r>
+          </a:p>
+          <a:p>
+            <a:r>
+              <a:rPr lang="en-US" sz="1400" dirty="0">
+                <a:solidFill>
+                  <a:srgbClr val="000000"/>
+                </a:solidFill>
+                <a:latin typeface="Consolas" panose="020B0609020204030204" pitchFamily="49" charset="0"/>
+              </a:rPr>
+              <a:t>        </a:t>
+            </a:r>
+            <a:r>
+              <a:rPr lang="en-US" sz="1400" dirty="0">
+                <a:solidFill>
+                  <a:srgbClr val="0000FF"/>
+                </a:solidFill>
+                <a:latin typeface="Consolas" panose="020B0609020204030204" pitchFamily="49" charset="0"/>
+              </a:rPr>
+              <a:t>if</a:t>
+            </a:r>
+            <a:r>
+              <a:rPr lang="en-US" sz="1400" dirty="0">
+                <a:solidFill>
+                  <a:srgbClr val="000000"/>
+                </a:solidFill>
+                <a:latin typeface="Consolas" panose="020B0609020204030204" pitchFamily="49" charset="0"/>
+              </a:rPr>
+              <a:t> (</a:t>
+            </a:r>
+            <a:r>
+              <a:rPr lang="en-US" sz="1400" dirty="0" err="1">
+                <a:solidFill>
+                  <a:srgbClr val="000000"/>
+                </a:solidFill>
+                <a:latin typeface="Consolas" panose="020B0609020204030204" pitchFamily="49" charset="0"/>
+              </a:rPr>
+              <a:t>i</a:t>
+            </a:r>
+            <a:r>
+              <a:rPr lang="en-US" sz="1400" dirty="0">
+                <a:solidFill>
+                  <a:srgbClr val="000000"/>
+                </a:solidFill>
+                <a:latin typeface="Consolas" panose="020B0609020204030204" pitchFamily="49" charset="0"/>
+              </a:rPr>
+              <a:t> != </a:t>
+            </a:r>
+            <a:r>
+              <a:rPr lang="en-US" sz="1400" dirty="0" err="1">
+                <a:solidFill>
+                  <a:srgbClr val="000000"/>
+                </a:solidFill>
+                <a:latin typeface="Consolas" panose="020B0609020204030204" pitchFamily="49" charset="0"/>
+              </a:rPr>
+              <a:t>arr.length</a:t>
+            </a:r>
+            <a:r>
+              <a:rPr lang="en-US" sz="1400" dirty="0">
+                <a:solidFill>
+                  <a:srgbClr val="000000"/>
+                </a:solidFill>
+                <a:latin typeface="Consolas" panose="020B0609020204030204" pitchFamily="49" charset="0"/>
+              </a:rPr>
+              <a:t> - </a:t>
+            </a:r>
+            <a:r>
+              <a:rPr lang="en-US" sz="1400" dirty="0">
+                <a:solidFill>
+                  <a:srgbClr val="098658"/>
+                </a:solidFill>
+                <a:latin typeface="Consolas" panose="020B0609020204030204" pitchFamily="49" charset="0"/>
+              </a:rPr>
+              <a:t>1</a:t>
+            </a:r>
+            <a:r>
+              <a:rPr lang="en-US" sz="1400" dirty="0">
+                <a:solidFill>
+                  <a:srgbClr val="000000"/>
+                </a:solidFill>
+                <a:latin typeface="Consolas" panose="020B0609020204030204" pitchFamily="49" charset="0"/>
+              </a:rPr>
+              <a:t>)</a:t>
+            </a:r>
+          </a:p>
+          <a:p>
+            <a:r>
+              <a:rPr lang="en-US" sz="1400" dirty="0">
+                <a:solidFill>
+                  <a:srgbClr val="000000"/>
+                </a:solidFill>
+                <a:latin typeface="Consolas" panose="020B0609020204030204" pitchFamily="49" charset="0"/>
+              </a:rPr>
+              <a:t>            out &lt;&lt; </a:t>
+            </a:r>
+            <a:r>
+              <a:rPr lang="en-US" sz="1400" dirty="0" err="1">
+                <a:solidFill>
+                  <a:srgbClr val="000000"/>
+                </a:solidFill>
+                <a:latin typeface="Consolas" panose="020B0609020204030204" pitchFamily="49" charset="0"/>
+              </a:rPr>
+              <a:t>arr</a:t>
+            </a:r>
+            <a:r>
+              <a:rPr lang="en-US" sz="1400" dirty="0">
+                <a:solidFill>
+                  <a:srgbClr val="000000"/>
+                </a:solidFill>
+                <a:latin typeface="Consolas" panose="020B0609020204030204" pitchFamily="49" charset="0"/>
+              </a:rPr>
+              <a:t>[</a:t>
+            </a:r>
+            <a:r>
+              <a:rPr lang="en-US" sz="1400" dirty="0" err="1">
+                <a:solidFill>
+                  <a:srgbClr val="000000"/>
+                </a:solidFill>
+                <a:latin typeface="Consolas" panose="020B0609020204030204" pitchFamily="49" charset="0"/>
+              </a:rPr>
+              <a:t>i</a:t>
+            </a:r>
+            <a:r>
+              <a:rPr lang="en-US" sz="1400" dirty="0">
+                <a:solidFill>
+                  <a:srgbClr val="000000"/>
+                </a:solidFill>
+                <a:latin typeface="Consolas" panose="020B0609020204030204" pitchFamily="49" charset="0"/>
+              </a:rPr>
+              <a:t>] &lt;&lt; </a:t>
+            </a:r>
+            <a:r>
+              <a:rPr lang="en-US" sz="1400" dirty="0">
+                <a:solidFill>
+                  <a:srgbClr val="A31515"/>
+                </a:solidFill>
+                <a:latin typeface="Consolas" panose="020B0609020204030204" pitchFamily="49" charset="0"/>
+              </a:rPr>
+              <a:t>", "</a:t>
+            </a:r>
+            <a:r>
+              <a:rPr lang="en-US" sz="1400" dirty="0">
+                <a:solidFill>
+                  <a:srgbClr val="000000"/>
+                </a:solidFill>
+                <a:latin typeface="Consolas" panose="020B0609020204030204" pitchFamily="49" charset="0"/>
+              </a:rPr>
+              <a:t>;</a:t>
+            </a:r>
+          </a:p>
+          <a:p>
+            <a:r>
+              <a:rPr lang="en-US" sz="1400" dirty="0">
+                <a:solidFill>
+                  <a:srgbClr val="000000"/>
+                </a:solidFill>
+                <a:latin typeface="Consolas" panose="020B0609020204030204" pitchFamily="49" charset="0"/>
+              </a:rPr>
+              <a:t>        </a:t>
+            </a:r>
+            <a:r>
+              <a:rPr lang="en-US" sz="1400" dirty="0">
+                <a:solidFill>
+                  <a:srgbClr val="0000FF"/>
+                </a:solidFill>
+                <a:latin typeface="Consolas" panose="020B0609020204030204" pitchFamily="49" charset="0"/>
+              </a:rPr>
+              <a:t>else</a:t>
+            </a:r>
+            <a:endParaRPr lang="en-US" sz="1400" dirty="0">
+              <a:solidFill>
+                <a:srgbClr val="000000"/>
+              </a:solidFill>
+              <a:latin typeface="Consolas" panose="020B0609020204030204" pitchFamily="49" charset="0"/>
+            </a:endParaRPr>
+          </a:p>
+          <a:p>
+            <a:r>
+              <a:rPr lang="en-US" sz="1400" dirty="0">
+                <a:solidFill>
+                  <a:srgbClr val="000000"/>
+                </a:solidFill>
+                <a:latin typeface="Consolas" panose="020B0609020204030204" pitchFamily="49" charset="0"/>
+              </a:rPr>
+              <a:t>            out &lt;&lt; </a:t>
+            </a:r>
+            <a:r>
+              <a:rPr lang="en-US" sz="1400" dirty="0" err="1">
+                <a:solidFill>
+                  <a:srgbClr val="000000"/>
+                </a:solidFill>
+                <a:latin typeface="Consolas" panose="020B0609020204030204" pitchFamily="49" charset="0"/>
+              </a:rPr>
+              <a:t>arr</a:t>
+            </a:r>
+            <a:r>
+              <a:rPr lang="en-US" sz="1400" dirty="0">
+                <a:solidFill>
+                  <a:srgbClr val="000000"/>
+                </a:solidFill>
+                <a:latin typeface="Consolas" panose="020B0609020204030204" pitchFamily="49" charset="0"/>
+              </a:rPr>
+              <a:t>[</a:t>
+            </a:r>
+            <a:r>
+              <a:rPr lang="en-US" sz="1400" dirty="0" err="1">
+                <a:solidFill>
+                  <a:srgbClr val="000000"/>
+                </a:solidFill>
+                <a:latin typeface="Consolas" panose="020B0609020204030204" pitchFamily="49" charset="0"/>
+              </a:rPr>
+              <a:t>i</a:t>
+            </a:r>
+            <a:r>
+              <a:rPr lang="en-US" sz="1400" dirty="0">
+                <a:solidFill>
+                  <a:srgbClr val="000000"/>
+                </a:solidFill>
+                <a:latin typeface="Consolas" panose="020B0609020204030204" pitchFamily="49" charset="0"/>
+              </a:rPr>
+              <a:t>];</a:t>
+            </a:r>
+          </a:p>
+          <a:p>
+            <a:r>
+              <a:rPr lang="en-US" sz="1400" dirty="0">
+                <a:solidFill>
+                  <a:srgbClr val="000000"/>
+                </a:solidFill>
+                <a:latin typeface="Consolas" panose="020B0609020204030204" pitchFamily="49" charset="0"/>
+              </a:rPr>
+              <a:t>    out &lt;&lt; </a:t>
+            </a:r>
+            <a:r>
+              <a:rPr lang="en-US" sz="1400" dirty="0">
+                <a:solidFill>
+                  <a:srgbClr val="A31515"/>
+                </a:solidFill>
+                <a:latin typeface="Consolas" panose="020B0609020204030204" pitchFamily="49" charset="0"/>
+              </a:rPr>
+              <a:t>" ]"</a:t>
+            </a:r>
+            <a:r>
+              <a:rPr lang="en-US" sz="1400" dirty="0">
+                <a:solidFill>
+                  <a:srgbClr val="000000"/>
+                </a:solidFill>
+                <a:latin typeface="Consolas" panose="020B0609020204030204" pitchFamily="49" charset="0"/>
+              </a:rPr>
+              <a:t>;</a:t>
+            </a:r>
+          </a:p>
+          <a:p>
+            <a:r>
+              <a:rPr lang="en-US" sz="1400" dirty="0">
+                <a:solidFill>
+                  <a:srgbClr val="000000"/>
+                </a:solidFill>
+                <a:latin typeface="Consolas" panose="020B0609020204030204" pitchFamily="49" charset="0"/>
+              </a:rPr>
+              <a:t>    </a:t>
+            </a:r>
+            <a:r>
+              <a:rPr lang="en-US" sz="1400" dirty="0">
+                <a:solidFill>
+                  <a:srgbClr val="0000FF"/>
+                </a:solidFill>
+                <a:latin typeface="Consolas" panose="020B0609020204030204" pitchFamily="49" charset="0"/>
+              </a:rPr>
+              <a:t>return</a:t>
+            </a:r>
+            <a:r>
+              <a:rPr lang="en-US" sz="1400" dirty="0">
+                <a:solidFill>
+                  <a:srgbClr val="000000"/>
+                </a:solidFill>
+                <a:latin typeface="Consolas" panose="020B0609020204030204" pitchFamily="49" charset="0"/>
+              </a:rPr>
+              <a:t> out;</a:t>
+            </a:r>
+          </a:p>
+          <a:p>
+            <a:r>
+              <a:rPr lang="en-US" sz="1400" dirty="0">
+                <a:solidFill>
+                  <a:srgbClr val="000000"/>
+                </a:solidFill>
+                <a:latin typeface="Consolas" panose="020B0609020204030204" pitchFamily="49" charset="0"/>
+              </a:rPr>
+              <a:t>}</a:t>
+            </a:r>
+            <a:endParaRPr lang="en-US" sz="1400" b="0" dirty="0">
+              <a:solidFill>
+                <a:srgbClr val="000000"/>
+              </a:solidFill>
+              <a:effectLst/>
+              <a:latin typeface="Consolas" panose="020B0609020204030204" pitchFamily="49" charset="0"/>
+            </a:endParaRPr>
+          </a:p>
+        </p:txBody>
+      </p:sp>
+    </p:spTree>
+    <p:extLst>
+      <p:ext uri="{BB962C8B-B14F-4D97-AF65-F5344CB8AC3E}">
+        <p14:creationId xmlns:p14="http://schemas.microsoft.com/office/powerpoint/2010/main" val="2045539437"/>
+      </p:ext>
+    </p:extLst>
+  </p:cSld>
+  <p:clrMapOvr>
+    <a:masterClrMapping/>
+  </p:clrMapOvr>
+</p:sld>
+</file>
+
+<file path=ppt/slides/slide13.xml><?xml version="1.0" encoding="utf-8"?>
+<p:sld xmlns:a="http://schemas.openxmlformats.org/drawingml/2006/main" xmlns:r="http://schemas.openxmlformats.org/officeDocument/2006/relationships" xmlns:p="http://schemas.openxmlformats.org/presentationml/2006/main">
+  <p:cSld>
+    <p:spTree>
+      <p:nvGrpSpPr>
+        <p:cNvPr id="1" name=""/>
+        <p:cNvGrpSpPr/>
+        <p:nvPr/>
+      </p:nvGrpSpPr>
+      <p:grpSpPr>
+        <a:xfrm>
+          <a:off x="0" y="0"/>
+          <a:ext cx="0" cy="0"/>
+          <a:chOff x="0" y="0"/>
+          <a:chExt cx="0" cy="0"/>
+        </a:xfrm>
+      </p:grpSpPr>
+      <p:sp>
+        <p:nvSpPr>
+          <p:cNvPr id="3" name="Прямоугольник 2"/>
+          <p:cNvSpPr/>
+          <p:nvPr/>
+        </p:nvSpPr>
+        <p:spPr>
+          <a:xfrm>
+            <a:off x="3896656" y="0"/>
+            <a:ext cx="4398705" cy="523220"/>
+          </a:xfrm>
+          <a:prstGeom prst="rect">
+            <a:avLst/>
+          </a:prstGeom>
+        </p:spPr>
+        <p:txBody>
+          <a:bodyPr wrap="none">
+            <a:spAutoFit/>
+          </a:bodyPr>
+          <a:lstStyle/>
+          <a:p>
+            <a:pPr algn="ctr"/>
+            <a:r>
+              <a:rPr lang="ru-RU" sz="2800" b="1" dirty="0" smtClean="0"/>
+              <a:t>Пример, шаблонный класс</a:t>
+            </a:r>
+            <a:endParaRPr lang="ru-RU" sz="2800" b="1" dirty="0"/>
+          </a:p>
+        </p:txBody>
+      </p:sp>
+      <p:sp>
+        <p:nvSpPr>
           <p:cNvPr id="2" name="Прямоугольник 1"/>
           <p:cNvSpPr/>
           <p:nvPr/>
@@ -7827,7 +8975,7 @@
 </p:sld>
 </file>
 
-<file path=ppt/slides/slide13.xml><?xml version="1.0" encoding="utf-8"?>
+<file path=ppt/slides/slide14.xml><?xml version="1.0" encoding="utf-8"?>
 <p:sld xmlns:a="http://schemas.openxmlformats.org/drawingml/2006/main" xmlns:r="http://schemas.openxmlformats.org/officeDocument/2006/relationships" xmlns:p="http://schemas.openxmlformats.org/presentationml/2006/main">
   <p:cSld>
     <p:spTree>
@@ -8607,7 +9755,1257 @@
 </p:sld>
 </file>
 
-<file path=ppt/slides/slide14.xml><?xml version="1.0" encoding="utf-8"?>
+<file path=ppt/slides/slide15.xml><?xml version="1.0" encoding="utf-8"?>
+<p:sld xmlns:a="http://schemas.openxmlformats.org/drawingml/2006/main" xmlns:r="http://schemas.openxmlformats.org/officeDocument/2006/relationships" xmlns:p="http://schemas.openxmlformats.org/presentationml/2006/main">
+  <p:cSld>
+    <p:spTree>
+      <p:nvGrpSpPr>
+        <p:cNvPr id="1" name=""/>
+        <p:cNvGrpSpPr/>
+        <p:nvPr/>
+      </p:nvGrpSpPr>
+      <p:grpSpPr>
+        <a:xfrm>
+          <a:off x="0" y="0"/>
+          <a:ext cx="0" cy="0"/>
+          <a:chOff x="0" y="0"/>
+          <a:chExt cx="0" cy="0"/>
+        </a:xfrm>
+      </p:grpSpPr>
+      <p:sp>
+        <p:nvSpPr>
+          <p:cNvPr id="2" name="Прямоугольник 1"/>
+          <p:cNvSpPr/>
+          <p:nvPr/>
+        </p:nvSpPr>
+        <p:spPr>
+          <a:xfrm>
+            <a:off x="3851171" y="0"/>
+            <a:ext cx="4489692" cy="523220"/>
+          </a:xfrm>
+          <a:prstGeom prst="rect">
+            <a:avLst/>
+          </a:prstGeom>
+        </p:spPr>
+        <p:txBody>
+          <a:bodyPr wrap="none">
+            <a:spAutoFit/>
+          </a:bodyPr>
+          <a:lstStyle/>
+          <a:p>
+            <a:pPr algn="ctr"/>
+            <a:r>
+              <a:rPr lang="ru-RU" sz="2800" b="1" dirty="0" smtClean="0"/>
+              <a:t>Больше фактов о шаблонах</a:t>
+            </a:r>
+            <a:endParaRPr lang="ru-RU" sz="2800" b="1" dirty="0"/>
+          </a:p>
+        </p:txBody>
+      </p:sp>
+      <p:sp>
+        <p:nvSpPr>
+          <p:cNvPr id="3" name="Прямоугольник 2"/>
+          <p:cNvSpPr/>
+          <p:nvPr/>
+        </p:nvSpPr>
+        <p:spPr>
+          <a:xfrm>
+            <a:off x="401381" y="685410"/>
+            <a:ext cx="11389255" cy="1200329"/>
+          </a:xfrm>
+          <a:prstGeom prst="rect">
+            <a:avLst/>
+          </a:prstGeom>
+        </p:spPr>
+        <p:txBody>
+          <a:bodyPr wrap="square">
+            <a:spAutoFit/>
+          </a:bodyPr>
+          <a:lstStyle/>
+          <a:p>
+            <a:r>
+              <a:rPr lang="ru-RU" dirty="0" smtClean="0"/>
+              <a:t>Тип описанный в шаблоне может использоваться с префиксом </a:t>
+            </a:r>
+            <a:r>
+              <a:rPr lang="en-US" dirty="0" err="1" smtClean="0"/>
+              <a:t>const</a:t>
+            </a:r>
+            <a:r>
+              <a:rPr lang="ru-RU" dirty="0" smtClean="0"/>
+              <a:t>, а так же может использоваться как указательный или ссылочный тип, без изменения шаблона, т.е. если есть шаблон с типом Т, то в пределах шаблонной функции или класса могут быть объявлены константы типа </a:t>
+            </a:r>
+            <a:r>
+              <a:rPr lang="en-US" dirty="0" smtClean="0"/>
+              <a:t>T</a:t>
+            </a:r>
+            <a:r>
+              <a:rPr lang="ru-RU" dirty="0" smtClean="0"/>
+              <a:t>, а так же переменные типа</a:t>
+            </a:r>
+            <a:r>
+              <a:rPr lang="en-US" dirty="0" smtClean="0"/>
+              <a:t> </a:t>
+            </a:r>
+            <a:r>
+              <a:rPr lang="ru-RU" dirty="0" smtClean="0"/>
+              <a:t>указатель на Т(Т*) и ссылка на Т(Т</a:t>
+            </a:r>
+            <a:r>
+              <a:rPr lang="en-US" dirty="0" smtClean="0"/>
+              <a:t>&amp;</a:t>
+            </a:r>
+            <a:r>
+              <a:rPr lang="ru-RU" dirty="0" smtClean="0"/>
+              <a:t>).</a:t>
+            </a:r>
+          </a:p>
+        </p:txBody>
+      </p:sp>
+      <p:sp>
+        <p:nvSpPr>
+          <p:cNvPr id="4" name="Прямоугольник 3"/>
+          <p:cNvSpPr/>
+          <p:nvPr/>
+        </p:nvSpPr>
+        <p:spPr>
+          <a:xfrm>
+            <a:off x="2875985" y="1885739"/>
+            <a:ext cx="6096000" cy="646331"/>
+          </a:xfrm>
+          <a:prstGeom prst="rect">
+            <a:avLst/>
+          </a:prstGeom>
+        </p:spPr>
+        <p:txBody>
+          <a:bodyPr>
+            <a:spAutoFit/>
+          </a:bodyPr>
+          <a:lstStyle/>
+          <a:p>
+            <a:r>
+              <a:rPr lang="fr-FR" dirty="0">
+                <a:solidFill>
+                  <a:srgbClr val="0000FF"/>
+                </a:solidFill>
+                <a:latin typeface="Consolas" panose="020B0609020204030204" pitchFamily="49" charset="0"/>
+              </a:rPr>
+              <a:t>template</a:t>
+            </a:r>
+            <a:r>
+              <a:rPr lang="fr-FR" dirty="0">
+                <a:solidFill>
+                  <a:srgbClr val="000000"/>
+                </a:solidFill>
+                <a:latin typeface="Consolas" panose="020B0609020204030204" pitchFamily="49" charset="0"/>
+              </a:rPr>
+              <a:t> &lt;</a:t>
+            </a:r>
+            <a:r>
+              <a:rPr lang="fr-FR" dirty="0">
+                <a:solidFill>
+                  <a:srgbClr val="0000FF"/>
+                </a:solidFill>
+                <a:latin typeface="Consolas" panose="020B0609020204030204" pitchFamily="49" charset="0"/>
+              </a:rPr>
+              <a:t>typename</a:t>
+            </a:r>
+            <a:r>
+              <a:rPr lang="fr-FR" dirty="0">
+                <a:solidFill>
+                  <a:srgbClr val="000000"/>
+                </a:solidFill>
+                <a:latin typeface="Consolas" panose="020B0609020204030204" pitchFamily="49" charset="0"/>
+              </a:rPr>
+              <a:t> T&gt;</a:t>
+            </a:r>
+          </a:p>
+          <a:p>
+            <a:r>
+              <a:rPr lang="fr-FR" dirty="0">
+                <a:solidFill>
+                  <a:srgbClr val="000000"/>
+                </a:solidFill>
+                <a:latin typeface="Consolas" panose="020B0609020204030204" pitchFamily="49" charset="0"/>
+              </a:rPr>
+              <a:t>T</a:t>
+            </a:r>
+            <a:r>
+              <a:rPr lang="fr-FR" dirty="0">
+                <a:solidFill>
+                  <a:srgbClr val="0000FF"/>
+                </a:solidFill>
+                <a:latin typeface="Consolas" panose="020B0609020204030204" pitchFamily="49" charset="0"/>
+              </a:rPr>
+              <a:t>*</a:t>
+            </a:r>
+            <a:r>
+              <a:rPr lang="fr-FR" dirty="0">
+                <a:solidFill>
+                  <a:srgbClr val="000000"/>
+                </a:solidFill>
+                <a:latin typeface="Consolas" panose="020B0609020204030204" pitchFamily="49" charset="0"/>
+              </a:rPr>
+              <a:t> maximum(</a:t>
+            </a:r>
+            <a:r>
+              <a:rPr lang="fr-FR" dirty="0">
+                <a:solidFill>
+                  <a:srgbClr val="0000FF"/>
+                </a:solidFill>
+                <a:latin typeface="Consolas" panose="020B0609020204030204" pitchFamily="49" charset="0"/>
+              </a:rPr>
+              <a:t>const</a:t>
+            </a:r>
+            <a:r>
+              <a:rPr lang="fr-FR" dirty="0">
+                <a:solidFill>
+                  <a:srgbClr val="000000"/>
+                </a:solidFill>
+                <a:latin typeface="Consolas" panose="020B0609020204030204" pitchFamily="49" charset="0"/>
+              </a:rPr>
+              <a:t> T</a:t>
+            </a:r>
+            <a:r>
+              <a:rPr lang="fr-FR" dirty="0">
+                <a:solidFill>
+                  <a:srgbClr val="0000FF"/>
+                </a:solidFill>
+                <a:latin typeface="Consolas" panose="020B0609020204030204" pitchFamily="49" charset="0"/>
+              </a:rPr>
+              <a:t>&amp;</a:t>
+            </a:r>
+            <a:r>
+              <a:rPr lang="fr-FR" dirty="0">
+                <a:solidFill>
+                  <a:srgbClr val="000000"/>
+                </a:solidFill>
+                <a:latin typeface="Consolas" panose="020B0609020204030204" pitchFamily="49" charset="0"/>
+              </a:rPr>
+              <a:t> a, </a:t>
+            </a:r>
+            <a:r>
+              <a:rPr lang="fr-FR" dirty="0">
+                <a:solidFill>
+                  <a:srgbClr val="0000FF"/>
+                </a:solidFill>
+                <a:latin typeface="Consolas" panose="020B0609020204030204" pitchFamily="49" charset="0"/>
+              </a:rPr>
+              <a:t>const</a:t>
+            </a:r>
+            <a:r>
+              <a:rPr lang="fr-FR" dirty="0">
+                <a:solidFill>
+                  <a:srgbClr val="000000"/>
+                </a:solidFill>
+                <a:latin typeface="Consolas" panose="020B0609020204030204" pitchFamily="49" charset="0"/>
+              </a:rPr>
+              <a:t> T</a:t>
+            </a:r>
+            <a:r>
+              <a:rPr lang="fr-FR" dirty="0">
+                <a:solidFill>
+                  <a:srgbClr val="0000FF"/>
+                </a:solidFill>
+                <a:latin typeface="Consolas" panose="020B0609020204030204" pitchFamily="49" charset="0"/>
+              </a:rPr>
+              <a:t>*</a:t>
+            </a:r>
+            <a:r>
+              <a:rPr lang="fr-FR" dirty="0">
+                <a:solidFill>
+                  <a:srgbClr val="000000"/>
+                </a:solidFill>
+                <a:latin typeface="Consolas" panose="020B0609020204030204" pitchFamily="49" charset="0"/>
+              </a:rPr>
+              <a:t> b)</a:t>
+            </a:r>
+            <a:endParaRPr lang="fr-FR" b="0" dirty="0">
+              <a:solidFill>
+                <a:srgbClr val="000000"/>
+              </a:solidFill>
+              <a:effectLst/>
+              <a:latin typeface="Consolas" panose="020B0609020204030204" pitchFamily="49" charset="0"/>
+            </a:endParaRPr>
+          </a:p>
+        </p:txBody>
+      </p:sp>
+      <p:sp>
+        <p:nvSpPr>
+          <p:cNvPr id="5" name="Прямоугольник 4"/>
+          <p:cNvSpPr/>
+          <p:nvPr/>
+        </p:nvSpPr>
+        <p:spPr>
+          <a:xfrm>
+            <a:off x="368615" y="2542969"/>
+            <a:ext cx="11389255" cy="1200329"/>
+          </a:xfrm>
+          <a:prstGeom prst="rect">
+            <a:avLst/>
+          </a:prstGeom>
+        </p:spPr>
+        <p:txBody>
+          <a:bodyPr wrap="square">
+            <a:spAutoFit/>
+          </a:bodyPr>
+          <a:lstStyle/>
+          <a:p>
+            <a:r>
+              <a:rPr lang="ru-RU" dirty="0" smtClean="0"/>
+              <a:t>Для шаблонного класса, если используется вынесение определения метода отдельно от его объявления(например в случае дробления программы на </a:t>
+            </a:r>
+            <a:r>
+              <a:rPr lang="en-US" dirty="0" smtClean="0"/>
+              <a:t>.h </a:t>
+            </a:r>
+            <a:r>
+              <a:rPr lang="ru-RU" dirty="0" smtClean="0"/>
+              <a:t>и </a:t>
+            </a:r>
+            <a:r>
+              <a:rPr lang="en-US" dirty="0" smtClean="0"/>
+              <a:t>.</a:t>
+            </a:r>
+            <a:r>
+              <a:rPr lang="en-US" dirty="0" err="1" smtClean="0"/>
+              <a:t>cpp</a:t>
+            </a:r>
+            <a:r>
+              <a:rPr lang="en-US" dirty="0" smtClean="0"/>
+              <a:t> </a:t>
+            </a:r>
+            <a:r>
+              <a:rPr lang="ru-RU" dirty="0" smtClean="0"/>
+              <a:t>файлы), при написании определений метода требуется для каждого метода использовать полное объявление шаблона(это относится и к дружественным функциям), т.е.</a:t>
+            </a:r>
+            <a:r>
+              <a:rPr lang="en-US" dirty="0" smtClean="0"/>
+              <a:t>:</a:t>
+            </a:r>
+            <a:endParaRPr lang="ru-RU" dirty="0" smtClean="0"/>
+          </a:p>
+        </p:txBody>
+      </p:sp>
+      <p:sp>
+        <p:nvSpPr>
+          <p:cNvPr id="6" name="Прямоугольник 5"/>
+          <p:cNvSpPr/>
+          <p:nvPr/>
+        </p:nvSpPr>
+        <p:spPr>
+          <a:xfrm>
+            <a:off x="401381" y="3743297"/>
+            <a:ext cx="9491042" cy="3139321"/>
+          </a:xfrm>
+          <a:prstGeom prst="rect">
+            <a:avLst/>
+          </a:prstGeom>
+        </p:spPr>
+        <p:txBody>
+          <a:bodyPr wrap="square">
+            <a:spAutoFit/>
+          </a:bodyPr>
+          <a:lstStyle/>
+          <a:p>
+            <a:r>
+              <a:rPr lang="en-US" dirty="0">
+                <a:solidFill>
+                  <a:srgbClr val="0000FF"/>
+                </a:solidFill>
+                <a:latin typeface="Consolas" panose="020B0609020204030204" pitchFamily="49" charset="0"/>
+              </a:rPr>
+              <a:t>template</a:t>
+            </a:r>
+            <a:r>
+              <a:rPr lang="en-US" dirty="0">
+                <a:solidFill>
+                  <a:srgbClr val="000000"/>
+                </a:solidFill>
+                <a:latin typeface="Consolas" panose="020B0609020204030204" pitchFamily="49" charset="0"/>
+              </a:rPr>
+              <a:t> &lt;</a:t>
+            </a:r>
+            <a:r>
+              <a:rPr lang="en-US" dirty="0" err="1">
+                <a:solidFill>
+                  <a:srgbClr val="0000FF"/>
+                </a:solidFill>
+                <a:latin typeface="Consolas" panose="020B0609020204030204" pitchFamily="49" charset="0"/>
+              </a:rPr>
+              <a:t>typename</a:t>
+            </a:r>
+            <a:r>
+              <a:rPr lang="en-US" dirty="0">
+                <a:solidFill>
+                  <a:srgbClr val="000000"/>
+                </a:solidFill>
+                <a:latin typeface="Consolas" panose="020B0609020204030204" pitchFamily="49" charset="0"/>
+              </a:rPr>
+              <a:t> T</a:t>
+            </a:r>
+            <a:r>
+              <a:rPr lang="en-US" dirty="0" smtClean="0">
+                <a:solidFill>
+                  <a:srgbClr val="000000"/>
+                </a:solidFill>
+                <a:latin typeface="Consolas" panose="020B0609020204030204" pitchFamily="49" charset="0"/>
+              </a:rPr>
+              <a:t>&gt;</a:t>
+            </a:r>
+            <a:endParaRPr lang="en-US" dirty="0" smtClean="0">
+              <a:solidFill>
+                <a:srgbClr val="0000FF"/>
+              </a:solidFill>
+              <a:latin typeface="Consolas" panose="020B0609020204030204" pitchFamily="49" charset="0"/>
+            </a:endParaRPr>
+          </a:p>
+          <a:p>
+            <a:r>
+              <a:rPr lang="en-US" dirty="0" smtClean="0">
+                <a:solidFill>
+                  <a:srgbClr val="0000FF"/>
+                </a:solidFill>
+                <a:latin typeface="Consolas" panose="020B0609020204030204" pitchFamily="49" charset="0"/>
+              </a:rPr>
+              <a:t>class</a:t>
+            </a:r>
+            <a:r>
+              <a:rPr lang="en-US" dirty="0" smtClean="0">
+                <a:solidFill>
+                  <a:srgbClr val="000000"/>
+                </a:solidFill>
+                <a:latin typeface="Consolas" panose="020B0609020204030204" pitchFamily="49" charset="0"/>
+              </a:rPr>
+              <a:t> </a:t>
+            </a:r>
+            <a:r>
+              <a:rPr lang="en-US" dirty="0">
+                <a:solidFill>
+                  <a:srgbClr val="000000"/>
+                </a:solidFill>
+                <a:latin typeface="Consolas" panose="020B0609020204030204" pitchFamily="49" charset="0"/>
+              </a:rPr>
+              <a:t>Array{</a:t>
+            </a:r>
+          </a:p>
+          <a:p>
+            <a:r>
+              <a:rPr lang="en-US" dirty="0">
+                <a:solidFill>
+                  <a:srgbClr val="000000"/>
+                </a:solidFill>
+                <a:latin typeface="Consolas" panose="020B0609020204030204" pitchFamily="49" charset="0"/>
+              </a:rPr>
+              <a:t>    </a:t>
+            </a:r>
+            <a:r>
+              <a:rPr lang="en-US" dirty="0">
+                <a:solidFill>
+                  <a:srgbClr val="0000FF"/>
+                </a:solidFill>
+                <a:latin typeface="Consolas" panose="020B0609020204030204" pitchFamily="49" charset="0"/>
+              </a:rPr>
+              <a:t>public:</a:t>
+            </a:r>
+            <a:endParaRPr lang="en-US" dirty="0">
+              <a:solidFill>
+                <a:srgbClr val="000000"/>
+              </a:solidFill>
+              <a:latin typeface="Consolas" panose="020B0609020204030204" pitchFamily="49" charset="0"/>
+            </a:endParaRPr>
+          </a:p>
+          <a:p>
+            <a:r>
+              <a:rPr lang="en-US" dirty="0">
+                <a:solidFill>
+                  <a:srgbClr val="000000"/>
+                </a:solidFill>
+                <a:latin typeface="Consolas" panose="020B0609020204030204" pitchFamily="49" charset="0"/>
+              </a:rPr>
+              <a:t>        T</a:t>
+            </a:r>
+            <a:r>
+              <a:rPr lang="en-US" dirty="0">
+                <a:solidFill>
+                  <a:srgbClr val="0000FF"/>
+                </a:solidFill>
+                <a:latin typeface="Consolas" panose="020B0609020204030204" pitchFamily="49" charset="0"/>
+              </a:rPr>
+              <a:t>&amp;</a:t>
+            </a:r>
+            <a:r>
+              <a:rPr lang="en-US" dirty="0">
+                <a:solidFill>
+                  <a:srgbClr val="000000"/>
+                </a:solidFill>
+                <a:latin typeface="Consolas" panose="020B0609020204030204" pitchFamily="49" charset="0"/>
+              </a:rPr>
+              <a:t> operator[](</a:t>
+            </a:r>
+            <a:r>
+              <a:rPr lang="en-US" dirty="0" err="1">
+                <a:solidFill>
+                  <a:srgbClr val="0000FF"/>
+                </a:solidFill>
+                <a:latin typeface="Consolas" panose="020B0609020204030204" pitchFamily="49" charset="0"/>
+              </a:rPr>
+              <a:t>int</a:t>
+            </a:r>
+            <a:r>
+              <a:rPr lang="en-US" dirty="0">
+                <a:solidFill>
+                  <a:srgbClr val="000000"/>
+                </a:solidFill>
+                <a:latin typeface="Consolas" panose="020B0609020204030204" pitchFamily="49" charset="0"/>
+              </a:rPr>
+              <a:t> </a:t>
+            </a:r>
+            <a:r>
+              <a:rPr lang="en-US" dirty="0" err="1">
+                <a:solidFill>
+                  <a:srgbClr val="000000"/>
+                </a:solidFill>
+                <a:latin typeface="Consolas" panose="020B0609020204030204" pitchFamily="49" charset="0"/>
+              </a:rPr>
+              <a:t>i</a:t>
+            </a:r>
+            <a:r>
+              <a:rPr lang="en-US" dirty="0">
+                <a:solidFill>
+                  <a:srgbClr val="000000"/>
+                </a:solidFill>
+                <a:latin typeface="Consolas" panose="020B0609020204030204" pitchFamily="49" charset="0"/>
+              </a:rPr>
+              <a:t>);</a:t>
+            </a:r>
+          </a:p>
+          <a:p>
+            <a:r>
+              <a:rPr lang="en-US" dirty="0">
+                <a:solidFill>
+                  <a:srgbClr val="000000"/>
+                </a:solidFill>
+                <a:latin typeface="Consolas" panose="020B0609020204030204" pitchFamily="49" charset="0"/>
+              </a:rPr>
+              <a:t>        </a:t>
+            </a:r>
+            <a:r>
+              <a:rPr lang="en-US" dirty="0">
+                <a:solidFill>
+                  <a:srgbClr val="0000FF"/>
+                </a:solidFill>
+                <a:latin typeface="Consolas" panose="020B0609020204030204" pitchFamily="49" charset="0"/>
+              </a:rPr>
+              <a:t>friend</a:t>
+            </a:r>
+            <a:r>
+              <a:rPr lang="en-US" dirty="0">
+                <a:solidFill>
+                  <a:srgbClr val="000000"/>
+                </a:solidFill>
+                <a:latin typeface="Consolas" panose="020B0609020204030204" pitchFamily="49" charset="0"/>
+              </a:rPr>
+              <a:t> </a:t>
+            </a:r>
+            <a:r>
+              <a:rPr lang="en-US" dirty="0" err="1">
+                <a:solidFill>
+                  <a:srgbClr val="000000"/>
+                </a:solidFill>
+                <a:latin typeface="Consolas" panose="020B0609020204030204" pitchFamily="49" charset="0"/>
+              </a:rPr>
+              <a:t>ostream</a:t>
+            </a:r>
+            <a:r>
+              <a:rPr lang="en-US" dirty="0">
+                <a:solidFill>
+                  <a:srgbClr val="0000FF"/>
+                </a:solidFill>
+                <a:latin typeface="Consolas" panose="020B0609020204030204" pitchFamily="49" charset="0"/>
+              </a:rPr>
+              <a:t>&amp;</a:t>
+            </a:r>
+            <a:r>
+              <a:rPr lang="en-US" dirty="0">
+                <a:solidFill>
+                  <a:srgbClr val="000000"/>
+                </a:solidFill>
+                <a:latin typeface="Consolas" panose="020B0609020204030204" pitchFamily="49" charset="0"/>
+              </a:rPr>
+              <a:t> </a:t>
+            </a:r>
+            <a:r>
+              <a:rPr lang="en-US" dirty="0">
+                <a:solidFill>
+                  <a:srgbClr val="0000FF"/>
+                </a:solidFill>
+                <a:latin typeface="Consolas" panose="020B0609020204030204" pitchFamily="49" charset="0"/>
+              </a:rPr>
+              <a:t>operator</a:t>
+            </a:r>
+            <a:r>
+              <a:rPr lang="en-US" dirty="0">
+                <a:solidFill>
+                  <a:srgbClr val="000000"/>
+                </a:solidFill>
+                <a:latin typeface="Consolas" panose="020B0609020204030204" pitchFamily="49" charset="0"/>
+              </a:rPr>
+              <a:t>&lt;&lt;(</a:t>
+            </a:r>
+            <a:r>
+              <a:rPr lang="en-US" dirty="0" err="1">
+                <a:solidFill>
+                  <a:srgbClr val="000000"/>
+                </a:solidFill>
+                <a:latin typeface="Consolas" panose="020B0609020204030204" pitchFamily="49" charset="0"/>
+              </a:rPr>
+              <a:t>ostream</a:t>
+            </a:r>
+            <a:r>
+              <a:rPr lang="en-US" dirty="0">
+                <a:solidFill>
+                  <a:srgbClr val="0000FF"/>
+                </a:solidFill>
+                <a:latin typeface="Consolas" panose="020B0609020204030204" pitchFamily="49" charset="0"/>
+              </a:rPr>
+              <a:t>&amp;</a:t>
+            </a:r>
+            <a:r>
+              <a:rPr lang="en-US" dirty="0">
+                <a:solidFill>
+                  <a:srgbClr val="000000"/>
+                </a:solidFill>
+                <a:latin typeface="Consolas" panose="020B0609020204030204" pitchFamily="49" charset="0"/>
+              </a:rPr>
+              <a:t> out, Array&lt;TF&gt;</a:t>
+            </a:r>
+            <a:r>
+              <a:rPr lang="en-US" dirty="0">
+                <a:solidFill>
+                  <a:srgbClr val="0000FF"/>
+                </a:solidFill>
+                <a:latin typeface="Consolas" panose="020B0609020204030204" pitchFamily="49" charset="0"/>
+              </a:rPr>
+              <a:t>&amp;</a:t>
+            </a:r>
+            <a:r>
+              <a:rPr lang="en-US" dirty="0">
+                <a:solidFill>
+                  <a:srgbClr val="000000"/>
+                </a:solidFill>
+                <a:latin typeface="Consolas" panose="020B0609020204030204" pitchFamily="49" charset="0"/>
+              </a:rPr>
+              <a:t> </a:t>
+            </a:r>
+            <a:r>
+              <a:rPr lang="en-US" dirty="0" err="1">
+                <a:solidFill>
+                  <a:srgbClr val="000000"/>
+                </a:solidFill>
+                <a:latin typeface="Consolas" panose="020B0609020204030204" pitchFamily="49" charset="0"/>
+              </a:rPr>
+              <a:t>arr</a:t>
+            </a:r>
+            <a:r>
+              <a:rPr lang="en-US" dirty="0">
+                <a:solidFill>
+                  <a:srgbClr val="000000"/>
+                </a:solidFill>
+                <a:latin typeface="Consolas" panose="020B0609020204030204" pitchFamily="49" charset="0"/>
+              </a:rPr>
+              <a:t>);</a:t>
+            </a:r>
+          </a:p>
+          <a:p>
+            <a:r>
+              <a:rPr lang="en-US" dirty="0" smtClean="0">
+                <a:solidFill>
+                  <a:srgbClr val="000000"/>
+                </a:solidFill>
+                <a:latin typeface="Consolas" panose="020B0609020204030204" pitchFamily="49" charset="0"/>
+              </a:rPr>
+              <a:t>};</a:t>
+            </a:r>
+          </a:p>
+          <a:p>
+            <a:endParaRPr lang="en-US" b="0" dirty="0">
+              <a:solidFill>
+                <a:srgbClr val="000000"/>
+              </a:solidFill>
+              <a:effectLst/>
+              <a:latin typeface="Consolas" panose="020B0609020204030204" pitchFamily="49" charset="0"/>
+            </a:endParaRPr>
+          </a:p>
+          <a:p>
+            <a:r>
+              <a:rPr lang="en-US" dirty="0">
+                <a:solidFill>
+                  <a:srgbClr val="0000FF"/>
+                </a:solidFill>
+                <a:latin typeface="Consolas" panose="020B0609020204030204" pitchFamily="49" charset="0"/>
+              </a:rPr>
+              <a:t>template</a:t>
+            </a:r>
+            <a:r>
+              <a:rPr lang="en-US" dirty="0">
+                <a:solidFill>
+                  <a:srgbClr val="000000"/>
+                </a:solidFill>
+                <a:latin typeface="Consolas" panose="020B0609020204030204" pitchFamily="49" charset="0"/>
+              </a:rPr>
+              <a:t> &lt;</a:t>
+            </a:r>
+            <a:r>
+              <a:rPr lang="en-US" dirty="0" err="1">
+                <a:solidFill>
+                  <a:srgbClr val="0000FF"/>
+                </a:solidFill>
+                <a:latin typeface="Consolas" panose="020B0609020204030204" pitchFamily="49" charset="0"/>
+              </a:rPr>
+              <a:t>typename</a:t>
+            </a:r>
+            <a:r>
+              <a:rPr lang="en-US" dirty="0">
+                <a:solidFill>
+                  <a:srgbClr val="000000"/>
+                </a:solidFill>
+                <a:latin typeface="Consolas" panose="020B0609020204030204" pitchFamily="49" charset="0"/>
+              </a:rPr>
+              <a:t> T&gt;</a:t>
+            </a:r>
+          </a:p>
+          <a:p>
+            <a:r>
+              <a:rPr lang="en-US" dirty="0">
+                <a:solidFill>
+                  <a:srgbClr val="000000"/>
+                </a:solidFill>
+                <a:latin typeface="Consolas" panose="020B0609020204030204" pitchFamily="49" charset="0"/>
+              </a:rPr>
+              <a:t>T</a:t>
+            </a:r>
+            <a:r>
+              <a:rPr lang="en-US" dirty="0">
+                <a:solidFill>
+                  <a:srgbClr val="0000FF"/>
+                </a:solidFill>
+                <a:latin typeface="Consolas" panose="020B0609020204030204" pitchFamily="49" charset="0"/>
+              </a:rPr>
+              <a:t>&amp;</a:t>
+            </a:r>
+            <a:r>
+              <a:rPr lang="en-US" dirty="0">
+                <a:solidFill>
+                  <a:srgbClr val="000000"/>
+                </a:solidFill>
+                <a:latin typeface="Consolas" panose="020B0609020204030204" pitchFamily="49" charset="0"/>
+              </a:rPr>
+              <a:t> Array&lt;T&gt;::operator[](</a:t>
+            </a:r>
+            <a:r>
+              <a:rPr lang="en-US" dirty="0" err="1">
+                <a:solidFill>
+                  <a:srgbClr val="0000FF"/>
+                </a:solidFill>
+                <a:latin typeface="Consolas" panose="020B0609020204030204" pitchFamily="49" charset="0"/>
+              </a:rPr>
+              <a:t>int</a:t>
+            </a:r>
+            <a:r>
+              <a:rPr lang="en-US" dirty="0">
+                <a:solidFill>
+                  <a:srgbClr val="000000"/>
+                </a:solidFill>
+                <a:latin typeface="Consolas" panose="020B0609020204030204" pitchFamily="49" charset="0"/>
+              </a:rPr>
+              <a:t> </a:t>
+            </a:r>
+            <a:r>
+              <a:rPr lang="en-US" dirty="0" err="1">
+                <a:solidFill>
+                  <a:srgbClr val="000000"/>
+                </a:solidFill>
+                <a:latin typeface="Consolas" panose="020B0609020204030204" pitchFamily="49" charset="0"/>
+              </a:rPr>
+              <a:t>i</a:t>
+            </a:r>
+            <a:r>
+              <a:rPr lang="en-US" dirty="0">
+                <a:solidFill>
+                  <a:srgbClr val="000000"/>
+                </a:solidFill>
+                <a:latin typeface="Consolas" panose="020B0609020204030204" pitchFamily="49" charset="0"/>
+              </a:rPr>
+              <a:t>) {</a:t>
+            </a:r>
+          </a:p>
+          <a:p>
+            <a:r>
+              <a:rPr lang="en-US" dirty="0">
+                <a:solidFill>
+                  <a:srgbClr val="000000"/>
+                </a:solidFill>
+                <a:latin typeface="Consolas" panose="020B0609020204030204" pitchFamily="49" charset="0"/>
+              </a:rPr>
+              <a:t>    </a:t>
+            </a:r>
+            <a:r>
+              <a:rPr lang="ru-RU" dirty="0">
+                <a:solidFill>
+                  <a:srgbClr val="008000"/>
+                </a:solidFill>
+                <a:latin typeface="Consolas" panose="020B0609020204030204" pitchFamily="49" charset="0"/>
+              </a:rPr>
+              <a:t>// Описание</a:t>
+            </a:r>
+            <a:endParaRPr lang="ru-RU" dirty="0">
+              <a:solidFill>
+                <a:srgbClr val="000000"/>
+              </a:solidFill>
+              <a:latin typeface="Consolas" panose="020B0609020204030204" pitchFamily="49" charset="0"/>
+            </a:endParaRPr>
+          </a:p>
+          <a:p>
+            <a:r>
+              <a:rPr lang="en-US" dirty="0" smtClean="0">
+                <a:solidFill>
+                  <a:srgbClr val="000000"/>
+                </a:solidFill>
+                <a:latin typeface="Consolas" panose="020B0609020204030204" pitchFamily="49" charset="0"/>
+              </a:rPr>
+              <a:t>}</a:t>
+            </a:r>
+            <a:endParaRPr lang="en-US" dirty="0">
+              <a:solidFill>
+                <a:srgbClr val="000000"/>
+              </a:solidFill>
+              <a:latin typeface="Consolas" panose="020B0609020204030204" pitchFamily="49" charset="0"/>
+            </a:endParaRPr>
+          </a:p>
+        </p:txBody>
+      </p:sp>
+      <p:sp>
+        <p:nvSpPr>
+          <p:cNvPr id="7" name="Прямоугольник 6"/>
+          <p:cNvSpPr/>
+          <p:nvPr/>
+        </p:nvSpPr>
+        <p:spPr>
+          <a:xfrm>
+            <a:off x="5056367" y="5575508"/>
+            <a:ext cx="6959104" cy="1200329"/>
+          </a:xfrm>
+          <a:prstGeom prst="rect">
+            <a:avLst/>
+          </a:prstGeom>
+        </p:spPr>
+        <p:txBody>
+          <a:bodyPr wrap="square">
+            <a:spAutoFit/>
+          </a:bodyPr>
+          <a:lstStyle/>
+          <a:p>
+            <a:r>
+              <a:rPr lang="en-US" dirty="0">
+                <a:solidFill>
+                  <a:srgbClr val="0000FF"/>
+                </a:solidFill>
+                <a:latin typeface="Consolas" panose="020B0609020204030204" pitchFamily="49" charset="0"/>
+              </a:rPr>
+              <a:t>template</a:t>
+            </a:r>
+            <a:r>
+              <a:rPr lang="en-US" dirty="0">
+                <a:solidFill>
+                  <a:srgbClr val="000000"/>
+                </a:solidFill>
+                <a:latin typeface="Consolas" panose="020B0609020204030204" pitchFamily="49" charset="0"/>
+              </a:rPr>
+              <a:t> &lt;</a:t>
+            </a:r>
+            <a:r>
+              <a:rPr lang="en-US" dirty="0" err="1">
+                <a:solidFill>
+                  <a:srgbClr val="0000FF"/>
+                </a:solidFill>
+                <a:latin typeface="Consolas" panose="020B0609020204030204" pitchFamily="49" charset="0"/>
+              </a:rPr>
+              <a:t>typename</a:t>
+            </a:r>
+            <a:r>
+              <a:rPr lang="en-US" dirty="0">
+                <a:solidFill>
+                  <a:srgbClr val="000000"/>
+                </a:solidFill>
+                <a:latin typeface="Consolas" panose="020B0609020204030204" pitchFamily="49" charset="0"/>
+              </a:rPr>
+              <a:t> T&gt;</a:t>
+            </a:r>
+          </a:p>
+          <a:p>
+            <a:r>
+              <a:rPr lang="en-US" dirty="0" err="1">
+                <a:solidFill>
+                  <a:srgbClr val="000000"/>
+                </a:solidFill>
+                <a:latin typeface="Consolas" panose="020B0609020204030204" pitchFamily="49" charset="0"/>
+              </a:rPr>
+              <a:t>ostream</a:t>
+            </a:r>
+            <a:r>
+              <a:rPr lang="en-US" dirty="0">
+                <a:solidFill>
+                  <a:srgbClr val="0000FF"/>
+                </a:solidFill>
+                <a:latin typeface="Consolas" panose="020B0609020204030204" pitchFamily="49" charset="0"/>
+              </a:rPr>
+              <a:t>&amp;</a:t>
+            </a:r>
+            <a:r>
+              <a:rPr lang="en-US" dirty="0">
+                <a:solidFill>
+                  <a:srgbClr val="000000"/>
+                </a:solidFill>
+                <a:latin typeface="Consolas" panose="020B0609020204030204" pitchFamily="49" charset="0"/>
+              </a:rPr>
+              <a:t> </a:t>
+            </a:r>
+            <a:r>
+              <a:rPr lang="en-US" dirty="0">
+                <a:solidFill>
+                  <a:srgbClr val="0000FF"/>
+                </a:solidFill>
+                <a:latin typeface="Consolas" panose="020B0609020204030204" pitchFamily="49" charset="0"/>
+              </a:rPr>
+              <a:t>operator</a:t>
+            </a:r>
+            <a:r>
+              <a:rPr lang="en-US" dirty="0">
+                <a:solidFill>
+                  <a:srgbClr val="000000"/>
+                </a:solidFill>
+                <a:latin typeface="Consolas" panose="020B0609020204030204" pitchFamily="49" charset="0"/>
+              </a:rPr>
+              <a:t>&lt;&lt;(</a:t>
+            </a:r>
+            <a:r>
+              <a:rPr lang="en-US" dirty="0" err="1">
+                <a:solidFill>
+                  <a:srgbClr val="000000"/>
+                </a:solidFill>
+                <a:latin typeface="Consolas" panose="020B0609020204030204" pitchFamily="49" charset="0"/>
+              </a:rPr>
+              <a:t>ostream</a:t>
+            </a:r>
+            <a:r>
+              <a:rPr lang="en-US" dirty="0">
+                <a:solidFill>
+                  <a:srgbClr val="0000FF"/>
+                </a:solidFill>
+                <a:latin typeface="Consolas" panose="020B0609020204030204" pitchFamily="49" charset="0"/>
+              </a:rPr>
+              <a:t>&amp;</a:t>
+            </a:r>
+            <a:r>
+              <a:rPr lang="en-US" dirty="0">
+                <a:solidFill>
+                  <a:srgbClr val="000000"/>
+                </a:solidFill>
+                <a:latin typeface="Consolas" panose="020B0609020204030204" pitchFamily="49" charset="0"/>
+              </a:rPr>
+              <a:t> out, Array&lt;T&gt;</a:t>
+            </a:r>
+            <a:r>
+              <a:rPr lang="en-US" dirty="0">
+                <a:solidFill>
+                  <a:srgbClr val="0000FF"/>
+                </a:solidFill>
+                <a:latin typeface="Consolas" panose="020B0609020204030204" pitchFamily="49" charset="0"/>
+              </a:rPr>
+              <a:t>&amp;</a:t>
+            </a:r>
+            <a:r>
+              <a:rPr lang="en-US" dirty="0">
+                <a:solidFill>
+                  <a:srgbClr val="000000"/>
+                </a:solidFill>
+                <a:latin typeface="Consolas" panose="020B0609020204030204" pitchFamily="49" charset="0"/>
+              </a:rPr>
+              <a:t> </a:t>
+            </a:r>
+            <a:r>
+              <a:rPr lang="en-US" dirty="0" err="1">
+                <a:solidFill>
+                  <a:srgbClr val="000000"/>
+                </a:solidFill>
+                <a:latin typeface="Consolas" panose="020B0609020204030204" pitchFamily="49" charset="0"/>
+              </a:rPr>
+              <a:t>arr</a:t>
+            </a:r>
+            <a:r>
+              <a:rPr lang="en-US" dirty="0">
+                <a:solidFill>
+                  <a:srgbClr val="000000"/>
+                </a:solidFill>
+                <a:latin typeface="Consolas" panose="020B0609020204030204" pitchFamily="49" charset="0"/>
+              </a:rPr>
+              <a:t>){</a:t>
+            </a:r>
+          </a:p>
+          <a:p>
+            <a:r>
+              <a:rPr lang="en-US" dirty="0">
+                <a:solidFill>
+                  <a:srgbClr val="000000"/>
+                </a:solidFill>
+                <a:latin typeface="Consolas" panose="020B0609020204030204" pitchFamily="49" charset="0"/>
+              </a:rPr>
+              <a:t>  </a:t>
+            </a:r>
+            <a:r>
+              <a:rPr lang="ru-RU" dirty="0">
+                <a:solidFill>
+                  <a:srgbClr val="008000"/>
+                </a:solidFill>
+                <a:latin typeface="Consolas" panose="020B0609020204030204" pitchFamily="49" charset="0"/>
+              </a:rPr>
+              <a:t>// Описание</a:t>
+            </a:r>
+            <a:endParaRPr lang="en-US" dirty="0">
+              <a:solidFill>
+                <a:srgbClr val="000000"/>
+              </a:solidFill>
+              <a:latin typeface="Consolas" panose="020B0609020204030204" pitchFamily="49" charset="0"/>
+            </a:endParaRPr>
+          </a:p>
+          <a:p>
+            <a:r>
+              <a:rPr lang="en-US" dirty="0">
+                <a:solidFill>
+                  <a:srgbClr val="000000"/>
+                </a:solidFill>
+                <a:latin typeface="Consolas" panose="020B0609020204030204" pitchFamily="49" charset="0"/>
+              </a:rPr>
+              <a:t>}</a:t>
+            </a:r>
+            <a:endParaRPr lang="en-US" dirty="0">
+              <a:solidFill>
+                <a:srgbClr val="000000"/>
+              </a:solidFill>
+              <a:latin typeface="Consolas" panose="020B0609020204030204" pitchFamily="49" charset="0"/>
+            </a:endParaRPr>
+          </a:p>
+        </p:txBody>
+      </p:sp>
+    </p:spTree>
+    <p:extLst>
+      <p:ext uri="{BB962C8B-B14F-4D97-AF65-F5344CB8AC3E}">
+        <p14:creationId xmlns:p14="http://schemas.microsoft.com/office/powerpoint/2010/main" val="2565044115"/>
+      </p:ext>
+    </p:extLst>
+  </p:cSld>
+  <p:clrMapOvr>
+    <a:masterClrMapping/>
+  </p:clrMapOvr>
+</p:sld>
+</file>
+
+<file path=ppt/slides/slide16.xml><?xml version="1.0" encoding="utf-8"?>
+<p:sld xmlns:a="http://schemas.openxmlformats.org/drawingml/2006/main" xmlns:r="http://schemas.openxmlformats.org/officeDocument/2006/relationships" xmlns:p="http://schemas.openxmlformats.org/presentationml/2006/main">
+  <p:cSld>
+    <p:spTree>
+      <p:nvGrpSpPr>
+        <p:cNvPr id="1" name=""/>
+        <p:cNvGrpSpPr/>
+        <p:nvPr/>
+      </p:nvGrpSpPr>
+      <p:grpSpPr>
+        <a:xfrm>
+          <a:off x="0" y="0"/>
+          <a:ext cx="0" cy="0"/>
+          <a:chOff x="0" y="0"/>
+          <a:chExt cx="0" cy="0"/>
+        </a:xfrm>
+      </p:grpSpPr>
+      <p:sp>
+        <p:nvSpPr>
+          <p:cNvPr id="2" name="Прямоугольник 1"/>
+          <p:cNvSpPr/>
+          <p:nvPr/>
+        </p:nvSpPr>
+        <p:spPr>
+          <a:xfrm>
+            <a:off x="4636004" y="0"/>
+            <a:ext cx="2920031" cy="523220"/>
+          </a:xfrm>
+          <a:prstGeom prst="rect">
+            <a:avLst/>
+          </a:prstGeom>
+        </p:spPr>
+        <p:txBody>
+          <a:bodyPr wrap="none">
+            <a:spAutoFit/>
+          </a:bodyPr>
+          <a:lstStyle/>
+          <a:p>
+            <a:pPr algn="ctr"/>
+            <a:r>
+              <a:rPr lang="ru-RU" sz="2800" b="1" dirty="0" smtClean="0"/>
+              <a:t>Немного критики</a:t>
+            </a:r>
+            <a:endParaRPr lang="ru-RU" sz="2800" b="1" dirty="0"/>
+          </a:p>
+        </p:txBody>
+      </p:sp>
+      <p:sp>
+        <p:nvSpPr>
+          <p:cNvPr id="3" name="TextBox 2"/>
+          <p:cNvSpPr txBox="1"/>
+          <p:nvPr/>
+        </p:nvSpPr>
+        <p:spPr>
+          <a:xfrm>
+            <a:off x="680614" y="997636"/>
+            <a:ext cx="10830809" cy="3970318"/>
+          </a:xfrm>
+          <a:prstGeom prst="rect">
+            <a:avLst/>
+          </a:prstGeom>
+          <a:noFill/>
+        </p:spPr>
+        <p:txBody>
+          <a:bodyPr wrap="square" rtlCol="0">
+            <a:spAutoFit/>
+          </a:bodyPr>
+          <a:lstStyle/>
+          <a:p>
+            <a:r>
+              <a:rPr lang="ru-RU" dirty="0" smtClean="0"/>
+              <a:t>Было бы глупо отрицать проблемы шаблонов которые существуют, вот те которые выделяют и которые плавают на поверхности вопроса</a:t>
+            </a:r>
+            <a:r>
+              <a:rPr lang="en-US" dirty="0" smtClean="0"/>
+              <a:t>:</a:t>
+            </a:r>
+          </a:p>
+          <a:p>
+            <a:pPr marL="285750" indent="-285750">
+              <a:buFont typeface="Arial" panose="020B0604020202020204" pitchFamily="34" charset="0"/>
+              <a:buChar char="•"/>
+            </a:pPr>
+            <a:r>
+              <a:rPr lang="ru-RU" dirty="0" smtClean="0"/>
+              <a:t>Проблема </a:t>
+            </a:r>
+            <a:r>
+              <a:rPr lang="ru-RU" dirty="0" err="1" smtClean="0"/>
+              <a:t>портируемости</a:t>
+            </a:r>
+            <a:r>
+              <a:rPr lang="ru-RU" dirty="0" smtClean="0"/>
+              <a:t> на другие платформы</a:t>
+            </a:r>
+          </a:p>
+          <a:p>
+            <a:pPr marL="285750" indent="-285750">
+              <a:buFont typeface="Arial" panose="020B0604020202020204" pitchFamily="34" charset="0"/>
+              <a:buChar char="•"/>
+            </a:pPr>
+            <a:r>
+              <a:rPr lang="ru-RU" dirty="0" smtClean="0"/>
+              <a:t>Проблема поддержки отладки</a:t>
+            </a:r>
+          </a:p>
+          <a:p>
+            <a:pPr marL="285750" indent="-285750">
+              <a:buFont typeface="Arial" panose="020B0604020202020204" pitchFamily="34" charset="0"/>
+              <a:buChar char="•"/>
+            </a:pPr>
+            <a:r>
+              <a:rPr lang="ru-RU" dirty="0" smtClean="0"/>
+              <a:t>Проблема поддержки ввода</a:t>
+            </a:r>
+            <a:r>
+              <a:rPr lang="en-US" dirty="0" smtClean="0"/>
+              <a:t>/</a:t>
+            </a:r>
+            <a:r>
+              <a:rPr lang="ru-RU" dirty="0" smtClean="0"/>
+              <a:t>вывода в процессе спецификации шаблона</a:t>
+            </a:r>
+          </a:p>
+          <a:p>
+            <a:pPr marL="285750" indent="-285750">
+              <a:buFont typeface="Arial" panose="020B0604020202020204" pitchFamily="34" charset="0"/>
+              <a:buChar char="•"/>
+            </a:pPr>
+            <a:r>
+              <a:rPr lang="ru-RU" dirty="0" smtClean="0"/>
+              <a:t>Длительное время компиляции</a:t>
+            </a:r>
+          </a:p>
+          <a:p>
+            <a:pPr marL="285750" indent="-285750">
+              <a:buFont typeface="Arial" panose="020B0604020202020204" pitchFamily="34" charset="0"/>
+              <a:buChar char="•"/>
+            </a:pPr>
+            <a:r>
+              <a:rPr lang="ru-RU" dirty="0" smtClean="0"/>
+              <a:t>Снижение читабельности кода</a:t>
+            </a:r>
+          </a:p>
+          <a:p>
+            <a:pPr marL="285750" indent="-285750">
+              <a:buFont typeface="Arial" panose="020B0604020202020204" pitchFamily="34" charset="0"/>
+              <a:buChar char="•"/>
+            </a:pPr>
+            <a:r>
+              <a:rPr lang="ru-RU" dirty="0" smtClean="0"/>
+              <a:t>Проблему диагностики ошибок из-за их сомнительного формата</a:t>
+            </a:r>
+          </a:p>
+          <a:p>
+            <a:endParaRPr lang="ru-RU" dirty="0"/>
+          </a:p>
+          <a:p>
+            <a:r>
+              <a:rPr lang="ru-RU" dirty="0" smtClean="0"/>
+              <a:t>В некоторых языках есть аналоги шаблонов, которые по мнению некоторых работают лучше, или имеют другие преимущества, так </a:t>
+            </a:r>
+            <a:r>
+              <a:rPr lang="en-US" dirty="0" smtClean="0"/>
+              <a:t>Java </a:t>
+            </a:r>
+            <a:r>
+              <a:rPr lang="ru-RU" dirty="0" smtClean="0"/>
+              <a:t>реализует свою систему обобщенного программирования, есть языки которые специализируются на программировании типов, что требует от них обобщающих подходов, и при этом они не требуют шаблонов как в С++. Так же есть язык </a:t>
+            </a:r>
+            <a:r>
+              <a:rPr lang="en-US" dirty="0" smtClean="0"/>
+              <a:t>D</a:t>
+            </a:r>
+            <a:r>
+              <a:rPr lang="ru-RU" dirty="0" smtClean="0"/>
+              <a:t>, в котором систем шаблонов считается более мощной чем в С++.</a:t>
+            </a:r>
+          </a:p>
+        </p:txBody>
+      </p:sp>
+    </p:spTree>
+    <p:extLst>
+      <p:ext uri="{BB962C8B-B14F-4D97-AF65-F5344CB8AC3E}">
+        <p14:creationId xmlns:p14="http://schemas.microsoft.com/office/powerpoint/2010/main" val="2313470538"/>
+      </p:ext>
+    </p:extLst>
+  </p:cSld>
+  <p:clrMapOvr>
+    <a:masterClrMapping/>
+  </p:clrMapOvr>
+</p:sld>
+</file>
+
+<file path=ppt/slides/slide17.xml><?xml version="1.0" encoding="utf-8"?>
 <p:sld xmlns:a="http://schemas.openxmlformats.org/drawingml/2006/main" xmlns:r="http://schemas.openxmlformats.org/officeDocument/2006/relationships" xmlns:p="http://schemas.openxmlformats.org/presentationml/2006/main">
   <p:cSld>
     <p:spTree>
@@ -10891,7 +13289,6 @@
                   <a:solidFill>
                     <a:srgbClr val="000000"/>
                   </a:solidFill>
-                  <a:latin typeface="Open Sans"/>
                 </a:rPr>
                 <a:t>У шаблонов функций </a:t>
               </a:r>
@@ -10900,7 +13297,6 @@
                   <a:solidFill>
                     <a:srgbClr val="000000"/>
                   </a:solidFill>
-                  <a:latin typeface="Open Sans"/>
                 </a:rPr>
                 <a:t>есть два основных недостатка:</a:t>
               </a:r>
@@ -10908,7 +13304,6 @@
                 <a:solidFill>
                   <a:srgbClr val="000000"/>
                 </a:solidFill>
-                <a:latin typeface="Open Sans"/>
               </a:endParaRPr>
             </a:p>
             <a:p>
@@ -10921,7 +13316,6 @@
                   <a:solidFill>
                     <a:srgbClr val="000000"/>
                   </a:solidFill>
-                  <a:latin typeface="Open Sans"/>
                 </a:rPr>
                 <a:t>Сумасшедшие </a:t>
               </a:r>
@@ -10930,7 +13324,6 @@
                   <a:solidFill>
                     <a:srgbClr val="000000"/>
                   </a:solidFill>
-                  <a:latin typeface="Open Sans"/>
                 </a:rPr>
                 <a:t>сообщения об ошибках, которые намного сложнее </a:t>
               </a:r>
@@ -10939,7 +13332,6 @@
                   <a:solidFill>
                     <a:srgbClr val="000000"/>
                   </a:solidFill>
-                  <a:latin typeface="Open Sans"/>
                 </a:rPr>
                 <a:t>расшифровать</a:t>
               </a:r>
@@ -10954,7 +13346,6 @@
                   <a:solidFill>
                     <a:srgbClr val="000000"/>
                   </a:solidFill>
-                  <a:latin typeface="Open Sans"/>
                 </a:rPr>
                 <a:t>увеличивают </a:t>
               </a:r>
@@ -10963,7 +13354,6 @@
                   <a:solidFill>
                     <a:srgbClr val="000000"/>
                   </a:solidFill>
-                  <a:latin typeface="Open Sans"/>
                 </a:rPr>
                 <a:t>время компиляции и размер </a:t>
               </a:r>
@@ -10972,7 +13362,6 @@
                   <a:solidFill>
                     <a:srgbClr val="000000"/>
                   </a:solidFill>
-                  <a:latin typeface="Open Sans"/>
                 </a:rPr>
                 <a:t>кода</a:t>
               </a:r>
@@ -10981,7 +13370,6 @@
                   <a:srgbClr val="000000"/>
                 </a:solidFill>
                 <a:effectLst/>
-                <a:latin typeface="Open Sans"/>
               </a:endParaRPr>
             </a:p>
           </p:txBody>
@@ -12154,6 +14542,39 @@
           </p:txBody>
         </p:sp>
       </p:grpSp>
+      <p:sp>
+        <p:nvSpPr>
+          <p:cNvPr id="3" name="Прямоугольник 2"/>
+          <p:cNvSpPr/>
+          <p:nvPr/>
+        </p:nvSpPr>
+        <p:spPr>
+          <a:xfrm>
+            <a:off x="1001918" y="5380672"/>
+            <a:ext cx="10188164" cy="923330"/>
+          </a:xfrm>
+          <a:prstGeom prst="rect">
+            <a:avLst/>
+          </a:prstGeom>
+        </p:spPr>
+        <p:txBody>
+          <a:bodyPr wrap="square">
+            <a:spAutoFit/>
+          </a:bodyPr>
+          <a:lstStyle/>
+          <a:p>
+            <a:r>
+              <a:rPr lang="ru-RU" b="1" i="1" dirty="0">
+                <a:solidFill>
+                  <a:srgbClr val="111111"/>
+                </a:solidFill>
+              </a:rPr>
+              <a:t>Любой шаблон функции предполагает наличие определенных свойств параметризованного типа, в зависимости от реализации (например, оператора копирования, оператора сравнения, наличия определенного метода и т.д.).</a:t>
+            </a:r>
+            <a:endParaRPr lang="ru-RU" b="1" dirty="0"/>
+          </a:p>
+        </p:txBody>
+      </p:sp>
     </p:spTree>
     <p:extLst>
       <p:ext uri="{BB962C8B-B14F-4D97-AF65-F5344CB8AC3E}">
